--- a/Part2_ForwardKinematics/Manipulator Coordinate Setting.pptx
+++ b/Part2_ForwardKinematics/Manipulator Coordinate Setting.pptx
@@ -113,6 +113,11 @@
       </a:defRPr>
     </a:lvl9pPr>
   </p:defaultTextStyle>
+  <p:extLst>
+    <p:ext uri="{EFAFB233-063F-42B5-8137-9DF3F51BA10A}">
+      <p15:sldGuideLst xmlns:p15="http://schemas.microsoft.com/office/powerpoint/2012/main"/>
+    </p:ext>
+  </p:extLst>
 </p:presentation>
 </file>
 
@@ -263,7 +268,7 @@
           <a:p>
             <a:fld id="{16DC459C-ED5C-411E-9003-AC3195C430B3}" type="datetimeFigureOut">
               <a:rPr lang="ko-KR" altLang="en-US" smtClean="0"/>
-              <a:t>2023-06-29</a:t>
+              <a:t>2023-06-30</a:t>
             </a:fld>
             <a:endParaRPr lang="ko-KR" altLang="en-US"/>
           </a:p>
@@ -461,7 +466,7 @@
           <a:p>
             <a:fld id="{16DC459C-ED5C-411E-9003-AC3195C430B3}" type="datetimeFigureOut">
               <a:rPr lang="ko-KR" altLang="en-US" smtClean="0"/>
-              <a:t>2023-06-29</a:t>
+              <a:t>2023-06-30</a:t>
             </a:fld>
             <a:endParaRPr lang="ko-KR" altLang="en-US"/>
           </a:p>
@@ -669,7 +674,7 @@
           <a:p>
             <a:fld id="{16DC459C-ED5C-411E-9003-AC3195C430B3}" type="datetimeFigureOut">
               <a:rPr lang="ko-KR" altLang="en-US" smtClean="0"/>
-              <a:t>2023-06-29</a:t>
+              <a:t>2023-06-30</a:t>
             </a:fld>
             <a:endParaRPr lang="ko-KR" altLang="en-US"/>
           </a:p>
@@ -867,7 +872,7 @@
           <a:p>
             <a:fld id="{16DC459C-ED5C-411E-9003-AC3195C430B3}" type="datetimeFigureOut">
               <a:rPr lang="ko-KR" altLang="en-US" smtClean="0"/>
-              <a:t>2023-06-29</a:t>
+              <a:t>2023-06-30</a:t>
             </a:fld>
             <a:endParaRPr lang="ko-KR" altLang="en-US"/>
           </a:p>
@@ -1142,7 +1147,7 @@
           <a:p>
             <a:fld id="{16DC459C-ED5C-411E-9003-AC3195C430B3}" type="datetimeFigureOut">
               <a:rPr lang="ko-KR" altLang="en-US" smtClean="0"/>
-              <a:t>2023-06-29</a:t>
+              <a:t>2023-06-30</a:t>
             </a:fld>
             <a:endParaRPr lang="ko-KR" altLang="en-US"/>
           </a:p>
@@ -1407,7 +1412,7 @@
           <a:p>
             <a:fld id="{16DC459C-ED5C-411E-9003-AC3195C430B3}" type="datetimeFigureOut">
               <a:rPr lang="ko-KR" altLang="en-US" smtClean="0"/>
-              <a:t>2023-06-29</a:t>
+              <a:t>2023-06-30</a:t>
             </a:fld>
             <a:endParaRPr lang="ko-KR" altLang="en-US"/>
           </a:p>
@@ -1819,7 +1824,7 @@
           <a:p>
             <a:fld id="{16DC459C-ED5C-411E-9003-AC3195C430B3}" type="datetimeFigureOut">
               <a:rPr lang="ko-KR" altLang="en-US" smtClean="0"/>
-              <a:t>2023-06-29</a:t>
+              <a:t>2023-06-30</a:t>
             </a:fld>
             <a:endParaRPr lang="ko-KR" altLang="en-US"/>
           </a:p>
@@ -1960,7 +1965,7 @@
           <a:p>
             <a:fld id="{16DC459C-ED5C-411E-9003-AC3195C430B3}" type="datetimeFigureOut">
               <a:rPr lang="ko-KR" altLang="en-US" smtClean="0"/>
-              <a:t>2023-06-29</a:t>
+              <a:t>2023-06-30</a:t>
             </a:fld>
             <a:endParaRPr lang="ko-KR" altLang="en-US"/>
           </a:p>
@@ -2073,7 +2078,7 @@
           <a:p>
             <a:fld id="{16DC459C-ED5C-411E-9003-AC3195C430B3}" type="datetimeFigureOut">
               <a:rPr lang="ko-KR" altLang="en-US" smtClean="0"/>
-              <a:t>2023-06-29</a:t>
+              <a:t>2023-06-30</a:t>
             </a:fld>
             <a:endParaRPr lang="ko-KR" altLang="en-US"/>
           </a:p>
@@ -2384,7 +2389,7 @@
           <a:p>
             <a:fld id="{16DC459C-ED5C-411E-9003-AC3195C430B3}" type="datetimeFigureOut">
               <a:rPr lang="ko-KR" altLang="en-US" smtClean="0"/>
-              <a:t>2023-06-29</a:t>
+              <a:t>2023-06-30</a:t>
             </a:fld>
             <a:endParaRPr lang="ko-KR" altLang="en-US"/>
           </a:p>
@@ -2672,7 +2677,7 @@
           <a:p>
             <a:fld id="{16DC459C-ED5C-411E-9003-AC3195C430B3}" type="datetimeFigureOut">
               <a:rPr lang="ko-KR" altLang="en-US" smtClean="0"/>
-              <a:t>2023-06-29</a:t>
+              <a:t>2023-06-30</a:t>
             </a:fld>
             <a:endParaRPr lang="ko-KR" altLang="en-US"/>
           </a:p>
@@ -2913,7 +2918,7 @@
           <a:p>
             <a:fld id="{16DC459C-ED5C-411E-9003-AC3195C430B3}" type="datetimeFigureOut">
               <a:rPr lang="ko-KR" altLang="en-US" smtClean="0"/>
-              <a:t>2023-06-29</a:t>
+              <a:t>2023-06-30</a:t>
             </a:fld>
             <a:endParaRPr lang="ko-KR" altLang="en-US"/>
           </a:p>
@@ -3661,10 +3666,10 @@
       </p:grpSpPr>
       <p:grpSp>
         <p:nvGrpSpPr>
-          <p:cNvPr id="89" name="그룹 88">
+          <p:cNvPr id="2" name="그룹 1">
             <a:extLst>
               <a:ext uri="{FF2B5EF4-FFF2-40B4-BE49-F238E27FC236}">
-                <a16:creationId xmlns:a16="http://schemas.microsoft.com/office/drawing/2014/main" id="{0B530C7C-7513-96B1-7FD4-0544F7DA8991}"/>
+                <a16:creationId xmlns:a16="http://schemas.microsoft.com/office/drawing/2014/main" id="{FAFE1B20-09A6-4CE8-4997-6DD2969946D9}"/>
               </a:ext>
             </a:extLst>
           </p:cNvPr>
@@ -3675,16 +3680,708 @@
           <a:xfrm>
             <a:off x="2523539" y="-584200"/>
             <a:ext cx="7325360" cy="7442200"/>
-            <a:chOff x="2824480" y="-868680"/>
+            <a:chOff x="2523539" y="-584200"/>
             <a:chExt cx="7325360" cy="7442200"/>
           </a:xfrm>
         </p:grpSpPr>
+        <p:sp>
+          <p:nvSpPr>
+            <p:cNvPr id="3" name="직사각형 2">
+              <a:extLst>
+                <a:ext uri="{FF2B5EF4-FFF2-40B4-BE49-F238E27FC236}">
+                  <a16:creationId xmlns:a16="http://schemas.microsoft.com/office/drawing/2014/main" id="{05C09A17-002B-CA34-DE8F-136E50797F93}"/>
+                </a:ext>
+              </a:extLst>
+            </p:cNvPr>
+            <p:cNvSpPr/>
+            <p:nvPr/>
+          </p:nvSpPr>
+          <p:spPr>
+            <a:xfrm>
+              <a:off x="2523539" y="-584200"/>
+              <a:ext cx="7325360" cy="7442200"/>
+            </a:xfrm>
+            <a:prstGeom prst="rect">
+              <a:avLst/>
+            </a:prstGeom>
+            <a:solidFill>
+              <a:schemeClr val="bg1"/>
+            </a:solidFill>
+            <a:ln>
+              <a:solidFill>
+                <a:schemeClr val="bg1"/>
+              </a:solidFill>
+            </a:ln>
+          </p:spPr>
+          <p:style>
+            <a:lnRef idx="2">
+              <a:schemeClr val="accent1">
+                <a:shade val="15000"/>
+              </a:schemeClr>
+            </a:lnRef>
+            <a:fillRef idx="1">
+              <a:schemeClr val="accent1"/>
+            </a:fillRef>
+            <a:effectRef idx="0">
+              <a:schemeClr val="accent1"/>
+            </a:effectRef>
+            <a:fontRef idx="minor">
+              <a:schemeClr val="lt1"/>
+            </a:fontRef>
+          </p:style>
+          <p:txBody>
+            <a:bodyPr rtlCol="0" anchor="ctr"/>
+            <a:lstStyle/>
+            <a:p>
+              <a:pPr algn="ctr"/>
+              <a:endParaRPr lang="ko-KR" altLang="en-US"/>
+            </a:p>
+          </p:txBody>
+        </p:sp>
+        <p:sp>
+          <p:nvSpPr>
+            <p:cNvPr id="4" name="순서도: 자기 디스크 3">
+              <a:extLst>
+                <a:ext uri="{FF2B5EF4-FFF2-40B4-BE49-F238E27FC236}">
+                  <a16:creationId xmlns:a16="http://schemas.microsoft.com/office/drawing/2014/main" id="{FE796FC1-3705-710D-A61C-A7D82A30AE93}"/>
+                </a:ext>
+              </a:extLst>
+            </p:cNvPr>
+            <p:cNvSpPr/>
+            <p:nvPr/>
+          </p:nvSpPr>
+          <p:spPr>
+            <a:xfrm>
+              <a:off x="8202979" y="5852160"/>
+              <a:ext cx="965200" cy="762000"/>
+            </a:xfrm>
+            <a:prstGeom prst="flowChartMagneticDisk">
+              <a:avLst/>
+            </a:prstGeom>
+            <a:solidFill>
+              <a:schemeClr val="bg1">
+                <a:lumMod val="65000"/>
+              </a:schemeClr>
+            </a:solidFill>
+            <a:ln>
+              <a:solidFill>
+                <a:schemeClr val="bg1">
+                  <a:lumMod val="50000"/>
+                </a:schemeClr>
+              </a:solidFill>
+            </a:ln>
+          </p:spPr>
+          <p:style>
+            <a:lnRef idx="2">
+              <a:schemeClr val="accent1">
+                <a:shade val="15000"/>
+              </a:schemeClr>
+            </a:lnRef>
+            <a:fillRef idx="1">
+              <a:schemeClr val="accent1"/>
+            </a:fillRef>
+            <a:effectRef idx="0">
+              <a:schemeClr val="accent1"/>
+            </a:effectRef>
+            <a:fontRef idx="minor">
+              <a:schemeClr val="lt1"/>
+            </a:fontRef>
+          </p:style>
+          <p:txBody>
+            <a:bodyPr rtlCol="0" anchor="ctr"/>
+            <a:lstStyle/>
+            <a:p>
+              <a:pPr algn="ctr"/>
+              <a:endParaRPr lang="ko-KR" altLang="en-US"/>
+            </a:p>
+          </p:txBody>
+        </p:sp>
+        <p:cxnSp>
+          <p:nvCxnSpPr>
+            <p:cNvPr id="5" name="직선 연결선 4">
+              <a:extLst>
+                <a:ext uri="{FF2B5EF4-FFF2-40B4-BE49-F238E27FC236}">
+                  <a16:creationId xmlns:a16="http://schemas.microsoft.com/office/drawing/2014/main" id="{9A6E7E56-2D54-9DBB-2A9B-27A28AC1DF14}"/>
+                </a:ext>
+              </a:extLst>
+            </p:cNvPr>
+            <p:cNvCxnSpPr>
+              <a:cxnSpLocks/>
+            </p:cNvCxnSpPr>
+            <p:nvPr/>
+          </p:nvCxnSpPr>
+          <p:spPr>
+            <a:xfrm flipV="1">
+              <a:off x="8685579" y="3982720"/>
+              <a:ext cx="0" cy="2011680"/>
+            </a:xfrm>
+            <a:prstGeom prst="line">
+              <a:avLst/>
+            </a:prstGeom>
+            <a:ln w="57150">
+              <a:solidFill>
+                <a:schemeClr val="tx1"/>
+              </a:solidFill>
+            </a:ln>
+          </p:spPr>
+          <p:style>
+            <a:lnRef idx="1">
+              <a:schemeClr val="dk1"/>
+            </a:lnRef>
+            <a:fillRef idx="0">
+              <a:schemeClr val="dk1"/>
+            </a:fillRef>
+            <a:effectRef idx="0">
+              <a:schemeClr val="dk1"/>
+            </a:effectRef>
+            <a:fontRef idx="minor">
+              <a:schemeClr val="tx1"/>
+            </a:fontRef>
+          </p:style>
+        </p:cxnSp>
+        <p:sp>
+          <p:nvSpPr>
+            <p:cNvPr id="6" name="순서도: 자기 디스크 5">
+              <a:extLst>
+                <a:ext uri="{FF2B5EF4-FFF2-40B4-BE49-F238E27FC236}">
+                  <a16:creationId xmlns:a16="http://schemas.microsoft.com/office/drawing/2014/main" id="{36F7FA2F-0FFE-FDE7-1CDD-D2F087E82752}"/>
+                </a:ext>
+              </a:extLst>
+            </p:cNvPr>
+            <p:cNvSpPr/>
+            <p:nvPr/>
+          </p:nvSpPr>
+          <p:spPr>
+            <a:xfrm rot="5400000">
+              <a:off x="8202979" y="3545840"/>
+              <a:ext cx="965200" cy="762000"/>
+            </a:xfrm>
+            <a:prstGeom prst="flowChartMagneticDisk">
+              <a:avLst/>
+            </a:prstGeom>
+            <a:solidFill>
+              <a:schemeClr val="bg1">
+                <a:lumMod val="65000"/>
+              </a:schemeClr>
+            </a:solidFill>
+            <a:ln>
+              <a:solidFill>
+                <a:schemeClr val="bg1">
+                  <a:lumMod val="50000"/>
+                </a:schemeClr>
+              </a:solidFill>
+            </a:ln>
+          </p:spPr>
+          <p:style>
+            <a:lnRef idx="2">
+              <a:schemeClr val="accent1">
+                <a:shade val="15000"/>
+              </a:schemeClr>
+            </a:lnRef>
+            <a:fillRef idx="1">
+              <a:schemeClr val="accent1"/>
+            </a:fillRef>
+            <a:effectRef idx="0">
+              <a:schemeClr val="accent1"/>
+            </a:effectRef>
+            <a:fontRef idx="minor">
+              <a:schemeClr val="lt1"/>
+            </a:fontRef>
+          </p:style>
+          <p:txBody>
+            <a:bodyPr rtlCol="0" anchor="ctr"/>
+            <a:lstStyle/>
+            <a:p>
+              <a:pPr algn="ctr"/>
+              <a:endParaRPr lang="ko-KR" altLang="en-US"/>
+            </a:p>
+          </p:txBody>
+        </p:sp>
+        <p:cxnSp>
+          <p:nvCxnSpPr>
+            <p:cNvPr id="7" name="직선 연결선 6">
+              <a:extLst>
+                <a:ext uri="{FF2B5EF4-FFF2-40B4-BE49-F238E27FC236}">
+                  <a16:creationId xmlns:a16="http://schemas.microsoft.com/office/drawing/2014/main" id="{296AB46D-9DD7-D87F-8027-1B90B2A68C77}"/>
+                </a:ext>
+              </a:extLst>
+            </p:cNvPr>
+            <p:cNvCxnSpPr>
+              <a:cxnSpLocks/>
+            </p:cNvCxnSpPr>
+            <p:nvPr/>
+          </p:nvCxnSpPr>
+          <p:spPr>
+            <a:xfrm flipH="1" flipV="1">
+              <a:off x="6592619" y="3042920"/>
+              <a:ext cx="2006600" cy="883920"/>
+            </a:xfrm>
+            <a:prstGeom prst="line">
+              <a:avLst/>
+            </a:prstGeom>
+            <a:ln w="57150">
+              <a:solidFill>
+                <a:schemeClr val="tx1"/>
+              </a:solidFill>
+            </a:ln>
+          </p:spPr>
+          <p:style>
+            <a:lnRef idx="1">
+              <a:schemeClr val="dk1"/>
+            </a:lnRef>
+            <a:fillRef idx="0">
+              <a:schemeClr val="dk1"/>
+            </a:fillRef>
+            <a:effectRef idx="0">
+              <a:schemeClr val="dk1"/>
+            </a:effectRef>
+            <a:fontRef idx="minor">
+              <a:schemeClr val="tx1"/>
+            </a:fontRef>
+          </p:style>
+        </p:cxnSp>
+        <p:sp>
+          <p:nvSpPr>
+            <p:cNvPr id="8" name="순서도: 자기 디스크 7">
+              <a:extLst>
+                <a:ext uri="{FF2B5EF4-FFF2-40B4-BE49-F238E27FC236}">
+                  <a16:creationId xmlns:a16="http://schemas.microsoft.com/office/drawing/2014/main" id="{49EB4AEE-E072-357F-3E62-DC545F633D6D}"/>
+                </a:ext>
+              </a:extLst>
+            </p:cNvPr>
+            <p:cNvSpPr/>
+            <p:nvPr/>
+          </p:nvSpPr>
+          <p:spPr>
+            <a:xfrm rot="5400000">
+              <a:off x="6110019" y="2661920"/>
+              <a:ext cx="965200" cy="762000"/>
+            </a:xfrm>
+            <a:prstGeom prst="flowChartMagneticDisk">
+              <a:avLst/>
+            </a:prstGeom>
+            <a:solidFill>
+              <a:schemeClr val="bg1">
+                <a:lumMod val="65000"/>
+              </a:schemeClr>
+            </a:solidFill>
+            <a:ln>
+              <a:solidFill>
+                <a:schemeClr val="bg1">
+                  <a:lumMod val="50000"/>
+                </a:schemeClr>
+              </a:solidFill>
+            </a:ln>
+          </p:spPr>
+          <p:style>
+            <a:lnRef idx="2">
+              <a:schemeClr val="accent1">
+                <a:shade val="15000"/>
+              </a:schemeClr>
+            </a:lnRef>
+            <a:fillRef idx="1">
+              <a:schemeClr val="accent1"/>
+            </a:fillRef>
+            <a:effectRef idx="0">
+              <a:schemeClr val="accent1"/>
+            </a:effectRef>
+            <a:fontRef idx="minor">
+              <a:schemeClr val="lt1"/>
+            </a:fontRef>
+          </p:style>
+          <p:txBody>
+            <a:bodyPr rtlCol="0" anchor="ctr"/>
+            <a:lstStyle/>
+            <a:p>
+              <a:pPr algn="ctr"/>
+              <a:endParaRPr lang="ko-KR" altLang="en-US"/>
+            </a:p>
+          </p:txBody>
+        </p:sp>
+        <p:cxnSp>
+          <p:nvCxnSpPr>
+            <p:cNvPr id="9" name="직선 연결선 8">
+              <a:extLst>
+                <a:ext uri="{FF2B5EF4-FFF2-40B4-BE49-F238E27FC236}">
+                  <a16:creationId xmlns:a16="http://schemas.microsoft.com/office/drawing/2014/main" id="{8902D97D-B829-D972-6C94-E7CCFA4C9E18}"/>
+                </a:ext>
+              </a:extLst>
+            </p:cNvPr>
+            <p:cNvCxnSpPr>
+              <a:cxnSpLocks/>
+            </p:cNvCxnSpPr>
+            <p:nvPr/>
+          </p:nvCxnSpPr>
+          <p:spPr>
+            <a:xfrm>
+              <a:off x="5205779" y="1821180"/>
+              <a:ext cx="1286510" cy="1221740"/>
+            </a:xfrm>
+            <a:prstGeom prst="line">
+              <a:avLst/>
+            </a:prstGeom>
+            <a:ln w="57150">
+              <a:solidFill>
+                <a:schemeClr val="tx1"/>
+              </a:solidFill>
+            </a:ln>
+          </p:spPr>
+          <p:style>
+            <a:lnRef idx="1">
+              <a:schemeClr val="dk1"/>
+            </a:lnRef>
+            <a:fillRef idx="0">
+              <a:schemeClr val="dk1"/>
+            </a:fillRef>
+            <a:effectRef idx="0">
+              <a:schemeClr val="dk1"/>
+            </a:effectRef>
+            <a:fontRef idx="minor">
+              <a:schemeClr val="tx1"/>
+            </a:fontRef>
+          </p:style>
+        </p:cxnSp>
+        <p:sp>
+          <p:nvSpPr>
+            <p:cNvPr id="10" name="순서도: 자기 디스크 9">
+              <a:extLst>
+                <a:ext uri="{FF2B5EF4-FFF2-40B4-BE49-F238E27FC236}">
+                  <a16:creationId xmlns:a16="http://schemas.microsoft.com/office/drawing/2014/main" id="{043E42B3-51F2-C070-C505-AA85F56469D8}"/>
+                </a:ext>
+              </a:extLst>
+            </p:cNvPr>
+            <p:cNvSpPr/>
+            <p:nvPr/>
+          </p:nvSpPr>
+          <p:spPr>
+            <a:xfrm rot="5400000">
+              <a:off x="4464099" y="1300480"/>
+              <a:ext cx="965200" cy="762000"/>
+            </a:xfrm>
+            <a:prstGeom prst="flowChartMagneticDisk">
+              <a:avLst/>
+            </a:prstGeom>
+            <a:solidFill>
+              <a:schemeClr val="bg1">
+                <a:lumMod val="65000"/>
+              </a:schemeClr>
+            </a:solidFill>
+            <a:ln>
+              <a:solidFill>
+                <a:schemeClr val="bg1">
+                  <a:lumMod val="50000"/>
+                </a:schemeClr>
+              </a:solidFill>
+            </a:ln>
+          </p:spPr>
+          <p:style>
+            <a:lnRef idx="2">
+              <a:schemeClr val="accent1">
+                <a:shade val="15000"/>
+              </a:schemeClr>
+            </a:lnRef>
+            <a:fillRef idx="1">
+              <a:schemeClr val="accent1"/>
+            </a:fillRef>
+            <a:effectRef idx="0">
+              <a:schemeClr val="accent1"/>
+            </a:effectRef>
+            <a:fontRef idx="minor">
+              <a:schemeClr val="lt1"/>
+            </a:fontRef>
+          </p:style>
+          <p:txBody>
+            <a:bodyPr rtlCol="0" anchor="ctr"/>
+            <a:lstStyle/>
+            <a:p>
+              <a:pPr algn="ctr"/>
+              <a:endParaRPr lang="ko-KR" altLang="en-US"/>
+            </a:p>
+          </p:txBody>
+        </p:sp>
+        <p:cxnSp>
+          <p:nvCxnSpPr>
+            <p:cNvPr id="11" name="직선 연결선 10">
+              <a:extLst>
+                <a:ext uri="{FF2B5EF4-FFF2-40B4-BE49-F238E27FC236}">
+                  <a16:creationId xmlns:a16="http://schemas.microsoft.com/office/drawing/2014/main" id="{F746F049-1581-7662-23E5-DF6ACFE9CEC0}"/>
+                </a:ext>
+              </a:extLst>
+            </p:cNvPr>
+            <p:cNvCxnSpPr>
+              <a:cxnSpLocks/>
+            </p:cNvCxnSpPr>
+            <p:nvPr/>
+          </p:nvCxnSpPr>
+          <p:spPr>
+            <a:xfrm>
+              <a:off x="4060239" y="241300"/>
+              <a:ext cx="800100" cy="1300480"/>
+            </a:xfrm>
+            <a:prstGeom prst="line">
+              <a:avLst/>
+            </a:prstGeom>
+            <a:ln w="57150">
+              <a:solidFill>
+                <a:schemeClr val="tx1"/>
+              </a:solidFill>
+            </a:ln>
+          </p:spPr>
+          <p:style>
+            <a:lnRef idx="1">
+              <a:schemeClr val="dk1"/>
+            </a:lnRef>
+            <a:fillRef idx="0">
+              <a:schemeClr val="dk1"/>
+            </a:fillRef>
+            <a:effectRef idx="0">
+              <a:schemeClr val="dk1"/>
+            </a:effectRef>
+            <a:fontRef idx="minor">
+              <a:schemeClr val="tx1"/>
+            </a:fontRef>
+          </p:style>
+        </p:cxnSp>
+        <p:sp>
+          <p:nvSpPr>
+            <p:cNvPr id="12" name="타원 11">
+              <a:extLst>
+                <a:ext uri="{FF2B5EF4-FFF2-40B4-BE49-F238E27FC236}">
+                  <a16:creationId xmlns:a16="http://schemas.microsoft.com/office/drawing/2014/main" id="{6A907496-AA84-7103-BD2C-7F43CE8ABA3D}"/>
+                </a:ext>
+              </a:extLst>
+            </p:cNvPr>
+            <p:cNvSpPr/>
+            <p:nvPr/>
+          </p:nvSpPr>
+          <p:spPr>
+            <a:xfrm>
+              <a:off x="3714799" y="-86360"/>
+              <a:ext cx="690880" cy="655320"/>
+            </a:xfrm>
+            <a:prstGeom prst="ellipse">
+              <a:avLst/>
+            </a:prstGeom>
+            <a:solidFill>
+              <a:schemeClr val="bg1">
+                <a:lumMod val="65000"/>
+              </a:schemeClr>
+            </a:solidFill>
+            <a:ln>
+              <a:solidFill>
+                <a:schemeClr val="bg1">
+                  <a:lumMod val="50000"/>
+                </a:schemeClr>
+              </a:solidFill>
+            </a:ln>
+          </p:spPr>
+          <p:style>
+            <a:lnRef idx="2">
+              <a:schemeClr val="accent1">
+                <a:shade val="15000"/>
+              </a:schemeClr>
+            </a:lnRef>
+            <a:fillRef idx="1">
+              <a:schemeClr val="accent1"/>
+            </a:fillRef>
+            <a:effectRef idx="0">
+              <a:schemeClr val="accent1"/>
+            </a:effectRef>
+            <a:fontRef idx="minor">
+              <a:schemeClr val="lt1"/>
+            </a:fontRef>
+          </p:style>
+          <p:txBody>
+            <a:bodyPr rtlCol="0" anchor="ctr"/>
+            <a:lstStyle/>
+            <a:p>
+              <a:pPr algn="ctr"/>
+              <a:endParaRPr lang="ko-KR" altLang="en-US"/>
+            </a:p>
+          </p:txBody>
+        </p:sp>
+        <p:cxnSp>
+          <p:nvCxnSpPr>
+            <p:cNvPr id="13" name="직선 연결선 12">
+              <a:extLst>
+                <a:ext uri="{FF2B5EF4-FFF2-40B4-BE49-F238E27FC236}">
+                  <a16:creationId xmlns:a16="http://schemas.microsoft.com/office/drawing/2014/main" id="{F06B9642-B351-EF82-DC8E-65B4D2780126}"/>
+                </a:ext>
+              </a:extLst>
+            </p:cNvPr>
+            <p:cNvCxnSpPr>
+              <a:cxnSpLocks/>
+            </p:cNvCxnSpPr>
+            <p:nvPr/>
+          </p:nvCxnSpPr>
+          <p:spPr>
+            <a:xfrm flipH="1">
+              <a:off x="7382242" y="5963920"/>
+              <a:ext cx="1322387" cy="494227"/>
+            </a:xfrm>
+            <a:prstGeom prst="line">
+              <a:avLst/>
+            </a:prstGeom>
+            <a:ln w="57150">
+              <a:solidFill>
+                <a:schemeClr val="tx1"/>
+              </a:solidFill>
+              <a:prstDash val="dash"/>
+            </a:ln>
+          </p:spPr>
+          <p:style>
+            <a:lnRef idx="1">
+              <a:schemeClr val="dk1"/>
+            </a:lnRef>
+            <a:fillRef idx="0">
+              <a:schemeClr val="dk1"/>
+            </a:fillRef>
+            <a:effectRef idx="0">
+              <a:schemeClr val="dk1"/>
+            </a:effectRef>
+            <a:fontRef idx="minor">
+              <a:schemeClr val="tx1"/>
+            </a:fontRef>
+          </p:style>
+        </p:cxnSp>
+        <p:cxnSp>
+          <p:nvCxnSpPr>
+            <p:cNvPr id="14" name="직선 연결선 13">
+              <a:extLst>
+                <a:ext uri="{FF2B5EF4-FFF2-40B4-BE49-F238E27FC236}">
+                  <a16:creationId xmlns:a16="http://schemas.microsoft.com/office/drawing/2014/main" id="{22B87438-28ED-B21A-6EE6-4DC90DA4310D}"/>
+                </a:ext>
+              </a:extLst>
+            </p:cNvPr>
+            <p:cNvCxnSpPr>
+              <a:cxnSpLocks/>
+            </p:cNvCxnSpPr>
+            <p:nvPr/>
+          </p:nvCxnSpPr>
+          <p:spPr>
+            <a:xfrm flipH="1">
+              <a:off x="7605444" y="3926840"/>
+              <a:ext cx="1003300" cy="370840"/>
+            </a:xfrm>
+            <a:prstGeom prst="line">
+              <a:avLst/>
+            </a:prstGeom>
+            <a:ln w="57150">
+              <a:solidFill>
+                <a:schemeClr val="tx1"/>
+              </a:solidFill>
+              <a:prstDash val="dash"/>
+            </a:ln>
+          </p:spPr>
+          <p:style>
+            <a:lnRef idx="1">
+              <a:schemeClr val="dk1"/>
+            </a:lnRef>
+            <a:fillRef idx="0">
+              <a:schemeClr val="dk1"/>
+            </a:fillRef>
+            <a:effectRef idx="0">
+              <a:schemeClr val="dk1"/>
+            </a:effectRef>
+            <a:fontRef idx="minor">
+              <a:schemeClr val="tx1"/>
+            </a:fontRef>
+          </p:style>
+        </p:cxnSp>
+        <p:cxnSp>
+          <p:nvCxnSpPr>
+            <p:cNvPr id="15" name="직선 연결선 14">
+              <a:extLst>
+                <a:ext uri="{FF2B5EF4-FFF2-40B4-BE49-F238E27FC236}">
+                  <a16:creationId xmlns:a16="http://schemas.microsoft.com/office/drawing/2014/main" id="{15CB9AB2-2143-8D5A-BB21-E6F10E6E9006}"/>
+                </a:ext>
+              </a:extLst>
+            </p:cNvPr>
+            <p:cNvCxnSpPr>
+              <a:cxnSpLocks/>
+            </p:cNvCxnSpPr>
+            <p:nvPr/>
+          </p:nvCxnSpPr>
+          <p:spPr>
+            <a:xfrm flipH="1" flipV="1">
+              <a:off x="5378500" y="2560320"/>
+              <a:ext cx="1113789" cy="482600"/>
+            </a:xfrm>
+            <a:prstGeom prst="line">
+              <a:avLst/>
+            </a:prstGeom>
+            <a:ln w="57150">
+              <a:solidFill>
+                <a:schemeClr val="tx1"/>
+              </a:solidFill>
+              <a:prstDash val="dash"/>
+            </a:ln>
+          </p:spPr>
+          <p:style>
+            <a:lnRef idx="1">
+              <a:schemeClr val="dk1"/>
+            </a:lnRef>
+            <a:fillRef idx="0">
+              <a:schemeClr val="dk1"/>
+            </a:fillRef>
+            <a:effectRef idx="0">
+              <a:schemeClr val="dk1"/>
+            </a:effectRef>
+            <a:fontRef idx="minor">
+              <a:schemeClr val="tx1"/>
+            </a:fontRef>
+          </p:style>
+        </p:cxnSp>
+        <p:cxnSp>
+          <p:nvCxnSpPr>
+            <p:cNvPr id="20" name="직선 연결선 19">
+              <a:extLst>
+                <a:ext uri="{FF2B5EF4-FFF2-40B4-BE49-F238E27FC236}">
+                  <a16:creationId xmlns:a16="http://schemas.microsoft.com/office/drawing/2014/main" id="{BF79855E-B6D3-E80F-4B08-649E36113055}"/>
+                </a:ext>
+              </a:extLst>
+            </p:cNvPr>
+            <p:cNvCxnSpPr>
+              <a:cxnSpLocks/>
+            </p:cNvCxnSpPr>
+            <p:nvPr/>
+          </p:nvCxnSpPr>
+          <p:spPr>
+            <a:xfrm flipH="1" flipV="1">
+              <a:off x="4060239" y="891540"/>
+              <a:ext cx="800100" cy="650240"/>
+            </a:xfrm>
+            <a:prstGeom prst="line">
+              <a:avLst/>
+            </a:prstGeom>
+            <a:ln w="57150">
+              <a:solidFill>
+                <a:schemeClr val="tx1"/>
+              </a:solidFill>
+              <a:prstDash val="dash"/>
+            </a:ln>
+          </p:spPr>
+          <p:style>
+            <a:lnRef idx="1">
+              <a:schemeClr val="dk1"/>
+            </a:lnRef>
+            <a:fillRef idx="0">
+              <a:schemeClr val="dk1"/>
+            </a:fillRef>
+            <a:effectRef idx="0">
+              <a:schemeClr val="dk1"/>
+            </a:effectRef>
+            <a:fontRef idx="minor">
+              <a:schemeClr val="tx1"/>
+            </a:fontRef>
+          </p:style>
+        </p:cxnSp>
         <p:grpSp>
           <p:nvGrpSpPr>
-            <p:cNvPr id="78" name="그룹 77">
+            <p:cNvPr id="33" name="그룹 32">
               <a:extLst>
                 <a:ext uri="{FF2B5EF4-FFF2-40B4-BE49-F238E27FC236}">
-                  <a16:creationId xmlns:a16="http://schemas.microsoft.com/office/drawing/2014/main" id="{C7428099-12A4-D1F4-B861-75AAD64FAB79}"/>
+                  <a16:creationId xmlns:a16="http://schemas.microsoft.com/office/drawing/2014/main" id="{3A8CADBE-1E08-A2B7-F982-17A79A1C26D6}"/>
                 </a:ext>
               </a:extLst>
             </p:cNvPr>
@@ -3693,534 +4390,18 @@
           </p:nvGrpSpPr>
           <p:grpSpPr>
             <a:xfrm>
-              <a:off x="2824480" y="-868680"/>
-              <a:ext cx="7325360" cy="7442200"/>
-              <a:chOff x="2824480" y="-868680"/>
-              <a:chExt cx="7325360" cy="7442200"/>
+              <a:off x="7694028" y="3185160"/>
+              <a:ext cx="907414" cy="756602"/>
+              <a:chOff x="7590791" y="4953318"/>
+              <a:chExt cx="907414" cy="756602"/>
             </a:xfrm>
           </p:grpSpPr>
-          <p:sp>
-            <p:nvSpPr>
-              <p:cNvPr id="3" name="직사각형 2">
+          <p:cxnSp>
+            <p:nvCxnSpPr>
+              <p:cNvPr id="34" name="직선 화살표 연결선 33">
                 <a:extLst>
                   <a:ext uri="{FF2B5EF4-FFF2-40B4-BE49-F238E27FC236}">
-                    <a16:creationId xmlns:a16="http://schemas.microsoft.com/office/drawing/2014/main" id="{05C09A17-002B-CA34-DE8F-136E50797F93}"/>
-                  </a:ext>
-                </a:extLst>
-              </p:cNvPr>
-              <p:cNvSpPr/>
-              <p:nvPr/>
-            </p:nvSpPr>
-            <p:spPr>
-              <a:xfrm>
-                <a:off x="2824480" y="-868680"/>
-                <a:ext cx="7325360" cy="7442200"/>
-              </a:xfrm>
-              <a:prstGeom prst="rect">
-                <a:avLst/>
-              </a:prstGeom>
-              <a:solidFill>
-                <a:schemeClr val="bg1"/>
-              </a:solidFill>
-              <a:ln>
-                <a:solidFill>
-                  <a:schemeClr val="bg1"/>
-                </a:solidFill>
-              </a:ln>
-            </p:spPr>
-            <p:style>
-              <a:lnRef idx="2">
-                <a:schemeClr val="accent1">
-                  <a:shade val="15000"/>
-                </a:schemeClr>
-              </a:lnRef>
-              <a:fillRef idx="1">
-                <a:schemeClr val="accent1"/>
-              </a:fillRef>
-              <a:effectRef idx="0">
-                <a:schemeClr val="accent1"/>
-              </a:effectRef>
-              <a:fontRef idx="minor">
-                <a:schemeClr val="lt1"/>
-              </a:fontRef>
-            </p:style>
-            <p:txBody>
-              <a:bodyPr rtlCol="0" anchor="ctr"/>
-              <a:lstStyle/>
-              <a:p>
-                <a:pPr algn="ctr"/>
-                <a:endParaRPr lang="ko-KR" altLang="en-US"/>
-              </a:p>
-            </p:txBody>
-          </p:sp>
-          <p:sp>
-            <p:nvSpPr>
-              <p:cNvPr id="4" name="순서도: 자기 디스크 3">
-                <a:extLst>
-                  <a:ext uri="{FF2B5EF4-FFF2-40B4-BE49-F238E27FC236}">
-                    <a16:creationId xmlns:a16="http://schemas.microsoft.com/office/drawing/2014/main" id="{FE796FC1-3705-710D-A61C-A7D82A30AE93}"/>
-                  </a:ext>
-                </a:extLst>
-              </p:cNvPr>
-              <p:cNvSpPr/>
-              <p:nvPr/>
-            </p:nvSpPr>
-            <p:spPr>
-              <a:xfrm>
-                <a:off x="8503920" y="5567680"/>
-                <a:ext cx="965200" cy="762000"/>
-              </a:xfrm>
-              <a:prstGeom prst="flowChartMagneticDisk">
-                <a:avLst/>
-              </a:prstGeom>
-              <a:solidFill>
-                <a:schemeClr val="bg1">
-                  <a:lumMod val="65000"/>
-                </a:schemeClr>
-              </a:solidFill>
-              <a:ln>
-                <a:solidFill>
-                  <a:schemeClr val="bg1">
-                    <a:lumMod val="50000"/>
-                  </a:schemeClr>
-                </a:solidFill>
-              </a:ln>
-            </p:spPr>
-            <p:style>
-              <a:lnRef idx="2">
-                <a:schemeClr val="accent1">
-                  <a:shade val="15000"/>
-                </a:schemeClr>
-              </a:lnRef>
-              <a:fillRef idx="1">
-                <a:schemeClr val="accent1"/>
-              </a:fillRef>
-              <a:effectRef idx="0">
-                <a:schemeClr val="accent1"/>
-              </a:effectRef>
-              <a:fontRef idx="minor">
-                <a:schemeClr val="lt1"/>
-              </a:fontRef>
-            </p:style>
-            <p:txBody>
-              <a:bodyPr rtlCol="0" anchor="ctr"/>
-              <a:lstStyle/>
-              <a:p>
-                <a:pPr algn="ctr"/>
-                <a:endParaRPr lang="ko-KR" altLang="en-US"/>
-              </a:p>
-            </p:txBody>
-          </p:sp>
-          <p:cxnSp>
-            <p:nvCxnSpPr>
-              <p:cNvPr id="5" name="직선 연결선 4">
-                <a:extLst>
-                  <a:ext uri="{FF2B5EF4-FFF2-40B4-BE49-F238E27FC236}">
-                    <a16:creationId xmlns:a16="http://schemas.microsoft.com/office/drawing/2014/main" id="{9A6E7E56-2D54-9DBB-2A9B-27A28AC1DF14}"/>
-                  </a:ext>
-                </a:extLst>
-              </p:cNvPr>
-              <p:cNvCxnSpPr>
-                <a:cxnSpLocks/>
-              </p:cNvCxnSpPr>
-              <p:nvPr/>
-            </p:nvCxnSpPr>
-            <p:spPr>
-              <a:xfrm flipV="1">
-                <a:off x="8986520" y="3698240"/>
-                <a:ext cx="0" cy="2011680"/>
-              </a:xfrm>
-              <a:prstGeom prst="line">
-                <a:avLst/>
-              </a:prstGeom>
-              <a:ln w="57150">
-                <a:solidFill>
-                  <a:schemeClr val="tx1"/>
-                </a:solidFill>
-              </a:ln>
-            </p:spPr>
-            <p:style>
-              <a:lnRef idx="1">
-                <a:schemeClr val="dk1"/>
-              </a:lnRef>
-              <a:fillRef idx="0">
-                <a:schemeClr val="dk1"/>
-              </a:fillRef>
-              <a:effectRef idx="0">
-                <a:schemeClr val="dk1"/>
-              </a:effectRef>
-              <a:fontRef idx="minor">
-                <a:schemeClr val="tx1"/>
-              </a:fontRef>
-            </p:style>
-          </p:cxnSp>
-          <p:sp>
-            <p:nvSpPr>
-              <p:cNvPr id="6" name="순서도: 자기 디스크 5">
-                <a:extLst>
-                  <a:ext uri="{FF2B5EF4-FFF2-40B4-BE49-F238E27FC236}">
-                    <a16:creationId xmlns:a16="http://schemas.microsoft.com/office/drawing/2014/main" id="{36F7FA2F-0FFE-FDE7-1CDD-D2F087E82752}"/>
-                  </a:ext>
-                </a:extLst>
-              </p:cNvPr>
-              <p:cNvSpPr/>
-              <p:nvPr/>
-            </p:nvSpPr>
-            <p:spPr>
-              <a:xfrm rot="5400000">
-                <a:off x="8503920" y="3261360"/>
-                <a:ext cx="965200" cy="762000"/>
-              </a:xfrm>
-              <a:prstGeom prst="flowChartMagneticDisk">
-                <a:avLst/>
-              </a:prstGeom>
-              <a:solidFill>
-                <a:schemeClr val="bg1">
-                  <a:lumMod val="65000"/>
-                </a:schemeClr>
-              </a:solidFill>
-              <a:ln>
-                <a:solidFill>
-                  <a:schemeClr val="bg1">
-                    <a:lumMod val="50000"/>
-                  </a:schemeClr>
-                </a:solidFill>
-              </a:ln>
-            </p:spPr>
-            <p:style>
-              <a:lnRef idx="2">
-                <a:schemeClr val="accent1">
-                  <a:shade val="15000"/>
-                </a:schemeClr>
-              </a:lnRef>
-              <a:fillRef idx="1">
-                <a:schemeClr val="accent1"/>
-              </a:fillRef>
-              <a:effectRef idx="0">
-                <a:schemeClr val="accent1"/>
-              </a:effectRef>
-              <a:fontRef idx="minor">
-                <a:schemeClr val="lt1"/>
-              </a:fontRef>
-            </p:style>
-            <p:txBody>
-              <a:bodyPr rtlCol="0" anchor="ctr"/>
-              <a:lstStyle/>
-              <a:p>
-                <a:pPr algn="ctr"/>
-                <a:endParaRPr lang="ko-KR" altLang="en-US"/>
-              </a:p>
-            </p:txBody>
-          </p:sp>
-          <p:cxnSp>
-            <p:nvCxnSpPr>
-              <p:cNvPr id="7" name="직선 연결선 6">
-                <a:extLst>
-                  <a:ext uri="{FF2B5EF4-FFF2-40B4-BE49-F238E27FC236}">
-                    <a16:creationId xmlns:a16="http://schemas.microsoft.com/office/drawing/2014/main" id="{296AB46D-9DD7-D87F-8027-1B90B2A68C77}"/>
-                  </a:ext>
-                </a:extLst>
-              </p:cNvPr>
-              <p:cNvCxnSpPr>
-                <a:cxnSpLocks/>
-              </p:cNvCxnSpPr>
-              <p:nvPr/>
-            </p:nvCxnSpPr>
-            <p:spPr>
-              <a:xfrm flipH="1" flipV="1">
-                <a:off x="6893560" y="2758440"/>
-                <a:ext cx="2006600" cy="883920"/>
-              </a:xfrm>
-              <a:prstGeom prst="line">
-                <a:avLst/>
-              </a:prstGeom>
-              <a:ln w="57150">
-                <a:solidFill>
-                  <a:schemeClr val="tx1"/>
-                </a:solidFill>
-              </a:ln>
-            </p:spPr>
-            <p:style>
-              <a:lnRef idx="1">
-                <a:schemeClr val="dk1"/>
-              </a:lnRef>
-              <a:fillRef idx="0">
-                <a:schemeClr val="dk1"/>
-              </a:fillRef>
-              <a:effectRef idx="0">
-                <a:schemeClr val="dk1"/>
-              </a:effectRef>
-              <a:fontRef idx="minor">
-                <a:schemeClr val="tx1"/>
-              </a:fontRef>
-            </p:style>
-          </p:cxnSp>
-          <p:sp>
-            <p:nvSpPr>
-              <p:cNvPr id="8" name="순서도: 자기 디스크 7">
-                <a:extLst>
-                  <a:ext uri="{FF2B5EF4-FFF2-40B4-BE49-F238E27FC236}">
-                    <a16:creationId xmlns:a16="http://schemas.microsoft.com/office/drawing/2014/main" id="{49EB4AEE-E072-357F-3E62-DC545F633D6D}"/>
-                  </a:ext>
-                </a:extLst>
-              </p:cNvPr>
-              <p:cNvSpPr/>
-              <p:nvPr/>
-            </p:nvSpPr>
-            <p:spPr>
-              <a:xfrm rot="5400000">
-                <a:off x="6410960" y="2377440"/>
-                <a:ext cx="965200" cy="762000"/>
-              </a:xfrm>
-              <a:prstGeom prst="flowChartMagneticDisk">
-                <a:avLst/>
-              </a:prstGeom>
-              <a:solidFill>
-                <a:schemeClr val="bg1">
-                  <a:lumMod val="65000"/>
-                </a:schemeClr>
-              </a:solidFill>
-              <a:ln>
-                <a:solidFill>
-                  <a:schemeClr val="bg1">
-                    <a:lumMod val="50000"/>
-                  </a:schemeClr>
-                </a:solidFill>
-              </a:ln>
-            </p:spPr>
-            <p:style>
-              <a:lnRef idx="2">
-                <a:schemeClr val="accent1">
-                  <a:shade val="15000"/>
-                </a:schemeClr>
-              </a:lnRef>
-              <a:fillRef idx="1">
-                <a:schemeClr val="accent1"/>
-              </a:fillRef>
-              <a:effectRef idx="0">
-                <a:schemeClr val="accent1"/>
-              </a:effectRef>
-              <a:fontRef idx="minor">
-                <a:schemeClr val="lt1"/>
-              </a:fontRef>
-            </p:style>
-            <p:txBody>
-              <a:bodyPr rtlCol="0" anchor="ctr"/>
-              <a:lstStyle/>
-              <a:p>
-                <a:pPr algn="ctr"/>
-                <a:endParaRPr lang="ko-KR" altLang="en-US"/>
-              </a:p>
-            </p:txBody>
-          </p:sp>
-          <p:cxnSp>
-            <p:nvCxnSpPr>
-              <p:cNvPr id="9" name="직선 연결선 8">
-                <a:extLst>
-                  <a:ext uri="{FF2B5EF4-FFF2-40B4-BE49-F238E27FC236}">
-                    <a16:creationId xmlns:a16="http://schemas.microsoft.com/office/drawing/2014/main" id="{8902D97D-B829-D972-6C94-E7CCFA4C9E18}"/>
-                  </a:ext>
-                </a:extLst>
-              </p:cNvPr>
-              <p:cNvCxnSpPr>
-                <a:cxnSpLocks/>
-              </p:cNvCxnSpPr>
-              <p:nvPr/>
-            </p:nvCxnSpPr>
-            <p:spPr>
-              <a:xfrm>
-                <a:off x="5506720" y="1536700"/>
-                <a:ext cx="1286510" cy="1221740"/>
-              </a:xfrm>
-              <a:prstGeom prst="line">
-                <a:avLst/>
-              </a:prstGeom>
-              <a:ln w="57150">
-                <a:solidFill>
-                  <a:schemeClr val="tx1"/>
-                </a:solidFill>
-              </a:ln>
-            </p:spPr>
-            <p:style>
-              <a:lnRef idx="1">
-                <a:schemeClr val="dk1"/>
-              </a:lnRef>
-              <a:fillRef idx="0">
-                <a:schemeClr val="dk1"/>
-              </a:fillRef>
-              <a:effectRef idx="0">
-                <a:schemeClr val="dk1"/>
-              </a:effectRef>
-              <a:fontRef idx="minor">
-                <a:schemeClr val="tx1"/>
-              </a:fontRef>
-            </p:style>
-          </p:cxnSp>
-          <p:sp>
-            <p:nvSpPr>
-              <p:cNvPr id="10" name="순서도: 자기 디스크 9">
-                <a:extLst>
-                  <a:ext uri="{FF2B5EF4-FFF2-40B4-BE49-F238E27FC236}">
-                    <a16:creationId xmlns:a16="http://schemas.microsoft.com/office/drawing/2014/main" id="{043E42B3-51F2-C070-C505-AA85F56469D8}"/>
-                  </a:ext>
-                </a:extLst>
-              </p:cNvPr>
-              <p:cNvSpPr/>
-              <p:nvPr/>
-            </p:nvSpPr>
-            <p:spPr>
-              <a:xfrm rot="5400000">
-                <a:off x="4765040" y="1016000"/>
-                <a:ext cx="965200" cy="762000"/>
-              </a:xfrm>
-              <a:prstGeom prst="flowChartMagneticDisk">
-                <a:avLst/>
-              </a:prstGeom>
-              <a:solidFill>
-                <a:schemeClr val="bg1">
-                  <a:lumMod val="65000"/>
-                </a:schemeClr>
-              </a:solidFill>
-              <a:ln>
-                <a:solidFill>
-                  <a:schemeClr val="bg1">
-                    <a:lumMod val="50000"/>
-                  </a:schemeClr>
-                </a:solidFill>
-              </a:ln>
-            </p:spPr>
-            <p:style>
-              <a:lnRef idx="2">
-                <a:schemeClr val="accent1">
-                  <a:shade val="15000"/>
-                </a:schemeClr>
-              </a:lnRef>
-              <a:fillRef idx="1">
-                <a:schemeClr val="accent1"/>
-              </a:fillRef>
-              <a:effectRef idx="0">
-                <a:schemeClr val="accent1"/>
-              </a:effectRef>
-              <a:fontRef idx="minor">
-                <a:schemeClr val="lt1"/>
-              </a:fontRef>
-            </p:style>
-            <p:txBody>
-              <a:bodyPr rtlCol="0" anchor="ctr"/>
-              <a:lstStyle/>
-              <a:p>
-                <a:pPr algn="ctr"/>
-                <a:endParaRPr lang="ko-KR" altLang="en-US"/>
-              </a:p>
-            </p:txBody>
-          </p:sp>
-          <p:cxnSp>
-            <p:nvCxnSpPr>
-              <p:cNvPr id="11" name="직선 연결선 10">
-                <a:extLst>
-                  <a:ext uri="{FF2B5EF4-FFF2-40B4-BE49-F238E27FC236}">
-                    <a16:creationId xmlns:a16="http://schemas.microsoft.com/office/drawing/2014/main" id="{F746F049-1581-7662-23E5-DF6ACFE9CEC0}"/>
-                  </a:ext>
-                </a:extLst>
-              </p:cNvPr>
-              <p:cNvCxnSpPr>
-                <a:cxnSpLocks/>
-              </p:cNvCxnSpPr>
-              <p:nvPr/>
-            </p:nvCxnSpPr>
-            <p:spPr>
-              <a:xfrm>
-                <a:off x="4361180" y="-43180"/>
-                <a:ext cx="800100" cy="1300480"/>
-              </a:xfrm>
-              <a:prstGeom prst="line">
-                <a:avLst/>
-              </a:prstGeom>
-              <a:ln w="57150">
-                <a:solidFill>
-                  <a:schemeClr val="tx1"/>
-                </a:solidFill>
-              </a:ln>
-            </p:spPr>
-            <p:style>
-              <a:lnRef idx="1">
-                <a:schemeClr val="dk1"/>
-              </a:lnRef>
-              <a:fillRef idx="0">
-                <a:schemeClr val="dk1"/>
-              </a:fillRef>
-              <a:effectRef idx="0">
-                <a:schemeClr val="dk1"/>
-              </a:effectRef>
-              <a:fontRef idx="minor">
-                <a:schemeClr val="tx1"/>
-              </a:fontRef>
-            </p:style>
-          </p:cxnSp>
-          <p:sp>
-            <p:nvSpPr>
-              <p:cNvPr id="12" name="타원 11">
-                <a:extLst>
-                  <a:ext uri="{FF2B5EF4-FFF2-40B4-BE49-F238E27FC236}">
-                    <a16:creationId xmlns:a16="http://schemas.microsoft.com/office/drawing/2014/main" id="{6A907496-AA84-7103-BD2C-7F43CE8ABA3D}"/>
-                  </a:ext>
-                </a:extLst>
-              </p:cNvPr>
-              <p:cNvSpPr/>
-              <p:nvPr/>
-            </p:nvSpPr>
-            <p:spPr>
-              <a:xfrm>
-                <a:off x="4015740" y="-370840"/>
-                <a:ext cx="690880" cy="655320"/>
-              </a:xfrm>
-              <a:prstGeom prst="ellipse">
-                <a:avLst/>
-              </a:prstGeom>
-              <a:solidFill>
-                <a:schemeClr val="bg1">
-                  <a:lumMod val="65000"/>
-                </a:schemeClr>
-              </a:solidFill>
-              <a:ln>
-                <a:solidFill>
-                  <a:schemeClr val="bg1">
-                    <a:lumMod val="50000"/>
-                  </a:schemeClr>
-                </a:solidFill>
-              </a:ln>
-            </p:spPr>
-            <p:style>
-              <a:lnRef idx="2">
-                <a:schemeClr val="accent1">
-                  <a:shade val="15000"/>
-                </a:schemeClr>
-              </a:lnRef>
-              <a:fillRef idx="1">
-                <a:schemeClr val="accent1"/>
-              </a:fillRef>
-              <a:effectRef idx="0">
-                <a:schemeClr val="accent1"/>
-              </a:effectRef>
-              <a:fontRef idx="minor">
-                <a:schemeClr val="lt1"/>
-              </a:fontRef>
-            </p:style>
-            <p:txBody>
-              <a:bodyPr rtlCol="0" anchor="ctr"/>
-              <a:lstStyle/>
-              <a:p>
-                <a:pPr algn="ctr"/>
-                <a:endParaRPr lang="ko-KR" altLang="en-US"/>
-              </a:p>
-            </p:txBody>
-          </p:sp>
-          <p:cxnSp>
-            <p:nvCxnSpPr>
-              <p:cNvPr id="13" name="직선 연결선 12">
-                <a:extLst>
-                  <a:ext uri="{FF2B5EF4-FFF2-40B4-BE49-F238E27FC236}">
-                    <a16:creationId xmlns:a16="http://schemas.microsoft.com/office/drawing/2014/main" id="{F06B9642-B351-EF82-DC8E-65B4D2780126}"/>
+                    <a16:creationId xmlns:a16="http://schemas.microsoft.com/office/drawing/2014/main" id="{CF75B7AF-ECCB-F700-75B3-FBC73D2639F6}"/>
                   </a:ext>
                 </a:extLst>
               </p:cNvPr>
@@ -4231,802 +4412,17 @@
             </p:nvCxnSpPr>
             <p:spPr>
               <a:xfrm flipH="1">
-                <a:off x="7683183" y="5679440"/>
-                <a:ext cx="1322387" cy="494227"/>
+                <a:off x="7590791" y="5709920"/>
+                <a:ext cx="897889" cy="0"/>
               </a:xfrm>
-              <a:prstGeom prst="line">
+              <a:prstGeom prst="straightConnector1">
                 <a:avLst/>
               </a:prstGeom>
               <a:ln w="57150">
                 <a:solidFill>
-                  <a:schemeClr val="tx1"/>
+                  <a:srgbClr val="00B0F0"/>
                 </a:solidFill>
-                <a:prstDash val="dash"/>
-              </a:ln>
-            </p:spPr>
-            <p:style>
-              <a:lnRef idx="1">
-                <a:schemeClr val="dk1"/>
-              </a:lnRef>
-              <a:fillRef idx="0">
-                <a:schemeClr val="dk1"/>
-              </a:fillRef>
-              <a:effectRef idx="0">
-                <a:schemeClr val="dk1"/>
-              </a:effectRef>
-              <a:fontRef idx="minor">
-                <a:schemeClr val="tx1"/>
-              </a:fontRef>
-            </p:style>
-          </p:cxnSp>
-          <p:cxnSp>
-            <p:nvCxnSpPr>
-              <p:cNvPr id="14" name="직선 연결선 13">
-                <a:extLst>
-                  <a:ext uri="{FF2B5EF4-FFF2-40B4-BE49-F238E27FC236}">
-                    <a16:creationId xmlns:a16="http://schemas.microsoft.com/office/drawing/2014/main" id="{22B87438-28ED-B21A-6EE6-4DC90DA4310D}"/>
-                  </a:ext>
-                </a:extLst>
-              </p:cNvPr>
-              <p:cNvCxnSpPr>
-                <a:cxnSpLocks/>
-              </p:cNvCxnSpPr>
-              <p:nvPr/>
-            </p:nvCxnSpPr>
-            <p:spPr>
-              <a:xfrm flipH="1">
-                <a:off x="7906385" y="3642360"/>
-                <a:ext cx="1003300" cy="370840"/>
-              </a:xfrm>
-              <a:prstGeom prst="line">
-                <a:avLst/>
-              </a:prstGeom>
-              <a:ln w="57150">
-                <a:solidFill>
-                  <a:schemeClr val="tx1"/>
-                </a:solidFill>
-                <a:prstDash val="dash"/>
-              </a:ln>
-            </p:spPr>
-            <p:style>
-              <a:lnRef idx="1">
-                <a:schemeClr val="dk1"/>
-              </a:lnRef>
-              <a:fillRef idx="0">
-                <a:schemeClr val="dk1"/>
-              </a:fillRef>
-              <a:effectRef idx="0">
-                <a:schemeClr val="dk1"/>
-              </a:effectRef>
-              <a:fontRef idx="minor">
-                <a:schemeClr val="tx1"/>
-              </a:fontRef>
-            </p:style>
-          </p:cxnSp>
-          <p:cxnSp>
-            <p:nvCxnSpPr>
-              <p:cNvPr id="15" name="직선 연결선 14">
-                <a:extLst>
-                  <a:ext uri="{FF2B5EF4-FFF2-40B4-BE49-F238E27FC236}">
-                    <a16:creationId xmlns:a16="http://schemas.microsoft.com/office/drawing/2014/main" id="{15CB9AB2-2143-8D5A-BB21-E6F10E6E9006}"/>
-                  </a:ext>
-                </a:extLst>
-              </p:cNvPr>
-              <p:cNvCxnSpPr>
-                <a:cxnSpLocks/>
-              </p:cNvCxnSpPr>
-              <p:nvPr/>
-            </p:nvCxnSpPr>
-            <p:spPr>
-              <a:xfrm flipH="1" flipV="1">
-                <a:off x="5679441" y="2275840"/>
-                <a:ext cx="1113789" cy="482600"/>
-              </a:xfrm>
-              <a:prstGeom prst="line">
-                <a:avLst/>
-              </a:prstGeom>
-              <a:ln w="57150">
-                <a:solidFill>
-                  <a:schemeClr val="tx1"/>
-                </a:solidFill>
-                <a:prstDash val="dash"/>
-              </a:ln>
-            </p:spPr>
-            <p:style>
-              <a:lnRef idx="1">
-                <a:schemeClr val="dk1"/>
-              </a:lnRef>
-              <a:fillRef idx="0">
-                <a:schemeClr val="dk1"/>
-              </a:fillRef>
-              <a:effectRef idx="0">
-                <a:schemeClr val="dk1"/>
-              </a:effectRef>
-              <a:fontRef idx="minor">
-                <a:schemeClr val="tx1"/>
-              </a:fontRef>
-            </p:style>
-          </p:cxnSp>
-          <p:cxnSp>
-            <p:nvCxnSpPr>
-              <p:cNvPr id="20" name="직선 연결선 19">
-                <a:extLst>
-                  <a:ext uri="{FF2B5EF4-FFF2-40B4-BE49-F238E27FC236}">
-                    <a16:creationId xmlns:a16="http://schemas.microsoft.com/office/drawing/2014/main" id="{BF79855E-B6D3-E80F-4B08-649E36113055}"/>
-                  </a:ext>
-                </a:extLst>
-              </p:cNvPr>
-              <p:cNvCxnSpPr>
-                <a:cxnSpLocks/>
-              </p:cNvCxnSpPr>
-              <p:nvPr/>
-            </p:nvCxnSpPr>
-            <p:spPr>
-              <a:xfrm flipH="1" flipV="1">
-                <a:off x="4361180" y="607060"/>
-                <a:ext cx="800100" cy="650240"/>
-              </a:xfrm>
-              <a:prstGeom prst="line">
-                <a:avLst/>
-              </a:prstGeom>
-              <a:ln w="57150">
-                <a:solidFill>
-                  <a:schemeClr val="tx1"/>
-                </a:solidFill>
-                <a:prstDash val="dash"/>
-              </a:ln>
-            </p:spPr>
-            <p:style>
-              <a:lnRef idx="1">
-                <a:schemeClr val="dk1"/>
-              </a:lnRef>
-              <a:fillRef idx="0">
-                <a:schemeClr val="dk1"/>
-              </a:fillRef>
-              <a:effectRef idx="0">
-                <a:schemeClr val="dk1"/>
-              </a:effectRef>
-              <a:fontRef idx="minor">
-                <a:schemeClr val="tx1"/>
-              </a:fontRef>
-            </p:style>
-          </p:cxnSp>
-          <p:grpSp>
-            <p:nvGrpSpPr>
-              <p:cNvPr id="33" name="그룹 32">
-                <a:extLst>
-                  <a:ext uri="{FF2B5EF4-FFF2-40B4-BE49-F238E27FC236}">
-                    <a16:creationId xmlns:a16="http://schemas.microsoft.com/office/drawing/2014/main" id="{3A8CADBE-1E08-A2B7-F982-17A79A1C26D6}"/>
-                  </a:ext>
-                </a:extLst>
-              </p:cNvPr>
-              <p:cNvGrpSpPr/>
-              <p:nvPr/>
-            </p:nvGrpSpPr>
-            <p:grpSpPr>
-              <a:xfrm>
-                <a:off x="7994969" y="2900680"/>
-                <a:ext cx="907414" cy="756602"/>
-                <a:chOff x="7590791" y="4953318"/>
-                <a:chExt cx="907414" cy="756602"/>
-              </a:xfrm>
-            </p:grpSpPr>
-            <p:cxnSp>
-              <p:nvCxnSpPr>
-                <p:cNvPr id="34" name="직선 화살표 연결선 33">
-                  <a:extLst>
-                    <a:ext uri="{FF2B5EF4-FFF2-40B4-BE49-F238E27FC236}">
-                      <a16:creationId xmlns:a16="http://schemas.microsoft.com/office/drawing/2014/main" id="{CF75B7AF-ECCB-F700-75B3-FBC73D2639F6}"/>
-                    </a:ext>
-                  </a:extLst>
-                </p:cNvPr>
-                <p:cNvCxnSpPr>
-                  <a:cxnSpLocks/>
-                </p:cNvCxnSpPr>
-                <p:nvPr/>
-              </p:nvCxnSpPr>
-              <p:spPr>
-                <a:xfrm flipH="1">
-                  <a:off x="7590791" y="5709920"/>
-                  <a:ext cx="897889" cy="0"/>
-                </a:xfrm>
-                <a:prstGeom prst="straightConnector1">
-                  <a:avLst/>
-                </a:prstGeom>
-                <a:ln w="57150">
-                  <a:solidFill>
-                    <a:srgbClr val="00B0F0"/>
-                  </a:solidFill>
-                  <a:tailEnd type="triangle"/>
-                </a:ln>
-              </p:spPr>
-              <p:style>
-                <a:lnRef idx="1">
-                  <a:schemeClr val="accent1"/>
-                </a:lnRef>
-                <a:fillRef idx="0">
-                  <a:schemeClr val="accent1"/>
-                </a:fillRef>
-                <a:effectRef idx="0">
-                  <a:schemeClr val="accent1"/>
-                </a:effectRef>
-                <a:fontRef idx="minor">
-                  <a:schemeClr val="tx1"/>
-                </a:fontRef>
-              </p:style>
-            </p:cxnSp>
-            <p:cxnSp>
-              <p:nvCxnSpPr>
-                <p:cNvPr id="35" name="직선 화살표 연결선 34">
-                  <a:extLst>
-                    <a:ext uri="{FF2B5EF4-FFF2-40B4-BE49-F238E27FC236}">
-                      <a16:creationId xmlns:a16="http://schemas.microsoft.com/office/drawing/2014/main" id="{1D343743-8024-4824-1E84-98EF312F7461}"/>
-                    </a:ext>
-                  </a:extLst>
-                </p:cNvPr>
-                <p:cNvCxnSpPr>
-                  <a:cxnSpLocks/>
-                </p:cNvCxnSpPr>
-                <p:nvPr/>
-              </p:nvCxnSpPr>
-              <p:spPr>
-                <a:xfrm flipH="1" flipV="1">
-                  <a:off x="8488680" y="4953318"/>
-                  <a:ext cx="9525" cy="733742"/>
-                </a:xfrm>
-                <a:prstGeom prst="straightConnector1">
-                  <a:avLst/>
-                </a:prstGeom>
-                <a:ln w="57150">
-                  <a:solidFill>
-                    <a:srgbClr val="FFC000"/>
-                  </a:solidFill>
-                  <a:tailEnd type="triangle"/>
-                </a:ln>
-              </p:spPr>
-              <p:style>
-                <a:lnRef idx="1">
-                  <a:schemeClr val="accent1"/>
-                </a:lnRef>
-                <a:fillRef idx="0">
-                  <a:schemeClr val="accent1"/>
-                </a:fillRef>
-                <a:effectRef idx="0">
-                  <a:schemeClr val="accent1"/>
-                </a:effectRef>
-                <a:fontRef idx="minor">
-                  <a:schemeClr val="tx1"/>
-                </a:fontRef>
-              </p:style>
-            </p:cxnSp>
-            <p:cxnSp>
-              <p:nvCxnSpPr>
-                <p:cNvPr id="36" name="직선 화살표 연결선 35">
-                  <a:extLst>
-                    <a:ext uri="{FF2B5EF4-FFF2-40B4-BE49-F238E27FC236}">
-                      <a16:creationId xmlns:a16="http://schemas.microsoft.com/office/drawing/2014/main" id="{E1E851C2-5164-E542-CF3B-44296D819D7A}"/>
-                    </a:ext>
-                  </a:extLst>
-                </p:cNvPr>
-                <p:cNvCxnSpPr>
-                  <a:cxnSpLocks/>
-                </p:cNvCxnSpPr>
-                <p:nvPr/>
-              </p:nvCxnSpPr>
-              <p:spPr>
-                <a:xfrm flipH="1" flipV="1">
-                  <a:off x="7729220" y="5370830"/>
-                  <a:ext cx="768985" cy="323850"/>
-                </a:xfrm>
-                <a:prstGeom prst="straightConnector1">
-                  <a:avLst/>
-                </a:prstGeom>
-                <a:ln w="57150">
-                  <a:solidFill>
-                    <a:srgbClr val="C00000"/>
-                  </a:solidFill>
-                  <a:tailEnd type="triangle"/>
-                </a:ln>
-              </p:spPr>
-              <p:style>
-                <a:lnRef idx="1">
-                  <a:schemeClr val="accent1"/>
-                </a:lnRef>
-                <a:fillRef idx="0">
-                  <a:schemeClr val="accent1"/>
-                </a:fillRef>
-                <a:effectRef idx="0">
-                  <a:schemeClr val="accent1"/>
-                </a:effectRef>
-                <a:fontRef idx="minor">
-                  <a:schemeClr val="tx1"/>
-                </a:fontRef>
-              </p:style>
-            </p:cxnSp>
-          </p:grpSp>
-          <p:grpSp>
-            <p:nvGrpSpPr>
-              <p:cNvPr id="37" name="그룹 36">
-                <a:extLst>
-                  <a:ext uri="{FF2B5EF4-FFF2-40B4-BE49-F238E27FC236}">
-                    <a16:creationId xmlns:a16="http://schemas.microsoft.com/office/drawing/2014/main" id="{38C95AB6-B9D5-2A6D-90EA-B38188459425}"/>
-                  </a:ext>
-                </a:extLst>
-              </p:cNvPr>
-              <p:cNvGrpSpPr/>
-              <p:nvPr/>
-            </p:nvGrpSpPr>
-            <p:grpSpPr>
-              <a:xfrm>
-                <a:off x="5886134" y="1996440"/>
-                <a:ext cx="1079817" cy="770255"/>
-                <a:chOff x="7590791" y="4939665"/>
-                <a:chExt cx="1079817" cy="770255"/>
-              </a:xfrm>
-            </p:grpSpPr>
-            <p:cxnSp>
-              <p:nvCxnSpPr>
-                <p:cNvPr id="38" name="직선 화살표 연결선 37">
-                  <a:extLst>
-                    <a:ext uri="{FF2B5EF4-FFF2-40B4-BE49-F238E27FC236}">
-                      <a16:creationId xmlns:a16="http://schemas.microsoft.com/office/drawing/2014/main" id="{8C137B2D-4AE6-F5C8-9738-D1C52EF3E9B7}"/>
-                    </a:ext>
-                  </a:extLst>
-                </p:cNvPr>
-                <p:cNvCxnSpPr>
-                  <a:cxnSpLocks/>
-                </p:cNvCxnSpPr>
-                <p:nvPr/>
-              </p:nvCxnSpPr>
-              <p:spPr>
-                <a:xfrm flipH="1">
-                  <a:off x="7590791" y="5709920"/>
-                  <a:ext cx="897889" cy="0"/>
-                </a:xfrm>
-                <a:prstGeom prst="straightConnector1">
-                  <a:avLst/>
-                </a:prstGeom>
-                <a:ln w="57150">
-                  <a:solidFill>
-                    <a:srgbClr val="00B0F0"/>
-                  </a:solidFill>
-                  <a:tailEnd type="triangle"/>
-                </a:ln>
-              </p:spPr>
-              <p:style>
-                <a:lnRef idx="1">
-                  <a:schemeClr val="accent1"/>
-                </a:lnRef>
-                <a:fillRef idx="0">
-                  <a:schemeClr val="accent1"/>
-                </a:fillRef>
-                <a:effectRef idx="0">
-                  <a:schemeClr val="accent1"/>
-                </a:effectRef>
-                <a:fontRef idx="minor">
-                  <a:schemeClr val="tx1"/>
-                </a:fontRef>
-              </p:style>
-            </p:cxnSp>
-            <p:cxnSp>
-              <p:nvCxnSpPr>
-                <p:cNvPr id="39" name="직선 화살표 연결선 38">
-                  <a:extLst>
-                    <a:ext uri="{FF2B5EF4-FFF2-40B4-BE49-F238E27FC236}">
-                      <a16:creationId xmlns:a16="http://schemas.microsoft.com/office/drawing/2014/main" id="{3923B01A-23DC-B3AE-3332-97B3E22067BA}"/>
-                    </a:ext>
-                  </a:extLst>
-                </p:cNvPr>
-                <p:cNvCxnSpPr>
-                  <a:cxnSpLocks/>
-                </p:cNvCxnSpPr>
-                <p:nvPr/>
-              </p:nvCxnSpPr>
-              <p:spPr>
-                <a:xfrm flipV="1">
-                  <a:off x="8498205" y="4939665"/>
-                  <a:ext cx="172403" cy="747395"/>
-                </a:xfrm>
-                <a:prstGeom prst="straightConnector1">
-                  <a:avLst/>
-                </a:prstGeom>
-                <a:ln w="57150">
-                  <a:solidFill>
-                    <a:srgbClr val="FFC000"/>
-                  </a:solidFill>
-                  <a:tailEnd type="triangle"/>
-                </a:ln>
-              </p:spPr>
-              <p:style>
-                <a:lnRef idx="1">
-                  <a:schemeClr val="accent1"/>
-                </a:lnRef>
-                <a:fillRef idx="0">
-                  <a:schemeClr val="accent1"/>
-                </a:fillRef>
-                <a:effectRef idx="0">
-                  <a:schemeClr val="accent1"/>
-                </a:effectRef>
-                <a:fontRef idx="minor">
-                  <a:schemeClr val="tx1"/>
-                </a:fontRef>
-              </p:style>
-            </p:cxnSp>
-            <p:cxnSp>
-              <p:nvCxnSpPr>
-                <p:cNvPr id="40" name="직선 화살표 연결선 39">
-                  <a:extLst>
-                    <a:ext uri="{FF2B5EF4-FFF2-40B4-BE49-F238E27FC236}">
-                      <a16:creationId xmlns:a16="http://schemas.microsoft.com/office/drawing/2014/main" id="{73516522-8396-52DB-191C-4A3F1663461E}"/>
-                    </a:ext>
-                  </a:extLst>
-                </p:cNvPr>
-                <p:cNvCxnSpPr>
-                  <a:cxnSpLocks/>
-                </p:cNvCxnSpPr>
-                <p:nvPr/>
-              </p:nvCxnSpPr>
-              <p:spPr>
-                <a:xfrm flipH="1" flipV="1">
-                  <a:off x="7854632" y="5090795"/>
-                  <a:ext cx="643573" cy="603885"/>
-                </a:xfrm>
-                <a:prstGeom prst="straightConnector1">
-                  <a:avLst/>
-                </a:prstGeom>
-                <a:ln w="57150">
-                  <a:solidFill>
-                    <a:srgbClr val="C00000"/>
-                  </a:solidFill>
-                  <a:tailEnd type="triangle"/>
-                </a:ln>
-              </p:spPr>
-              <p:style>
-                <a:lnRef idx="1">
-                  <a:schemeClr val="accent1"/>
-                </a:lnRef>
-                <a:fillRef idx="0">
-                  <a:schemeClr val="accent1"/>
-                </a:fillRef>
-                <a:effectRef idx="0">
-                  <a:schemeClr val="accent1"/>
-                </a:effectRef>
-                <a:fontRef idx="minor">
-                  <a:schemeClr val="tx1"/>
-                </a:fontRef>
-              </p:style>
-            </p:cxnSp>
-          </p:grpSp>
-          <p:grpSp>
-            <p:nvGrpSpPr>
-              <p:cNvPr id="44" name="그룹 43">
-                <a:extLst>
-                  <a:ext uri="{FF2B5EF4-FFF2-40B4-BE49-F238E27FC236}">
-                    <a16:creationId xmlns:a16="http://schemas.microsoft.com/office/drawing/2014/main" id="{3EB36916-A247-1F00-DB80-7E6F82009DC0}"/>
-                  </a:ext>
-                </a:extLst>
-              </p:cNvPr>
-              <p:cNvGrpSpPr/>
-              <p:nvPr/>
-            </p:nvGrpSpPr>
-            <p:grpSpPr>
-              <a:xfrm>
-                <a:off x="4268947" y="607060"/>
-                <a:ext cx="1359693" cy="669925"/>
-                <a:chOff x="7590791" y="5039995"/>
-                <a:chExt cx="1359693" cy="669925"/>
-              </a:xfrm>
-            </p:grpSpPr>
-            <p:cxnSp>
-              <p:nvCxnSpPr>
-                <p:cNvPr id="45" name="직선 화살표 연결선 44">
-                  <a:extLst>
-                    <a:ext uri="{FF2B5EF4-FFF2-40B4-BE49-F238E27FC236}">
-                      <a16:creationId xmlns:a16="http://schemas.microsoft.com/office/drawing/2014/main" id="{D3CF05A3-3A48-2066-5B2D-8B90954F429A}"/>
-                    </a:ext>
-                  </a:extLst>
-                </p:cNvPr>
-                <p:cNvCxnSpPr>
-                  <a:cxnSpLocks/>
-                </p:cNvCxnSpPr>
-                <p:nvPr/>
-              </p:nvCxnSpPr>
-              <p:spPr>
-                <a:xfrm flipH="1">
-                  <a:off x="7590791" y="5709920"/>
-                  <a:ext cx="897889" cy="0"/>
-                </a:xfrm>
-                <a:prstGeom prst="straightConnector1">
-                  <a:avLst/>
-                </a:prstGeom>
-                <a:ln w="57150">
-                  <a:solidFill>
-                    <a:srgbClr val="00B0F0"/>
-                  </a:solidFill>
-                  <a:tailEnd type="triangle"/>
-                </a:ln>
-              </p:spPr>
-              <p:style>
-                <a:lnRef idx="1">
-                  <a:schemeClr val="accent1"/>
-                </a:lnRef>
-                <a:fillRef idx="0">
-                  <a:schemeClr val="accent1"/>
-                </a:fillRef>
-                <a:effectRef idx="0">
-                  <a:schemeClr val="accent1"/>
-                </a:effectRef>
-                <a:fontRef idx="minor">
-                  <a:schemeClr val="tx1"/>
-                </a:fontRef>
-              </p:style>
-            </p:cxnSp>
-            <p:cxnSp>
-              <p:nvCxnSpPr>
-                <p:cNvPr id="46" name="직선 화살표 연결선 45">
-                  <a:extLst>
-                    <a:ext uri="{FF2B5EF4-FFF2-40B4-BE49-F238E27FC236}">
-                      <a16:creationId xmlns:a16="http://schemas.microsoft.com/office/drawing/2014/main" id="{1C953390-02DE-969D-9EB9-1D5C29297DB5}"/>
-                    </a:ext>
-                  </a:extLst>
-                </p:cNvPr>
-                <p:cNvCxnSpPr>
-                  <a:cxnSpLocks/>
-                </p:cNvCxnSpPr>
-                <p:nvPr/>
-              </p:nvCxnSpPr>
-              <p:spPr>
-                <a:xfrm flipV="1">
-                  <a:off x="8498205" y="5090795"/>
-                  <a:ext cx="452279" cy="596265"/>
-                </a:xfrm>
-                <a:prstGeom prst="straightConnector1">
-                  <a:avLst/>
-                </a:prstGeom>
-                <a:ln w="57150">
-                  <a:solidFill>
-                    <a:srgbClr val="FFC000"/>
-                  </a:solidFill>
-                  <a:tailEnd type="triangle"/>
-                </a:ln>
-              </p:spPr>
-              <p:style>
-                <a:lnRef idx="1">
-                  <a:schemeClr val="accent1"/>
-                </a:lnRef>
-                <a:fillRef idx="0">
-                  <a:schemeClr val="accent1"/>
-                </a:fillRef>
-                <a:effectRef idx="0">
-                  <a:schemeClr val="accent1"/>
-                </a:effectRef>
-                <a:fontRef idx="minor">
-                  <a:schemeClr val="tx1"/>
-                </a:fontRef>
-              </p:style>
-            </p:cxnSp>
-            <p:cxnSp>
-              <p:nvCxnSpPr>
-                <p:cNvPr id="47" name="직선 화살표 연결선 46">
-                  <a:extLst>
-                    <a:ext uri="{FF2B5EF4-FFF2-40B4-BE49-F238E27FC236}">
-                      <a16:creationId xmlns:a16="http://schemas.microsoft.com/office/drawing/2014/main" id="{48B094F8-4EB4-413A-C443-A3BDCE4AFAFD}"/>
-                    </a:ext>
-                  </a:extLst>
-                </p:cNvPr>
-                <p:cNvCxnSpPr>
-                  <a:cxnSpLocks/>
-                </p:cNvCxnSpPr>
-                <p:nvPr/>
-              </p:nvCxnSpPr>
-              <p:spPr>
-                <a:xfrm flipH="1" flipV="1">
-                  <a:off x="8083074" y="5039995"/>
-                  <a:ext cx="415131" cy="654685"/>
-                </a:xfrm>
-                <a:prstGeom prst="straightConnector1">
-                  <a:avLst/>
-                </a:prstGeom>
-                <a:ln w="57150">
-                  <a:solidFill>
-                    <a:srgbClr val="C00000"/>
-                  </a:solidFill>
-                  <a:tailEnd type="triangle"/>
-                </a:ln>
-              </p:spPr>
-              <p:style>
-                <a:lnRef idx="1">
-                  <a:schemeClr val="accent1"/>
-                </a:lnRef>
-                <a:fillRef idx="0">
-                  <a:schemeClr val="accent1"/>
-                </a:fillRef>
-                <a:effectRef idx="0">
-                  <a:schemeClr val="accent1"/>
-                </a:effectRef>
-                <a:fontRef idx="minor">
-                  <a:schemeClr val="tx1"/>
-                </a:fontRef>
-              </p:style>
-            </p:cxnSp>
-          </p:grpSp>
-          <p:grpSp>
-            <p:nvGrpSpPr>
-              <p:cNvPr id="53" name="그룹 52">
-                <a:extLst>
-                  <a:ext uri="{FF2B5EF4-FFF2-40B4-BE49-F238E27FC236}">
-                    <a16:creationId xmlns:a16="http://schemas.microsoft.com/office/drawing/2014/main" id="{AA344BD2-D617-CA4B-84E5-2013A4EBDF51}"/>
-                  </a:ext>
-                </a:extLst>
-              </p:cNvPr>
-              <p:cNvGrpSpPr/>
-              <p:nvPr/>
-            </p:nvGrpSpPr>
-            <p:grpSpPr>
-              <a:xfrm>
-                <a:off x="3505677" y="-676275"/>
-                <a:ext cx="1359693" cy="669925"/>
-                <a:chOff x="7590791" y="5039995"/>
-                <a:chExt cx="1359693" cy="669925"/>
-              </a:xfrm>
-            </p:grpSpPr>
-            <p:cxnSp>
-              <p:nvCxnSpPr>
-                <p:cNvPr id="54" name="직선 화살표 연결선 53">
-                  <a:extLst>
-                    <a:ext uri="{FF2B5EF4-FFF2-40B4-BE49-F238E27FC236}">
-                      <a16:creationId xmlns:a16="http://schemas.microsoft.com/office/drawing/2014/main" id="{AB0D5019-D992-F696-B49F-8DF4032C038B}"/>
-                    </a:ext>
-                  </a:extLst>
-                </p:cNvPr>
-                <p:cNvCxnSpPr>
-                  <a:cxnSpLocks/>
-                </p:cNvCxnSpPr>
-                <p:nvPr/>
-              </p:nvCxnSpPr>
-              <p:spPr>
-                <a:xfrm flipH="1">
-                  <a:off x="7590791" y="5709920"/>
-                  <a:ext cx="897889" cy="0"/>
-                </a:xfrm>
-                <a:prstGeom prst="straightConnector1">
-                  <a:avLst/>
-                </a:prstGeom>
-                <a:ln w="57150">
-                  <a:solidFill>
-                    <a:srgbClr val="00B0F0"/>
-                  </a:solidFill>
-                  <a:tailEnd type="triangle"/>
-                </a:ln>
-              </p:spPr>
-              <p:style>
-                <a:lnRef idx="1">
-                  <a:schemeClr val="accent1"/>
-                </a:lnRef>
-                <a:fillRef idx="0">
-                  <a:schemeClr val="accent1"/>
-                </a:fillRef>
-                <a:effectRef idx="0">
-                  <a:schemeClr val="accent1"/>
-                </a:effectRef>
-                <a:fontRef idx="minor">
-                  <a:schemeClr val="tx1"/>
-                </a:fontRef>
-              </p:style>
-            </p:cxnSp>
-            <p:cxnSp>
-              <p:nvCxnSpPr>
-                <p:cNvPr id="55" name="직선 화살표 연결선 54">
-                  <a:extLst>
-                    <a:ext uri="{FF2B5EF4-FFF2-40B4-BE49-F238E27FC236}">
-                      <a16:creationId xmlns:a16="http://schemas.microsoft.com/office/drawing/2014/main" id="{44F076FB-5F07-88A8-08AC-21952F0CF95A}"/>
-                    </a:ext>
-                  </a:extLst>
-                </p:cNvPr>
-                <p:cNvCxnSpPr>
-                  <a:cxnSpLocks/>
-                </p:cNvCxnSpPr>
-                <p:nvPr/>
-              </p:nvCxnSpPr>
-              <p:spPr>
-                <a:xfrm flipV="1">
-                  <a:off x="8498205" y="5090795"/>
-                  <a:ext cx="452279" cy="596265"/>
-                </a:xfrm>
-                <a:prstGeom prst="straightConnector1">
-                  <a:avLst/>
-                </a:prstGeom>
-                <a:ln w="57150">
-                  <a:solidFill>
-                    <a:srgbClr val="FFC000"/>
-                  </a:solidFill>
-                  <a:tailEnd type="triangle"/>
-                </a:ln>
-              </p:spPr>
-              <p:style>
-                <a:lnRef idx="1">
-                  <a:schemeClr val="accent1"/>
-                </a:lnRef>
-                <a:fillRef idx="0">
-                  <a:schemeClr val="accent1"/>
-                </a:fillRef>
-                <a:effectRef idx="0">
-                  <a:schemeClr val="accent1"/>
-                </a:effectRef>
-                <a:fontRef idx="minor">
-                  <a:schemeClr val="tx1"/>
-                </a:fontRef>
-              </p:style>
-            </p:cxnSp>
-            <p:cxnSp>
-              <p:nvCxnSpPr>
-                <p:cNvPr id="56" name="직선 화살표 연결선 55">
-                  <a:extLst>
-                    <a:ext uri="{FF2B5EF4-FFF2-40B4-BE49-F238E27FC236}">
-                      <a16:creationId xmlns:a16="http://schemas.microsoft.com/office/drawing/2014/main" id="{5EC1D968-A86E-667E-4D33-DC543FA484D8}"/>
-                    </a:ext>
-                  </a:extLst>
-                </p:cNvPr>
-                <p:cNvCxnSpPr>
-                  <a:cxnSpLocks/>
-                </p:cNvCxnSpPr>
-                <p:nvPr/>
-              </p:nvCxnSpPr>
-              <p:spPr>
-                <a:xfrm flipH="1" flipV="1">
-                  <a:off x="8083074" y="5039995"/>
-                  <a:ext cx="415131" cy="654685"/>
-                </a:xfrm>
-                <a:prstGeom prst="straightConnector1">
-                  <a:avLst/>
-                </a:prstGeom>
-                <a:ln w="57150">
-                  <a:solidFill>
-                    <a:srgbClr val="C00000"/>
-                  </a:solidFill>
-                  <a:tailEnd type="triangle"/>
-                </a:ln>
-              </p:spPr>
-              <p:style>
-                <a:lnRef idx="1">
-                  <a:schemeClr val="accent1"/>
-                </a:lnRef>
-                <a:fillRef idx="0">
-                  <a:schemeClr val="accent1"/>
-                </a:fillRef>
-                <a:effectRef idx="0">
-                  <a:schemeClr val="accent1"/>
-                </a:effectRef>
-                <a:fontRef idx="minor">
-                  <a:schemeClr val="tx1"/>
-                </a:fontRef>
-              </p:style>
-            </p:cxnSp>
-          </p:grpSp>
-          <p:cxnSp>
-            <p:nvCxnSpPr>
-              <p:cNvPr id="57" name="직선 연결선 56">
-                <a:extLst>
-                  <a:ext uri="{FF2B5EF4-FFF2-40B4-BE49-F238E27FC236}">
-                    <a16:creationId xmlns:a16="http://schemas.microsoft.com/office/drawing/2014/main" id="{31F21CD8-2FB7-EF95-C5A7-6E3F88BFE811}"/>
-                  </a:ext>
-                </a:extLst>
-              </p:cNvPr>
-              <p:cNvCxnSpPr/>
-              <p:nvPr/>
-            </p:nvCxnSpPr>
-            <p:spPr>
-              <a:xfrm>
-                <a:off x="7965698" y="-492660"/>
-                <a:ext cx="1005840" cy="0"/>
-              </a:xfrm>
-              <a:prstGeom prst="line">
-                <a:avLst/>
-              </a:prstGeom>
-              <a:ln w="76200">
-                <a:solidFill>
-                  <a:srgbClr val="C00000"/>
-                </a:solidFill>
+                <a:tailEnd type="triangle"/>
               </a:ln>
             </p:spPr>
             <p:style>
@@ -5046,28 +4442,31 @@
           </p:cxnSp>
           <p:cxnSp>
             <p:nvCxnSpPr>
-              <p:cNvPr id="58" name="직선 연결선 57">
+              <p:cNvPr id="35" name="직선 화살표 연결선 34">
                 <a:extLst>
                   <a:ext uri="{FF2B5EF4-FFF2-40B4-BE49-F238E27FC236}">
-                    <a16:creationId xmlns:a16="http://schemas.microsoft.com/office/drawing/2014/main" id="{039E400E-C63F-BA6F-0C5F-CD2BECE1C44F}"/>
+                    <a16:creationId xmlns:a16="http://schemas.microsoft.com/office/drawing/2014/main" id="{1D343743-8024-4824-1E84-98EF312F7461}"/>
                   </a:ext>
                 </a:extLst>
               </p:cNvPr>
-              <p:cNvCxnSpPr/>
+              <p:cNvCxnSpPr>
+                <a:cxnSpLocks/>
+              </p:cNvCxnSpPr>
               <p:nvPr/>
             </p:nvCxnSpPr>
             <p:spPr>
-              <a:xfrm>
-                <a:off x="7965698" y="-76100"/>
-                <a:ext cx="1005840" cy="0"/>
+              <a:xfrm flipH="1" flipV="1">
+                <a:off x="8488680" y="4953318"/>
+                <a:ext cx="9525" cy="733742"/>
               </a:xfrm>
-              <a:prstGeom prst="line">
+              <a:prstGeom prst="straightConnector1">
                 <a:avLst/>
               </a:prstGeom>
-              <a:ln w="76200">
+              <a:ln w="57150">
                 <a:solidFill>
                   <a:srgbClr val="FFC000"/>
                 </a:solidFill>
+                <a:tailEnd type="triangle"/>
               </a:ln>
             </p:spPr>
             <p:style>
@@ -5085,102 +4484,33 @@
               </a:fontRef>
             </p:style>
           </p:cxnSp>
-          <p:sp>
-            <p:nvSpPr>
-              <p:cNvPr id="59" name="TextBox 58">
+          <p:cxnSp>
+            <p:nvCxnSpPr>
+              <p:cNvPr id="36" name="직선 화살표 연결선 35">
                 <a:extLst>
                   <a:ext uri="{FF2B5EF4-FFF2-40B4-BE49-F238E27FC236}">
-                    <a16:creationId xmlns:a16="http://schemas.microsoft.com/office/drawing/2014/main" id="{51BDA708-6900-B3F2-5725-999766A0B552}"/>
+                    <a16:creationId xmlns:a16="http://schemas.microsoft.com/office/drawing/2014/main" id="{E1E851C2-5164-E542-CF3B-44296D819D7A}"/>
                   </a:ext>
                 </a:extLst>
               </p:cNvPr>
-              <p:cNvSpPr txBox="1"/>
-              <p:nvPr/>
-            </p:nvSpPr>
-            <p:spPr>
-              <a:xfrm>
-                <a:off x="8976995" y="-679337"/>
-                <a:ext cx="1108888" cy="369332"/>
-              </a:xfrm>
-              <a:prstGeom prst="rect">
-                <a:avLst/>
-              </a:prstGeom>
-              <a:noFill/>
-            </p:spPr>
-            <p:txBody>
-              <a:bodyPr wrap="square" rtlCol="0">
-                <a:spAutoFit/>
-              </a:bodyPr>
-              <a:lstStyle/>
-              <a:p>
-                <a:r>
-                  <a:rPr lang="en-US" altLang="ko-KR" dirty="0"/>
-                  <a:t>X-axis</a:t>
-                </a:r>
-                <a:endParaRPr lang="ko-KR" altLang="en-US" dirty="0"/>
-              </a:p>
-            </p:txBody>
-          </p:sp>
-          <p:sp>
-            <p:nvSpPr>
-              <p:cNvPr id="60" name="TextBox 59">
-                <a:extLst>
-                  <a:ext uri="{FF2B5EF4-FFF2-40B4-BE49-F238E27FC236}">
-                    <a16:creationId xmlns:a16="http://schemas.microsoft.com/office/drawing/2014/main" id="{E46AF5AC-01F2-EFA5-0AE3-64B4C8E3E292}"/>
-                  </a:ext>
-                </a:extLst>
-              </p:cNvPr>
-              <p:cNvSpPr txBox="1"/>
-              <p:nvPr/>
-            </p:nvSpPr>
-            <p:spPr>
-              <a:xfrm>
-                <a:off x="8976995" y="-260766"/>
-                <a:ext cx="1108888" cy="369332"/>
-              </a:xfrm>
-              <a:prstGeom prst="rect">
-                <a:avLst/>
-              </a:prstGeom>
-              <a:noFill/>
-            </p:spPr>
-            <p:txBody>
-              <a:bodyPr wrap="square" rtlCol="0">
-                <a:spAutoFit/>
-              </a:bodyPr>
-              <a:lstStyle/>
-              <a:p>
-                <a:r>
-                  <a:rPr lang="en-US" altLang="ko-KR" dirty="0"/>
-                  <a:t>Y-axis</a:t>
-                </a:r>
-                <a:endParaRPr lang="ko-KR" altLang="en-US" dirty="0"/>
-              </a:p>
-            </p:txBody>
-          </p:sp>
-          <p:cxnSp>
-            <p:nvCxnSpPr>
-              <p:cNvPr id="61" name="직선 연결선 60">
-                <a:extLst>
-                  <a:ext uri="{FF2B5EF4-FFF2-40B4-BE49-F238E27FC236}">
-                    <a16:creationId xmlns:a16="http://schemas.microsoft.com/office/drawing/2014/main" id="{860AB4B9-BC49-A838-0B55-921AA85620D6}"/>
-                  </a:ext>
-                </a:extLst>
-              </p:cNvPr>
-              <p:cNvCxnSpPr/>
+              <p:cNvCxnSpPr>
+                <a:cxnSpLocks/>
+              </p:cNvCxnSpPr>
               <p:nvPr/>
             </p:nvCxnSpPr>
             <p:spPr>
-              <a:xfrm>
-                <a:off x="7965698" y="361434"/>
-                <a:ext cx="1005840" cy="0"/>
+              <a:xfrm flipH="1" flipV="1">
+                <a:off x="7729220" y="5370830"/>
+                <a:ext cx="768985" cy="323850"/>
               </a:xfrm>
-              <a:prstGeom prst="line">
+              <a:prstGeom prst="straightConnector1">
                 <a:avLst/>
               </a:prstGeom>
-              <a:ln w="76200">
+              <a:ln w="57150">
                 <a:solidFill>
-                  <a:srgbClr val="00B0F0"/>
+                  <a:srgbClr val="C00000"/>
                 </a:solidFill>
+                <a:tailEnd type="triangle"/>
               </a:ln>
             </p:spPr>
             <p:style>
@@ -5198,70 +4528,54 @@
               </a:fontRef>
             </p:style>
           </p:cxnSp>
-          <p:sp>
-            <p:nvSpPr>
-              <p:cNvPr id="62" name="TextBox 61">
+        </p:grpSp>
+        <p:grpSp>
+          <p:nvGrpSpPr>
+            <p:cNvPr id="37" name="그룹 36">
+              <a:extLst>
+                <a:ext uri="{FF2B5EF4-FFF2-40B4-BE49-F238E27FC236}">
+                  <a16:creationId xmlns:a16="http://schemas.microsoft.com/office/drawing/2014/main" id="{38C95AB6-B9D5-2A6D-90EA-B38188459425}"/>
+                </a:ext>
+              </a:extLst>
+            </p:cNvPr>
+            <p:cNvGrpSpPr/>
+            <p:nvPr/>
+          </p:nvGrpSpPr>
+          <p:grpSpPr>
+            <a:xfrm>
+              <a:off x="5585193" y="2280920"/>
+              <a:ext cx="1079817" cy="770255"/>
+              <a:chOff x="7590791" y="4939665"/>
+              <a:chExt cx="1079817" cy="770255"/>
+            </a:xfrm>
+          </p:grpSpPr>
+          <p:cxnSp>
+            <p:nvCxnSpPr>
+              <p:cNvPr id="38" name="직선 화살표 연결선 37">
                 <a:extLst>
                   <a:ext uri="{FF2B5EF4-FFF2-40B4-BE49-F238E27FC236}">
-                    <a16:creationId xmlns:a16="http://schemas.microsoft.com/office/drawing/2014/main" id="{7BC9FF83-1992-787B-A533-AD5022274CE1}"/>
+                    <a16:creationId xmlns:a16="http://schemas.microsoft.com/office/drawing/2014/main" id="{8C137B2D-4AE6-F5C8-9738-D1C52EF3E9B7}"/>
                   </a:ext>
                 </a:extLst>
               </p:cNvPr>
-              <p:cNvSpPr txBox="1"/>
+              <p:cNvCxnSpPr>
+                <a:cxnSpLocks/>
+              </p:cNvCxnSpPr>
               <p:nvPr/>
-            </p:nvSpPr>
+            </p:nvCxnSpPr>
             <p:spPr>
-              <a:xfrm>
-                <a:off x="8976995" y="176768"/>
-                <a:ext cx="1108888" cy="369332"/>
+              <a:xfrm flipH="1">
+                <a:off x="7590791" y="5709920"/>
+                <a:ext cx="897889" cy="0"/>
               </a:xfrm>
-              <a:prstGeom prst="rect">
+              <a:prstGeom prst="straightConnector1">
                 <a:avLst/>
               </a:prstGeom>
-              <a:noFill/>
-            </p:spPr>
-            <p:txBody>
-              <a:bodyPr wrap="square" rtlCol="0">
-                <a:spAutoFit/>
-              </a:bodyPr>
-              <a:lstStyle/>
-              <a:p>
-                <a:r>
-                  <a:rPr lang="en-US" altLang="ko-KR" dirty="0"/>
-                  <a:t>Z-axis</a:t>
-                </a:r>
-                <a:endParaRPr lang="ko-KR" altLang="en-US" dirty="0"/>
-              </a:p>
-            </p:txBody>
-          </p:sp>
-          <p:sp>
-            <p:nvSpPr>
-              <p:cNvPr id="64" name="원호 63">
-                <a:extLst>
-                  <a:ext uri="{FF2B5EF4-FFF2-40B4-BE49-F238E27FC236}">
-                    <a16:creationId xmlns:a16="http://schemas.microsoft.com/office/drawing/2014/main" id="{AFE9A8F5-6DB0-F343-2C7E-6EBD35232B5D}"/>
-                  </a:ext>
-                </a:extLst>
-              </p:cNvPr>
-              <p:cNvSpPr/>
-              <p:nvPr/>
-            </p:nvSpPr>
-            <p:spPr>
-              <a:xfrm rot="13024760">
-                <a:off x="8595216" y="5207314"/>
-                <a:ext cx="935824" cy="934756"/>
-              </a:xfrm>
-              <a:prstGeom prst="arc">
-                <a:avLst>
-                  <a:gd name="adj1" fmla="val 16380057"/>
-                  <a:gd name="adj2" fmla="val 17974454"/>
-                </a:avLst>
-              </a:prstGeom>
-              <a:noFill/>
-              <a:ln w="38100">
+              <a:ln w="57150">
                 <a:solidFill>
-                  <a:schemeClr val="tx1"/>
+                  <a:srgbClr val="00B0F0"/>
                 </a:solidFill>
+                <a:tailEnd type="triangle"/>
               </a:ln>
             </p:spPr>
             <p:style>
@@ -5278,43 +4592,34 @@
                 <a:schemeClr val="tx1"/>
               </a:fontRef>
             </p:style>
-            <p:txBody>
-              <a:bodyPr rtlCol="0" anchor="ctr"/>
-              <a:lstStyle/>
-              <a:p>
-                <a:pPr algn="ctr"/>
-                <a:endParaRPr lang="ko-KR" altLang="en-US"/>
-              </a:p>
-            </p:txBody>
-          </p:sp>
-          <p:sp>
-            <p:nvSpPr>
-              <p:cNvPr id="65" name="원호 64">
+          </p:cxnSp>
+          <p:cxnSp>
+            <p:nvCxnSpPr>
+              <p:cNvPr id="39" name="직선 화살표 연결선 38">
                 <a:extLst>
                   <a:ext uri="{FF2B5EF4-FFF2-40B4-BE49-F238E27FC236}">
-                    <a16:creationId xmlns:a16="http://schemas.microsoft.com/office/drawing/2014/main" id="{60DC5889-7D2C-9C06-DC97-EF2351CBBFE8}"/>
+                    <a16:creationId xmlns:a16="http://schemas.microsoft.com/office/drawing/2014/main" id="{3923B01A-23DC-B3AE-3332-97B3E22067BA}"/>
                   </a:ext>
                 </a:extLst>
               </p:cNvPr>
-              <p:cNvSpPr/>
+              <p:cNvCxnSpPr>
+                <a:cxnSpLocks/>
+              </p:cNvCxnSpPr>
               <p:nvPr/>
-            </p:nvSpPr>
+            </p:nvCxnSpPr>
             <p:spPr>
-              <a:xfrm rot="14925175">
-                <a:off x="8417664" y="3189587"/>
-                <a:ext cx="935824" cy="934756"/>
+              <a:xfrm flipV="1">
+                <a:off x="8498205" y="4939665"/>
+                <a:ext cx="172403" cy="747395"/>
               </a:xfrm>
-              <a:prstGeom prst="arc">
-                <a:avLst>
-                  <a:gd name="adj1" fmla="val 16380057"/>
-                  <a:gd name="adj2" fmla="val 19045970"/>
-                </a:avLst>
+              <a:prstGeom prst="straightConnector1">
+                <a:avLst/>
               </a:prstGeom>
-              <a:noFill/>
-              <a:ln w="38100">
+              <a:ln w="57150">
                 <a:solidFill>
-                  <a:schemeClr val="tx1"/>
+                  <a:srgbClr val="FFC000"/>
                 </a:solidFill>
+                <a:tailEnd type="triangle"/>
               </a:ln>
             </p:spPr>
             <p:style>
@@ -5331,43 +4636,34 @@
                 <a:schemeClr val="tx1"/>
               </a:fontRef>
             </p:style>
-            <p:txBody>
-              <a:bodyPr rtlCol="0" anchor="ctr"/>
-              <a:lstStyle/>
-              <a:p>
-                <a:pPr algn="ctr"/>
-                <a:endParaRPr lang="ko-KR" altLang="en-US"/>
-              </a:p>
-            </p:txBody>
-          </p:sp>
-          <p:sp>
-            <p:nvSpPr>
-              <p:cNvPr id="66" name="원호 65">
+          </p:cxnSp>
+          <p:cxnSp>
+            <p:nvCxnSpPr>
+              <p:cNvPr id="40" name="직선 화살표 연결선 39">
                 <a:extLst>
                   <a:ext uri="{FF2B5EF4-FFF2-40B4-BE49-F238E27FC236}">
-                    <a16:creationId xmlns:a16="http://schemas.microsoft.com/office/drawing/2014/main" id="{1BC7EB00-B966-B355-3FDA-2587884CFF47}"/>
+                    <a16:creationId xmlns:a16="http://schemas.microsoft.com/office/drawing/2014/main" id="{73516522-8396-52DB-191C-4A3F1663461E}"/>
                   </a:ext>
                 </a:extLst>
               </p:cNvPr>
-              <p:cNvSpPr/>
+              <p:cNvCxnSpPr>
+                <a:cxnSpLocks/>
+              </p:cNvCxnSpPr>
               <p:nvPr/>
-            </p:nvSpPr>
+            </p:nvCxnSpPr>
             <p:spPr>
-              <a:xfrm rot="15942865">
-                <a:off x="6305611" y="2148617"/>
-                <a:ext cx="935824" cy="934756"/>
+              <a:xfrm flipH="1" flipV="1">
+                <a:off x="7854632" y="5090795"/>
+                <a:ext cx="643573" cy="603885"/>
               </a:xfrm>
-              <a:prstGeom prst="arc">
-                <a:avLst>
-                  <a:gd name="adj1" fmla="val 16875045"/>
-                  <a:gd name="adj2" fmla="val 18365502"/>
-                </a:avLst>
+              <a:prstGeom prst="straightConnector1">
+                <a:avLst/>
               </a:prstGeom>
-              <a:noFill/>
-              <a:ln w="38100">
+              <a:ln w="57150">
                 <a:solidFill>
-                  <a:schemeClr val="tx1"/>
+                  <a:srgbClr val="C00000"/>
                 </a:solidFill>
+                <a:tailEnd type="triangle"/>
               </a:ln>
             </p:spPr>
             <p:style>
@@ -5384,43 +4680,55 @@
                 <a:schemeClr val="tx1"/>
               </a:fontRef>
             </p:style>
-            <p:txBody>
-              <a:bodyPr rtlCol="0" anchor="ctr"/>
-              <a:lstStyle/>
-              <a:p>
-                <a:pPr algn="ctr"/>
-                <a:endParaRPr lang="ko-KR" altLang="en-US"/>
-              </a:p>
-            </p:txBody>
-          </p:sp>
-          <p:sp>
-            <p:nvSpPr>
-              <p:cNvPr id="67" name="원호 66">
+          </p:cxnSp>
+        </p:grpSp>
+        <p:grpSp>
+          <p:nvGrpSpPr>
+            <p:cNvPr id="44" name="그룹 43">
+              <a:extLst>
+                <a:ext uri="{FF2B5EF4-FFF2-40B4-BE49-F238E27FC236}">
+                  <a16:creationId xmlns:a16="http://schemas.microsoft.com/office/drawing/2014/main" id="{3EB36916-A247-1F00-DB80-7E6F82009DC0}"/>
+                </a:ext>
+              </a:extLst>
+            </p:cNvPr>
+            <p:cNvGrpSpPr/>
+            <p:nvPr/>
+          </p:nvGrpSpPr>
+          <p:grpSpPr>
+            <a:xfrm>
+              <a:off x="3968006" y="891540"/>
+              <a:ext cx="1359693" cy="669925"/>
+              <a:chOff x="7590791" y="5039995"/>
+              <a:chExt cx="1359693" cy="669925"/>
+            </a:xfrm>
+          </p:grpSpPr>
+          <p:cxnSp>
+            <p:nvCxnSpPr>
+              <p:cNvPr id="45" name="직선 화살표 연결선 44">
                 <a:extLst>
                   <a:ext uri="{FF2B5EF4-FFF2-40B4-BE49-F238E27FC236}">
-                    <a16:creationId xmlns:a16="http://schemas.microsoft.com/office/drawing/2014/main" id="{E46882BE-D854-89A9-507A-3A8773DB28DE}"/>
+                    <a16:creationId xmlns:a16="http://schemas.microsoft.com/office/drawing/2014/main" id="{D3CF05A3-3A48-2066-5B2D-8B90954F429A}"/>
                   </a:ext>
                 </a:extLst>
               </p:cNvPr>
-              <p:cNvSpPr/>
+              <p:cNvCxnSpPr>
+                <a:cxnSpLocks/>
+              </p:cNvCxnSpPr>
               <p:nvPr/>
-            </p:nvSpPr>
+            </p:nvCxnSpPr>
             <p:spPr>
-              <a:xfrm rot="18109203">
-                <a:off x="4589021" y="809607"/>
-                <a:ext cx="935824" cy="934756"/>
+              <a:xfrm flipH="1">
+                <a:off x="7590791" y="5709920"/>
+                <a:ext cx="897889" cy="0"/>
               </a:xfrm>
-              <a:prstGeom prst="arc">
-                <a:avLst>
-                  <a:gd name="adj1" fmla="val 17130913"/>
-                  <a:gd name="adj2" fmla="val 18365502"/>
-                </a:avLst>
+              <a:prstGeom prst="straightConnector1">
+                <a:avLst/>
               </a:prstGeom>
-              <a:noFill/>
-              <a:ln w="38100">
+              <a:ln w="57150">
                 <a:solidFill>
-                  <a:schemeClr val="tx1"/>
+                  <a:srgbClr val="00B0F0"/>
                 </a:solidFill>
+                <a:tailEnd type="triangle"/>
               </a:ln>
             </p:spPr>
             <p:style>
@@ -5437,321 +4745,997 @@
                 <a:schemeClr val="tx1"/>
               </a:fontRef>
             </p:style>
-            <p:txBody>
-              <a:bodyPr rtlCol="0" anchor="ctr"/>
-              <a:lstStyle/>
-              <a:p>
-                <a:pPr algn="ctr"/>
-                <a:endParaRPr lang="ko-KR" altLang="en-US"/>
-              </a:p>
-            </p:txBody>
-          </p:sp>
-          <p:grpSp>
-            <p:nvGrpSpPr>
-              <p:cNvPr id="69" name="그룹 68">
+          </p:cxnSp>
+          <p:cxnSp>
+            <p:nvCxnSpPr>
+              <p:cNvPr id="46" name="직선 화살표 연결선 45">
                 <a:extLst>
                   <a:ext uri="{FF2B5EF4-FFF2-40B4-BE49-F238E27FC236}">
-                    <a16:creationId xmlns:a16="http://schemas.microsoft.com/office/drawing/2014/main" id="{E8F3D9D4-79A0-A326-07A9-FA2BAA016881}"/>
+                    <a16:creationId xmlns:a16="http://schemas.microsoft.com/office/drawing/2014/main" id="{1C953390-02DE-969D-9EB9-1D5C29297DB5}"/>
                   </a:ext>
                 </a:extLst>
               </p:cNvPr>
-              <p:cNvGrpSpPr/>
+              <p:cNvCxnSpPr>
+                <a:cxnSpLocks/>
+              </p:cNvCxnSpPr>
               <p:nvPr/>
-            </p:nvGrpSpPr>
-            <p:grpSpPr>
-              <a:xfrm>
-                <a:off x="8551659" y="4871720"/>
-                <a:ext cx="1166562" cy="1376680"/>
-                <a:chOff x="8051800" y="4871720"/>
-                <a:chExt cx="1166562" cy="1376680"/>
+            </p:nvCxnSpPr>
+            <p:spPr>
+              <a:xfrm flipV="1">
+                <a:off x="8498205" y="5090795"/>
+                <a:ext cx="452279" cy="596265"/>
               </a:xfrm>
-            </p:grpSpPr>
-            <p:cxnSp>
-              <p:nvCxnSpPr>
-                <p:cNvPr id="70" name="직선 화살표 연결선 69">
-                  <a:extLst>
-                    <a:ext uri="{FF2B5EF4-FFF2-40B4-BE49-F238E27FC236}">
-                      <a16:creationId xmlns:a16="http://schemas.microsoft.com/office/drawing/2014/main" id="{66B4B65A-EFBE-0AE6-1E84-39E372401FD8}"/>
-                    </a:ext>
-                  </a:extLst>
-                </p:cNvPr>
-                <p:cNvCxnSpPr>
-                  <a:cxnSpLocks/>
-                </p:cNvCxnSpPr>
-                <p:nvPr/>
-              </p:nvCxnSpPr>
-              <p:spPr>
-                <a:xfrm>
-                  <a:off x="8498205" y="5687060"/>
-                  <a:ext cx="720157" cy="139700"/>
-                </a:xfrm>
-                <a:prstGeom prst="straightConnector1">
-                  <a:avLst/>
-                </a:prstGeom>
-                <a:ln w="57150">
-                  <a:solidFill>
-                    <a:srgbClr val="FFC000"/>
-                  </a:solidFill>
-                  <a:tailEnd type="triangle"/>
-                </a:ln>
-              </p:spPr>
-              <p:style>
-                <a:lnRef idx="1">
-                  <a:schemeClr val="accent1"/>
-                </a:lnRef>
-                <a:fillRef idx="0">
-                  <a:schemeClr val="accent1"/>
-                </a:fillRef>
-                <a:effectRef idx="0">
-                  <a:schemeClr val="accent1"/>
-                </a:effectRef>
-                <a:fontRef idx="minor">
-                  <a:schemeClr val="tx1"/>
-                </a:fontRef>
-              </p:style>
-            </p:cxnSp>
-            <p:cxnSp>
-              <p:nvCxnSpPr>
-                <p:cNvPr id="71" name="직선 화살표 연결선 70">
-                  <a:extLst>
-                    <a:ext uri="{FF2B5EF4-FFF2-40B4-BE49-F238E27FC236}">
-                      <a16:creationId xmlns:a16="http://schemas.microsoft.com/office/drawing/2014/main" id="{5CD7D71D-E596-4C9A-2C55-B13B44EED5D2}"/>
-                    </a:ext>
-                  </a:extLst>
-                </p:cNvPr>
-                <p:cNvCxnSpPr>
-                  <a:cxnSpLocks/>
-                </p:cNvCxnSpPr>
-                <p:nvPr/>
-              </p:nvCxnSpPr>
-              <p:spPr>
-                <a:xfrm flipH="1">
-                  <a:off x="8051800" y="5694680"/>
-                  <a:ext cx="446405" cy="553720"/>
-                </a:xfrm>
-                <a:prstGeom prst="straightConnector1">
-                  <a:avLst/>
-                </a:prstGeom>
-                <a:ln w="57150">
-                  <a:solidFill>
-                    <a:srgbClr val="C00000"/>
-                  </a:solidFill>
-                  <a:tailEnd type="triangle"/>
-                </a:ln>
-              </p:spPr>
-              <p:style>
-                <a:lnRef idx="1">
-                  <a:schemeClr val="accent1"/>
-                </a:lnRef>
-                <a:fillRef idx="0">
-                  <a:schemeClr val="accent1"/>
-                </a:fillRef>
-                <a:effectRef idx="0">
-                  <a:schemeClr val="accent1"/>
-                </a:effectRef>
-                <a:fontRef idx="minor">
-                  <a:schemeClr val="tx1"/>
-                </a:fontRef>
-              </p:style>
-            </p:cxnSp>
-            <p:cxnSp>
-              <p:nvCxnSpPr>
-                <p:cNvPr id="72" name="직선 화살표 연결선 71">
-                  <a:extLst>
-                    <a:ext uri="{FF2B5EF4-FFF2-40B4-BE49-F238E27FC236}">
-                      <a16:creationId xmlns:a16="http://schemas.microsoft.com/office/drawing/2014/main" id="{78096633-E21C-4346-DA4D-1DB98BEEC967}"/>
-                    </a:ext>
-                  </a:extLst>
-                </p:cNvPr>
-                <p:cNvCxnSpPr>
-                  <a:cxnSpLocks/>
-                </p:cNvCxnSpPr>
-                <p:nvPr/>
-              </p:nvCxnSpPr>
-              <p:spPr>
-                <a:xfrm flipV="1">
-                  <a:off x="8488680" y="4871720"/>
-                  <a:ext cx="0" cy="838200"/>
-                </a:xfrm>
-                <a:prstGeom prst="straightConnector1">
-                  <a:avLst/>
-                </a:prstGeom>
-                <a:ln w="57150">
-                  <a:solidFill>
-                    <a:srgbClr val="00B0F0"/>
-                  </a:solidFill>
-                  <a:tailEnd type="triangle"/>
-                </a:ln>
-              </p:spPr>
-              <p:style>
-                <a:lnRef idx="1">
-                  <a:schemeClr val="accent1"/>
-                </a:lnRef>
-                <a:fillRef idx="0">
-                  <a:schemeClr val="accent1"/>
-                </a:fillRef>
-                <a:effectRef idx="0">
-                  <a:schemeClr val="accent1"/>
-                </a:effectRef>
-                <a:fontRef idx="minor">
-                  <a:schemeClr val="tx1"/>
-                </a:fontRef>
-              </p:style>
-            </p:cxnSp>
-          </p:grpSp>
-          <p:grpSp>
-            <p:nvGrpSpPr>
-              <p:cNvPr id="73" name="그룹 72">
+              <a:prstGeom prst="straightConnector1">
+                <a:avLst/>
+              </a:prstGeom>
+              <a:ln w="57150">
+                <a:solidFill>
+                  <a:srgbClr val="FFC000"/>
+                </a:solidFill>
+                <a:tailEnd type="triangle"/>
+              </a:ln>
+            </p:spPr>
+            <p:style>
+              <a:lnRef idx="1">
+                <a:schemeClr val="accent1"/>
+              </a:lnRef>
+              <a:fillRef idx="0">
+                <a:schemeClr val="accent1"/>
+              </a:fillRef>
+              <a:effectRef idx="0">
+                <a:schemeClr val="accent1"/>
+              </a:effectRef>
+              <a:fontRef idx="minor">
+                <a:schemeClr val="tx1"/>
+              </a:fontRef>
+            </p:style>
+          </p:cxnSp>
+          <p:cxnSp>
+            <p:nvCxnSpPr>
+              <p:cNvPr id="47" name="직선 화살표 연결선 46">
                 <a:extLst>
                   <a:ext uri="{FF2B5EF4-FFF2-40B4-BE49-F238E27FC236}">
-                    <a16:creationId xmlns:a16="http://schemas.microsoft.com/office/drawing/2014/main" id="{BD44EF01-6C16-077F-A7CB-08B6FA6C4293}"/>
+                    <a16:creationId xmlns:a16="http://schemas.microsoft.com/office/drawing/2014/main" id="{48B094F8-4EB4-413A-C443-A3BDCE4AFAFD}"/>
                   </a:ext>
                 </a:extLst>
               </p:cNvPr>
-              <p:cNvGrpSpPr/>
+              <p:cNvCxnSpPr>
+                <a:cxnSpLocks/>
+              </p:cNvCxnSpPr>
               <p:nvPr/>
-            </p:nvGrpSpPr>
-            <p:grpSpPr>
+            </p:nvCxnSpPr>
+            <p:spPr>
+              <a:xfrm flipH="1" flipV="1">
+                <a:off x="8083074" y="5039995"/>
+                <a:ext cx="415131" cy="654685"/>
+              </a:xfrm>
+              <a:prstGeom prst="straightConnector1">
+                <a:avLst/>
+              </a:prstGeom>
+              <a:ln w="57150">
+                <a:solidFill>
+                  <a:srgbClr val="C00000"/>
+                </a:solidFill>
+                <a:tailEnd type="triangle"/>
+              </a:ln>
+            </p:spPr>
+            <p:style>
+              <a:lnRef idx="1">
+                <a:schemeClr val="accent1"/>
+              </a:lnRef>
+              <a:fillRef idx="0">
+                <a:schemeClr val="accent1"/>
+              </a:fillRef>
+              <a:effectRef idx="0">
+                <a:schemeClr val="accent1"/>
+              </a:effectRef>
+              <a:fontRef idx="minor">
+                <a:schemeClr val="tx1"/>
+              </a:fontRef>
+            </p:style>
+          </p:cxnSp>
+        </p:grpSp>
+        <p:grpSp>
+          <p:nvGrpSpPr>
+            <p:cNvPr id="53" name="그룹 52">
+              <a:extLst>
+                <a:ext uri="{FF2B5EF4-FFF2-40B4-BE49-F238E27FC236}">
+                  <a16:creationId xmlns:a16="http://schemas.microsoft.com/office/drawing/2014/main" id="{AA344BD2-D617-CA4B-84E5-2013A4EBDF51}"/>
+                </a:ext>
+              </a:extLst>
+            </p:cNvPr>
+            <p:cNvGrpSpPr/>
+            <p:nvPr/>
+          </p:nvGrpSpPr>
+          <p:grpSpPr>
+            <a:xfrm>
+              <a:off x="3204736" y="-391795"/>
+              <a:ext cx="1359693" cy="669925"/>
+              <a:chOff x="7590791" y="5039995"/>
+              <a:chExt cx="1359693" cy="669925"/>
+            </a:xfrm>
+          </p:grpSpPr>
+          <p:cxnSp>
+            <p:nvCxnSpPr>
+              <p:cNvPr id="54" name="직선 화살표 연결선 53">
+                <a:extLst>
+                  <a:ext uri="{FF2B5EF4-FFF2-40B4-BE49-F238E27FC236}">
+                    <a16:creationId xmlns:a16="http://schemas.microsoft.com/office/drawing/2014/main" id="{AB0D5019-D992-F696-B49F-8DF4032C038B}"/>
+                  </a:ext>
+                </a:extLst>
+              </p:cNvPr>
+              <p:cNvCxnSpPr>
+                <a:cxnSpLocks/>
+              </p:cNvCxnSpPr>
+              <p:nvPr/>
+            </p:nvCxnSpPr>
+            <p:spPr>
+              <a:xfrm flipH="1">
+                <a:off x="7590791" y="5709920"/>
+                <a:ext cx="897889" cy="0"/>
+              </a:xfrm>
+              <a:prstGeom prst="straightConnector1">
+                <a:avLst/>
+              </a:prstGeom>
+              <a:ln w="57150">
+                <a:solidFill>
+                  <a:srgbClr val="00B0F0"/>
+                </a:solidFill>
+                <a:tailEnd type="triangle"/>
+              </a:ln>
+            </p:spPr>
+            <p:style>
+              <a:lnRef idx="1">
+                <a:schemeClr val="accent1"/>
+              </a:lnRef>
+              <a:fillRef idx="0">
+                <a:schemeClr val="accent1"/>
+              </a:fillRef>
+              <a:effectRef idx="0">
+                <a:schemeClr val="accent1"/>
+              </a:effectRef>
+              <a:fontRef idx="minor">
+                <a:schemeClr val="tx1"/>
+              </a:fontRef>
+            </p:style>
+          </p:cxnSp>
+          <p:cxnSp>
+            <p:nvCxnSpPr>
+              <p:cNvPr id="55" name="직선 화살표 연결선 54">
+                <a:extLst>
+                  <a:ext uri="{FF2B5EF4-FFF2-40B4-BE49-F238E27FC236}">
+                    <a16:creationId xmlns:a16="http://schemas.microsoft.com/office/drawing/2014/main" id="{44F076FB-5F07-88A8-08AC-21952F0CF95A}"/>
+                  </a:ext>
+                </a:extLst>
+              </p:cNvPr>
+              <p:cNvCxnSpPr>
+                <a:cxnSpLocks/>
+              </p:cNvCxnSpPr>
+              <p:nvPr/>
+            </p:nvCxnSpPr>
+            <p:spPr>
+              <a:xfrm flipV="1">
+                <a:off x="8498205" y="5090795"/>
+                <a:ext cx="452279" cy="596265"/>
+              </a:xfrm>
+              <a:prstGeom prst="straightConnector1">
+                <a:avLst/>
+              </a:prstGeom>
+              <a:ln w="57150">
+                <a:solidFill>
+                  <a:srgbClr val="FFC000"/>
+                </a:solidFill>
+                <a:tailEnd type="triangle"/>
+              </a:ln>
+            </p:spPr>
+            <p:style>
+              <a:lnRef idx="1">
+                <a:schemeClr val="accent1"/>
+              </a:lnRef>
+              <a:fillRef idx="0">
+                <a:schemeClr val="accent1"/>
+              </a:fillRef>
+              <a:effectRef idx="0">
+                <a:schemeClr val="accent1"/>
+              </a:effectRef>
+              <a:fontRef idx="minor">
+                <a:schemeClr val="tx1"/>
+              </a:fontRef>
+            </p:style>
+          </p:cxnSp>
+          <p:cxnSp>
+            <p:nvCxnSpPr>
+              <p:cNvPr id="56" name="직선 화살표 연결선 55">
+                <a:extLst>
+                  <a:ext uri="{FF2B5EF4-FFF2-40B4-BE49-F238E27FC236}">
+                    <a16:creationId xmlns:a16="http://schemas.microsoft.com/office/drawing/2014/main" id="{5EC1D968-A86E-667E-4D33-DC543FA484D8}"/>
+                  </a:ext>
+                </a:extLst>
+              </p:cNvPr>
+              <p:cNvCxnSpPr>
+                <a:cxnSpLocks/>
+              </p:cNvCxnSpPr>
+              <p:nvPr/>
+            </p:nvCxnSpPr>
+            <p:spPr>
+              <a:xfrm flipH="1" flipV="1">
+                <a:off x="8083074" y="5039995"/>
+                <a:ext cx="415131" cy="654685"/>
+              </a:xfrm>
+              <a:prstGeom prst="straightConnector1">
+                <a:avLst/>
+              </a:prstGeom>
+              <a:ln w="57150">
+                <a:solidFill>
+                  <a:srgbClr val="C00000"/>
+                </a:solidFill>
+                <a:tailEnd type="triangle"/>
+              </a:ln>
+            </p:spPr>
+            <p:style>
+              <a:lnRef idx="1">
+                <a:schemeClr val="accent1"/>
+              </a:lnRef>
+              <a:fillRef idx="0">
+                <a:schemeClr val="accent1"/>
+              </a:fillRef>
+              <a:effectRef idx="0">
+                <a:schemeClr val="accent1"/>
+              </a:effectRef>
+              <a:fontRef idx="minor">
+                <a:schemeClr val="tx1"/>
+              </a:fontRef>
+            </p:style>
+          </p:cxnSp>
+        </p:grpSp>
+        <p:cxnSp>
+          <p:nvCxnSpPr>
+            <p:cNvPr id="57" name="직선 연결선 56">
+              <a:extLst>
+                <a:ext uri="{FF2B5EF4-FFF2-40B4-BE49-F238E27FC236}">
+                  <a16:creationId xmlns:a16="http://schemas.microsoft.com/office/drawing/2014/main" id="{31F21CD8-2FB7-EF95-C5A7-6E3F88BFE811}"/>
+                </a:ext>
+              </a:extLst>
+            </p:cNvPr>
+            <p:cNvCxnSpPr/>
+            <p:nvPr/>
+          </p:nvCxnSpPr>
+          <p:spPr>
+            <a:xfrm>
+              <a:off x="7664757" y="-208180"/>
+              <a:ext cx="1005840" cy="0"/>
+            </a:xfrm>
+            <a:prstGeom prst="line">
+              <a:avLst/>
+            </a:prstGeom>
+            <a:ln w="76200">
+              <a:solidFill>
+                <a:srgbClr val="C00000"/>
+              </a:solidFill>
+            </a:ln>
+          </p:spPr>
+          <p:style>
+            <a:lnRef idx="1">
+              <a:schemeClr val="accent1"/>
+            </a:lnRef>
+            <a:fillRef idx="0">
+              <a:schemeClr val="accent1"/>
+            </a:fillRef>
+            <a:effectRef idx="0">
+              <a:schemeClr val="accent1"/>
+            </a:effectRef>
+            <a:fontRef idx="minor">
+              <a:schemeClr val="tx1"/>
+            </a:fontRef>
+          </p:style>
+        </p:cxnSp>
+        <p:cxnSp>
+          <p:nvCxnSpPr>
+            <p:cNvPr id="58" name="직선 연결선 57">
+              <a:extLst>
+                <a:ext uri="{FF2B5EF4-FFF2-40B4-BE49-F238E27FC236}">
+                  <a16:creationId xmlns:a16="http://schemas.microsoft.com/office/drawing/2014/main" id="{039E400E-C63F-BA6F-0C5F-CD2BECE1C44F}"/>
+                </a:ext>
+              </a:extLst>
+            </p:cNvPr>
+            <p:cNvCxnSpPr/>
+            <p:nvPr/>
+          </p:nvCxnSpPr>
+          <p:spPr>
+            <a:xfrm>
+              <a:off x="7664757" y="208380"/>
+              <a:ext cx="1005840" cy="0"/>
+            </a:xfrm>
+            <a:prstGeom prst="line">
+              <a:avLst/>
+            </a:prstGeom>
+            <a:ln w="76200">
+              <a:solidFill>
+                <a:srgbClr val="FFC000"/>
+              </a:solidFill>
+            </a:ln>
+          </p:spPr>
+          <p:style>
+            <a:lnRef idx="1">
+              <a:schemeClr val="accent1"/>
+            </a:lnRef>
+            <a:fillRef idx="0">
+              <a:schemeClr val="accent1"/>
+            </a:fillRef>
+            <a:effectRef idx="0">
+              <a:schemeClr val="accent1"/>
+            </a:effectRef>
+            <a:fontRef idx="minor">
+              <a:schemeClr val="tx1"/>
+            </a:fontRef>
+          </p:style>
+        </p:cxnSp>
+        <p:sp>
+          <p:nvSpPr>
+            <p:cNvPr id="59" name="TextBox 58">
+              <a:extLst>
+                <a:ext uri="{FF2B5EF4-FFF2-40B4-BE49-F238E27FC236}">
+                  <a16:creationId xmlns:a16="http://schemas.microsoft.com/office/drawing/2014/main" id="{51BDA708-6900-B3F2-5725-999766A0B552}"/>
+                </a:ext>
+              </a:extLst>
+            </p:cNvPr>
+            <p:cNvSpPr txBox="1"/>
+            <p:nvPr/>
+          </p:nvSpPr>
+          <p:spPr>
+            <a:xfrm>
+              <a:off x="8676054" y="-394857"/>
+              <a:ext cx="1108888" cy="369332"/>
+            </a:xfrm>
+            <a:prstGeom prst="rect">
+              <a:avLst/>
+            </a:prstGeom>
+            <a:noFill/>
+          </p:spPr>
+          <p:txBody>
+            <a:bodyPr wrap="square" rtlCol="0">
+              <a:spAutoFit/>
+            </a:bodyPr>
+            <a:lstStyle/>
+            <a:p>
+              <a:r>
+                <a:rPr lang="en-US" altLang="ko-KR" dirty="0"/>
+                <a:t>X-axis</a:t>
+              </a:r>
+              <a:endParaRPr lang="ko-KR" altLang="en-US" dirty="0"/>
+            </a:p>
+          </p:txBody>
+        </p:sp>
+        <p:sp>
+          <p:nvSpPr>
+            <p:cNvPr id="60" name="TextBox 59">
+              <a:extLst>
+                <a:ext uri="{FF2B5EF4-FFF2-40B4-BE49-F238E27FC236}">
+                  <a16:creationId xmlns:a16="http://schemas.microsoft.com/office/drawing/2014/main" id="{E46AF5AC-01F2-EFA5-0AE3-64B4C8E3E292}"/>
+                </a:ext>
+              </a:extLst>
+            </p:cNvPr>
+            <p:cNvSpPr txBox="1"/>
+            <p:nvPr/>
+          </p:nvSpPr>
+          <p:spPr>
+            <a:xfrm>
+              <a:off x="8676054" y="23714"/>
+              <a:ext cx="1108888" cy="369332"/>
+            </a:xfrm>
+            <a:prstGeom prst="rect">
+              <a:avLst/>
+            </a:prstGeom>
+            <a:noFill/>
+          </p:spPr>
+          <p:txBody>
+            <a:bodyPr wrap="square" rtlCol="0">
+              <a:spAutoFit/>
+            </a:bodyPr>
+            <a:lstStyle/>
+            <a:p>
+              <a:r>
+                <a:rPr lang="en-US" altLang="ko-KR" dirty="0"/>
+                <a:t>Y-axis</a:t>
+              </a:r>
+              <a:endParaRPr lang="ko-KR" altLang="en-US" dirty="0"/>
+            </a:p>
+          </p:txBody>
+        </p:sp>
+        <p:cxnSp>
+          <p:nvCxnSpPr>
+            <p:cNvPr id="61" name="직선 연결선 60">
+              <a:extLst>
+                <a:ext uri="{FF2B5EF4-FFF2-40B4-BE49-F238E27FC236}">
+                  <a16:creationId xmlns:a16="http://schemas.microsoft.com/office/drawing/2014/main" id="{860AB4B9-BC49-A838-0B55-921AA85620D6}"/>
+                </a:ext>
+              </a:extLst>
+            </p:cNvPr>
+            <p:cNvCxnSpPr/>
+            <p:nvPr/>
+          </p:nvCxnSpPr>
+          <p:spPr>
+            <a:xfrm>
+              <a:off x="7664757" y="645914"/>
+              <a:ext cx="1005840" cy="0"/>
+            </a:xfrm>
+            <a:prstGeom prst="line">
+              <a:avLst/>
+            </a:prstGeom>
+            <a:ln w="76200">
+              <a:solidFill>
+                <a:srgbClr val="00B0F0"/>
+              </a:solidFill>
+            </a:ln>
+          </p:spPr>
+          <p:style>
+            <a:lnRef idx="1">
+              <a:schemeClr val="accent1"/>
+            </a:lnRef>
+            <a:fillRef idx="0">
+              <a:schemeClr val="accent1"/>
+            </a:fillRef>
+            <a:effectRef idx="0">
+              <a:schemeClr val="accent1"/>
+            </a:effectRef>
+            <a:fontRef idx="minor">
+              <a:schemeClr val="tx1"/>
+            </a:fontRef>
+          </p:style>
+        </p:cxnSp>
+        <p:sp>
+          <p:nvSpPr>
+            <p:cNvPr id="62" name="TextBox 61">
+              <a:extLst>
+                <a:ext uri="{FF2B5EF4-FFF2-40B4-BE49-F238E27FC236}">
+                  <a16:creationId xmlns:a16="http://schemas.microsoft.com/office/drawing/2014/main" id="{7BC9FF83-1992-787B-A533-AD5022274CE1}"/>
+                </a:ext>
+              </a:extLst>
+            </p:cNvPr>
+            <p:cNvSpPr txBox="1"/>
+            <p:nvPr/>
+          </p:nvSpPr>
+          <p:spPr>
+            <a:xfrm>
+              <a:off x="8676054" y="461248"/>
+              <a:ext cx="1108888" cy="369332"/>
+            </a:xfrm>
+            <a:prstGeom prst="rect">
+              <a:avLst/>
+            </a:prstGeom>
+            <a:noFill/>
+          </p:spPr>
+          <p:txBody>
+            <a:bodyPr wrap="square" rtlCol="0">
+              <a:spAutoFit/>
+            </a:bodyPr>
+            <a:lstStyle/>
+            <a:p>
+              <a:r>
+                <a:rPr lang="en-US" altLang="ko-KR" dirty="0"/>
+                <a:t>Z-axis</a:t>
+              </a:r>
+              <a:endParaRPr lang="ko-KR" altLang="en-US" dirty="0"/>
+            </a:p>
+          </p:txBody>
+        </p:sp>
+        <p:sp>
+          <p:nvSpPr>
+            <p:cNvPr id="64" name="원호 63">
+              <a:extLst>
+                <a:ext uri="{FF2B5EF4-FFF2-40B4-BE49-F238E27FC236}">
+                  <a16:creationId xmlns:a16="http://schemas.microsoft.com/office/drawing/2014/main" id="{AFE9A8F5-6DB0-F343-2C7E-6EBD35232B5D}"/>
+                </a:ext>
+              </a:extLst>
+            </p:cNvPr>
+            <p:cNvSpPr/>
+            <p:nvPr/>
+          </p:nvSpPr>
+          <p:spPr>
+            <a:xfrm rot="13024760">
+              <a:off x="8294275" y="5491794"/>
+              <a:ext cx="935824" cy="934756"/>
+            </a:xfrm>
+            <a:prstGeom prst="arc">
+              <a:avLst>
+                <a:gd name="adj1" fmla="val 16380057"/>
+                <a:gd name="adj2" fmla="val 17974454"/>
+              </a:avLst>
+            </a:prstGeom>
+            <a:noFill/>
+            <a:ln w="38100">
+              <a:solidFill>
+                <a:schemeClr val="tx1"/>
+              </a:solidFill>
+            </a:ln>
+          </p:spPr>
+          <p:style>
+            <a:lnRef idx="1">
+              <a:schemeClr val="accent1"/>
+            </a:lnRef>
+            <a:fillRef idx="0">
+              <a:schemeClr val="accent1"/>
+            </a:fillRef>
+            <a:effectRef idx="0">
+              <a:schemeClr val="accent1"/>
+            </a:effectRef>
+            <a:fontRef idx="minor">
+              <a:schemeClr val="tx1"/>
+            </a:fontRef>
+          </p:style>
+          <p:txBody>
+            <a:bodyPr rtlCol="0" anchor="ctr"/>
+            <a:lstStyle/>
+            <a:p>
+              <a:pPr algn="ctr"/>
+              <a:endParaRPr lang="ko-KR" altLang="en-US"/>
+            </a:p>
+          </p:txBody>
+        </p:sp>
+        <p:sp>
+          <p:nvSpPr>
+            <p:cNvPr id="65" name="원호 64">
+              <a:extLst>
+                <a:ext uri="{FF2B5EF4-FFF2-40B4-BE49-F238E27FC236}">
+                  <a16:creationId xmlns:a16="http://schemas.microsoft.com/office/drawing/2014/main" id="{60DC5889-7D2C-9C06-DC97-EF2351CBBFE8}"/>
+                </a:ext>
+              </a:extLst>
+            </p:cNvPr>
+            <p:cNvSpPr/>
+            <p:nvPr/>
+          </p:nvSpPr>
+          <p:spPr>
+            <a:xfrm rot="14925175">
+              <a:off x="8116723" y="3474067"/>
+              <a:ext cx="935824" cy="934756"/>
+            </a:xfrm>
+            <a:prstGeom prst="arc">
+              <a:avLst>
+                <a:gd name="adj1" fmla="val 16380057"/>
+                <a:gd name="adj2" fmla="val 19045970"/>
+              </a:avLst>
+            </a:prstGeom>
+            <a:noFill/>
+            <a:ln w="38100">
+              <a:solidFill>
+                <a:schemeClr val="tx1"/>
+              </a:solidFill>
+            </a:ln>
+          </p:spPr>
+          <p:style>
+            <a:lnRef idx="1">
+              <a:schemeClr val="accent1"/>
+            </a:lnRef>
+            <a:fillRef idx="0">
+              <a:schemeClr val="accent1"/>
+            </a:fillRef>
+            <a:effectRef idx="0">
+              <a:schemeClr val="accent1"/>
+            </a:effectRef>
+            <a:fontRef idx="minor">
+              <a:schemeClr val="tx1"/>
+            </a:fontRef>
+          </p:style>
+          <p:txBody>
+            <a:bodyPr rtlCol="0" anchor="ctr"/>
+            <a:lstStyle/>
+            <a:p>
+              <a:pPr algn="ctr"/>
+              <a:endParaRPr lang="ko-KR" altLang="en-US"/>
+            </a:p>
+          </p:txBody>
+        </p:sp>
+        <p:sp>
+          <p:nvSpPr>
+            <p:cNvPr id="66" name="원호 65">
+              <a:extLst>
+                <a:ext uri="{FF2B5EF4-FFF2-40B4-BE49-F238E27FC236}">
+                  <a16:creationId xmlns:a16="http://schemas.microsoft.com/office/drawing/2014/main" id="{1BC7EB00-B966-B355-3FDA-2587884CFF47}"/>
+                </a:ext>
+              </a:extLst>
+            </p:cNvPr>
+            <p:cNvSpPr/>
+            <p:nvPr/>
+          </p:nvSpPr>
+          <p:spPr>
+            <a:xfrm rot="15942865">
+              <a:off x="6004670" y="2433097"/>
+              <a:ext cx="935824" cy="934756"/>
+            </a:xfrm>
+            <a:prstGeom prst="arc">
+              <a:avLst>
+                <a:gd name="adj1" fmla="val 16875045"/>
+                <a:gd name="adj2" fmla="val 18365502"/>
+              </a:avLst>
+            </a:prstGeom>
+            <a:noFill/>
+            <a:ln w="38100">
+              <a:solidFill>
+                <a:schemeClr val="tx1"/>
+              </a:solidFill>
+            </a:ln>
+          </p:spPr>
+          <p:style>
+            <a:lnRef idx="1">
+              <a:schemeClr val="accent1"/>
+            </a:lnRef>
+            <a:fillRef idx="0">
+              <a:schemeClr val="accent1"/>
+            </a:fillRef>
+            <a:effectRef idx="0">
+              <a:schemeClr val="accent1"/>
+            </a:effectRef>
+            <a:fontRef idx="minor">
+              <a:schemeClr val="tx1"/>
+            </a:fontRef>
+          </p:style>
+          <p:txBody>
+            <a:bodyPr rtlCol="0" anchor="ctr"/>
+            <a:lstStyle/>
+            <a:p>
+              <a:pPr algn="ctr"/>
+              <a:endParaRPr lang="ko-KR" altLang="en-US"/>
+            </a:p>
+          </p:txBody>
+        </p:sp>
+        <p:sp>
+          <p:nvSpPr>
+            <p:cNvPr id="67" name="원호 66">
+              <a:extLst>
+                <a:ext uri="{FF2B5EF4-FFF2-40B4-BE49-F238E27FC236}">
+                  <a16:creationId xmlns:a16="http://schemas.microsoft.com/office/drawing/2014/main" id="{E46882BE-D854-89A9-507A-3A8773DB28DE}"/>
+                </a:ext>
+              </a:extLst>
+            </p:cNvPr>
+            <p:cNvSpPr/>
+            <p:nvPr/>
+          </p:nvSpPr>
+          <p:spPr>
+            <a:xfrm rot="18109203">
+              <a:off x="4288080" y="1094087"/>
+              <a:ext cx="935824" cy="934756"/>
+            </a:xfrm>
+            <a:prstGeom prst="arc">
+              <a:avLst>
+                <a:gd name="adj1" fmla="val 17130913"/>
+                <a:gd name="adj2" fmla="val 18365502"/>
+              </a:avLst>
+            </a:prstGeom>
+            <a:noFill/>
+            <a:ln w="38100">
+              <a:solidFill>
+                <a:schemeClr val="tx1"/>
+              </a:solidFill>
+            </a:ln>
+          </p:spPr>
+          <p:style>
+            <a:lnRef idx="1">
+              <a:schemeClr val="accent1"/>
+            </a:lnRef>
+            <a:fillRef idx="0">
+              <a:schemeClr val="accent1"/>
+            </a:fillRef>
+            <a:effectRef idx="0">
+              <a:schemeClr val="accent1"/>
+            </a:effectRef>
+            <a:fontRef idx="minor">
+              <a:schemeClr val="tx1"/>
+            </a:fontRef>
+          </p:style>
+          <p:txBody>
+            <a:bodyPr rtlCol="0" anchor="ctr"/>
+            <a:lstStyle/>
+            <a:p>
+              <a:pPr algn="ctr"/>
+              <a:endParaRPr lang="ko-KR" altLang="en-US"/>
+            </a:p>
+          </p:txBody>
+        </p:sp>
+        <p:grpSp>
+          <p:nvGrpSpPr>
+            <p:cNvPr id="69" name="그룹 68">
+              <a:extLst>
+                <a:ext uri="{FF2B5EF4-FFF2-40B4-BE49-F238E27FC236}">
+                  <a16:creationId xmlns:a16="http://schemas.microsoft.com/office/drawing/2014/main" id="{E8F3D9D4-79A0-A326-07A9-FA2BAA016881}"/>
+                </a:ext>
+              </a:extLst>
+            </p:cNvPr>
+            <p:cNvGrpSpPr/>
+            <p:nvPr/>
+          </p:nvGrpSpPr>
+          <p:grpSpPr>
+            <a:xfrm>
+              <a:off x="8250718" y="5156200"/>
+              <a:ext cx="1166562" cy="1376680"/>
+              <a:chOff x="8051800" y="4871720"/>
+              <a:chExt cx="1166562" cy="1376680"/>
+            </a:xfrm>
+          </p:grpSpPr>
+          <p:cxnSp>
+            <p:nvCxnSpPr>
+              <p:cNvPr id="70" name="직선 화살표 연결선 69">
+                <a:extLst>
+                  <a:ext uri="{FF2B5EF4-FFF2-40B4-BE49-F238E27FC236}">
+                    <a16:creationId xmlns:a16="http://schemas.microsoft.com/office/drawing/2014/main" id="{66B4B65A-EFBE-0AE6-1E84-39E372401FD8}"/>
+                  </a:ext>
+                </a:extLst>
+              </p:cNvPr>
+              <p:cNvCxnSpPr>
+                <a:cxnSpLocks/>
+              </p:cNvCxnSpPr>
+              <p:nvPr/>
+            </p:nvCxnSpPr>
+            <p:spPr>
               <a:xfrm>
-                <a:off x="8226223" y="4866640"/>
-                <a:ext cx="1021791" cy="1381760"/>
-                <a:chOff x="7721601" y="4871720"/>
-                <a:chExt cx="1021791" cy="1381760"/>
+                <a:off x="8498205" y="5687060"/>
+                <a:ext cx="720157" cy="139700"/>
               </a:xfrm>
-            </p:grpSpPr>
-            <p:cxnSp>
-              <p:nvCxnSpPr>
-                <p:cNvPr id="74" name="직선 화살표 연결선 73">
-                  <a:extLst>
-                    <a:ext uri="{FF2B5EF4-FFF2-40B4-BE49-F238E27FC236}">
-                      <a16:creationId xmlns:a16="http://schemas.microsoft.com/office/drawing/2014/main" id="{D183D4E7-B871-44CA-4DB2-2D2E77F076C1}"/>
-                    </a:ext>
-                  </a:extLst>
-                </p:cNvPr>
-                <p:cNvCxnSpPr>
-                  <a:cxnSpLocks/>
-                </p:cNvCxnSpPr>
-                <p:nvPr/>
-              </p:nvCxnSpPr>
-              <p:spPr>
-                <a:xfrm>
-                  <a:off x="8498205" y="5687060"/>
-                  <a:ext cx="245187" cy="566420"/>
-                </a:xfrm>
-                <a:prstGeom prst="straightConnector1">
-                  <a:avLst/>
-                </a:prstGeom>
-                <a:ln w="57150">
-                  <a:solidFill>
-                    <a:srgbClr val="FFC000"/>
-                  </a:solidFill>
-                  <a:tailEnd type="triangle"/>
-                </a:ln>
-              </p:spPr>
-              <p:style>
-                <a:lnRef idx="1">
-                  <a:schemeClr val="accent1"/>
-                </a:lnRef>
-                <a:fillRef idx="0">
-                  <a:schemeClr val="accent1"/>
-                </a:fillRef>
-                <a:effectRef idx="0">
-                  <a:schemeClr val="accent1"/>
-                </a:effectRef>
-                <a:fontRef idx="minor">
-                  <a:schemeClr val="tx1"/>
-                </a:fontRef>
-              </p:style>
-            </p:cxnSp>
-            <p:cxnSp>
-              <p:nvCxnSpPr>
-                <p:cNvPr id="75" name="직선 화살표 연결선 74">
-                  <a:extLst>
-                    <a:ext uri="{FF2B5EF4-FFF2-40B4-BE49-F238E27FC236}">
-                      <a16:creationId xmlns:a16="http://schemas.microsoft.com/office/drawing/2014/main" id="{52F8A17F-2D7A-AB7F-1257-A2689D929041}"/>
-                    </a:ext>
-                  </a:extLst>
-                </p:cNvPr>
-                <p:cNvCxnSpPr>
-                  <a:cxnSpLocks/>
-                </p:cNvCxnSpPr>
-                <p:nvPr/>
-              </p:nvCxnSpPr>
-              <p:spPr>
-                <a:xfrm flipH="1">
-                  <a:off x="7721601" y="5694680"/>
-                  <a:ext cx="776604" cy="274320"/>
-                </a:xfrm>
-                <a:prstGeom prst="straightConnector1">
-                  <a:avLst/>
-                </a:prstGeom>
-                <a:ln w="57150">
-                  <a:solidFill>
-                    <a:srgbClr val="C00000"/>
-                  </a:solidFill>
-                  <a:tailEnd type="triangle"/>
-                </a:ln>
-              </p:spPr>
-              <p:style>
-                <a:lnRef idx="1">
-                  <a:schemeClr val="accent1"/>
-                </a:lnRef>
-                <a:fillRef idx="0">
-                  <a:schemeClr val="accent1"/>
-                </a:fillRef>
-                <a:effectRef idx="0">
-                  <a:schemeClr val="accent1"/>
-                </a:effectRef>
-                <a:fontRef idx="minor">
-                  <a:schemeClr val="tx1"/>
-                </a:fontRef>
-              </p:style>
-            </p:cxnSp>
-            <p:cxnSp>
-              <p:nvCxnSpPr>
-                <p:cNvPr id="76" name="직선 화살표 연결선 75">
-                  <a:extLst>
-                    <a:ext uri="{FF2B5EF4-FFF2-40B4-BE49-F238E27FC236}">
-                      <a16:creationId xmlns:a16="http://schemas.microsoft.com/office/drawing/2014/main" id="{6C165119-07C5-2795-323C-10420A677FEA}"/>
-                    </a:ext>
-                  </a:extLst>
-                </p:cNvPr>
-                <p:cNvCxnSpPr>
-                  <a:cxnSpLocks/>
-                </p:cNvCxnSpPr>
-                <p:nvPr/>
-              </p:nvCxnSpPr>
-              <p:spPr>
-                <a:xfrm flipV="1">
-                  <a:off x="8488680" y="4871720"/>
-                  <a:ext cx="0" cy="838200"/>
-                </a:xfrm>
-                <a:prstGeom prst="straightConnector1">
-                  <a:avLst/>
-                </a:prstGeom>
-                <a:ln w="57150">
-                  <a:solidFill>
-                    <a:srgbClr val="00B0F0"/>
-                  </a:solidFill>
-                  <a:tailEnd type="triangle"/>
-                </a:ln>
-              </p:spPr>
-              <p:style>
-                <a:lnRef idx="1">
-                  <a:schemeClr val="accent1"/>
-                </a:lnRef>
-                <a:fillRef idx="0">
-                  <a:schemeClr val="accent1"/>
-                </a:fillRef>
-                <a:effectRef idx="0">
-                  <a:schemeClr val="accent1"/>
-                </a:effectRef>
-                <a:fontRef idx="minor">
-                  <a:schemeClr val="tx1"/>
-                </a:fontRef>
-              </p:style>
-            </p:cxnSp>
-          </p:grpSp>
+              <a:prstGeom prst="straightConnector1">
+                <a:avLst/>
+              </a:prstGeom>
+              <a:ln w="57150">
+                <a:solidFill>
+                  <a:srgbClr val="FFC000"/>
+                </a:solidFill>
+                <a:tailEnd type="triangle"/>
+              </a:ln>
+            </p:spPr>
+            <p:style>
+              <a:lnRef idx="1">
+                <a:schemeClr val="accent1"/>
+              </a:lnRef>
+              <a:fillRef idx="0">
+                <a:schemeClr val="accent1"/>
+              </a:fillRef>
+              <a:effectRef idx="0">
+                <a:schemeClr val="accent1"/>
+              </a:effectRef>
+              <a:fontRef idx="minor">
+                <a:schemeClr val="tx1"/>
+              </a:fontRef>
+            </p:style>
+          </p:cxnSp>
+          <p:cxnSp>
+            <p:nvCxnSpPr>
+              <p:cNvPr id="71" name="직선 화살표 연결선 70">
+                <a:extLst>
+                  <a:ext uri="{FF2B5EF4-FFF2-40B4-BE49-F238E27FC236}">
+                    <a16:creationId xmlns:a16="http://schemas.microsoft.com/office/drawing/2014/main" id="{5CD7D71D-E596-4C9A-2C55-B13B44EED5D2}"/>
+                  </a:ext>
+                </a:extLst>
+              </p:cNvPr>
+              <p:cNvCxnSpPr>
+                <a:cxnSpLocks/>
+              </p:cNvCxnSpPr>
+              <p:nvPr/>
+            </p:nvCxnSpPr>
+            <p:spPr>
+              <a:xfrm flipH="1">
+                <a:off x="8051800" y="5694680"/>
+                <a:ext cx="446405" cy="553720"/>
+              </a:xfrm>
+              <a:prstGeom prst="straightConnector1">
+                <a:avLst/>
+              </a:prstGeom>
+              <a:ln w="57150">
+                <a:solidFill>
+                  <a:srgbClr val="C00000"/>
+                </a:solidFill>
+                <a:tailEnd type="triangle"/>
+              </a:ln>
+            </p:spPr>
+            <p:style>
+              <a:lnRef idx="1">
+                <a:schemeClr val="accent1"/>
+              </a:lnRef>
+              <a:fillRef idx="0">
+                <a:schemeClr val="accent1"/>
+              </a:fillRef>
+              <a:effectRef idx="0">
+                <a:schemeClr val="accent1"/>
+              </a:effectRef>
+              <a:fontRef idx="minor">
+                <a:schemeClr val="tx1"/>
+              </a:fontRef>
+            </p:style>
+          </p:cxnSp>
+          <p:cxnSp>
+            <p:nvCxnSpPr>
+              <p:cNvPr id="72" name="직선 화살표 연결선 71">
+                <a:extLst>
+                  <a:ext uri="{FF2B5EF4-FFF2-40B4-BE49-F238E27FC236}">
+                    <a16:creationId xmlns:a16="http://schemas.microsoft.com/office/drawing/2014/main" id="{78096633-E21C-4346-DA4D-1DB98BEEC967}"/>
+                  </a:ext>
+                </a:extLst>
+              </p:cNvPr>
+              <p:cNvCxnSpPr>
+                <a:cxnSpLocks/>
+              </p:cNvCxnSpPr>
+              <p:nvPr/>
+            </p:nvCxnSpPr>
+            <p:spPr>
+              <a:xfrm flipV="1">
+                <a:off x="8488680" y="4871720"/>
+                <a:ext cx="0" cy="838200"/>
+              </a:xfrm>
+              <a:prstGeom prst="straightConnector1">
+                <a:avLst/>
+              </a:prstGeom>
+              <a:ln w="57150">
+                <a:solidFill>
+                  <a:srgbClr val="00B0F0"/>
+                </a:solidFill>
+                <a:tailEnd type="triangle"/>
+              </a:ln>
+            </p:spPr>
+            <p:style>
+              <a:lnRef idx="1">
+                <a:schemeClr val="accent1"/>
+              </a:lnRef>
+              <a:fillRef idx="0">
+                <a:schemeClr val="accent1"/>
+              </a:fillRef>
+              <a:effectRef idx="0">
+                <a:schemeClr val="accent1"/>
+              </a:effectRef>
+              <a:fontRef idx="minor">
+                <a:schemeClr val="tx1"/>
+              </a:fontRef>
+            </p:style>
+          </p:cxnSp>
+        </p:grpSp>
+        <p:grpSp>
+          <p:nvGrpSpPr>
+            <p:cNvPr id="73" name="그룹 72">
+              <a:extLst>
+                <a:ext uri="{FF2B5EF4-FFF2-40B4-BE49-F238E27FC236}">
+                  <a16:creationId xmlns:a16="http://schemas.microsoft.com/office/drawing/2014/main" id="{BD44EF01-6C16-077F-A7CB-08B6FA6C4293}"/>
+                </a:ext>
+              </a:extLst>
+            </p:cNvPr>
+            <p:cNvGrpSpPr/>
+            <p:nvPr/>
+          </p:nvGrpSpPr>
+          <p:grpSpPr>
+            <a:xfrm>
+              <a:off x="7831972" y="3107722"/>
+              <a:ext cx="1021791" cy="1381760"/>
+              <a:chOff x="7721601" y="4871720"/>
+              <a:chExt cx="1021791" cy="1381760"/>
+            </a:xfrm>
+          </p:grpSpPr>
+          <p:cxnSp>
+            <p:nvCxnSpPr>
+              <p:cNvPr id="74" name="직선 화살표 연결선 73">
+                <a:extLst>
+                  <a:ext uri="{FF2B5EF4-FFF2-40B4-BE49-F238E27FC236}">
+                    <a16:creationId xmlns:a16="http://schemas.microsoft.com/office/drawing/2014/main" id="{D183D4E7-B871-44CA-4DB2-2D2E77F076C1}"/>
+                  </a:ext>
+                </a:extLst>
+              </p:cNvPr>
+              <p:cNvCxnSpPr>
+                <a:cxnSpLocks/>
+              </p:cNvCxnSpPr>
+              <p:nvPr/>
+            </p:nvCxnSpPr>
+            <p:spPr>
+              <a:xfrm>
+                <a:off x="8498205" y="5687060"/>
+                <a:ext cx="245187" cy="566420"/>
+              </a:xfrm>
+              <a:prstGeom prst="straightConnector1">
+                <a:avLst/>
+              </a:prstGeom>
+              <a:ln w="57150">
+                <a:solidFill>
+                  <a:srgbClr val="FFC000"/>
+                </a:solidFill>
+                <a:tailEnd type="triangle"/>
+              </a:ln>
+            </p:spPr>
+            <p:style>
+              <a:lnRef idx="1">
+                <a:schemeClr val="accent1"/>
+              </a:lnRef>
+              <a:fillRef idx="0">
+                <a:schemeClr val="accent1"/>
+              </a:fillRef>
+              <a:effectRef idx="0">
+                <a:schemeClr val="accent1"/>
+              </a:effectRef>
+              <a:fontRef idx="minor">
+                <a:schemeClr val="tx1"/>
+              </a:fontRef>
+            </p:style>
+          </p:cxnSp>
+          <p:cxnSp>
+            <p:nvCxnSpPr>
+              <p:cNvPr id="75" name="직선 화살표 연결선 74">
+                <a:extLst>
+                  <a:ext uri="{FF2B5EF4-FFF2-40B4-BE49-F238E27FC236}">
+                    <a16:creationId xmlns:a16="http://schemas.microsoft.com/office/drawing/2014/main" id="{52F8A17F-2D7A-AB7F-1257-A2689D929041}"/>
+                  </a:ext>
+                </a:extLst>
+              </p:cNvPr>
+              <p:cNvCxnSpPr>
+                <a:cxnSpLocks/>
+              </p:cNvCxnSpPr>
+              <p:nvPr/>
+            </p:nvCxnSpPr>
+            <p:spPr>
+              <a:xfrm flipH="1">
+                <a:off x="7721601" y="5694680"/>
+                <a:ext cx="776604" cy="274320"/>
+              </a:xfrm>
+              <a:prstGeom prst="straightConnector1">
+                <a:avLst/>
+              </a:prstGeom>
+              <a:ln w="57150">
+                <a:solidFill>
+                  <a:srgbClr val="C00000"/>
+                </a:solidFill>
+                <a:tailEnd type="triangle"/>
+              </a:ln>
+            </p:spPr>
+            <p:style>
+              <a:lnRef idx="1">
+                <a:schemeClr val="accent1"/>
+              </a:lnRef>
+              <a:fillRef idx="0">
+                <a:schemeClr val="accent1"/>
+              </a:fillRef>
+              <a:effectRef idx="0">
+                <a:schemeClr val="accent1"/>
+              </a:effectRef>
+              <a:fontRef idx="minor">
+                <a:schemeClr val="tx1"/>
+              </a:fontRef>
+            </p:style>
+          </p:cxnSp>
+          <p:cxnSp>
+            <p:nvCxnSpPr>
+              <p:cNvPr id="76" name="직선 화살표 연결선 75">
+                <a:extLst>
+                  <a:ext uri="{FF2B5EF4-FFF2-40B4-BE49-F238E27FC236}">
+                    <a16:creationId xmlns:a16="http://schemas.microsoft.com/office/drawing/2014/main" id="{6C165119-07C5-2795-323C-10420A677FEA}"/>
+                  </a:ext>
+                </a:extLst>
+              </p:cNvPr>
+              <p:cNvCxnSpPr>
+                <a:cxnSpLocks/>
+              </p:cNvCxnSpPr>
+              <p:nvPr/>
+            </p:nvCxnSpPr>
+            <p:spPr>
+              <a:xfrm flipV="1">
+                <a:off x="8488680" y="4871720"/>
+                <a:ext cx="0" cy="838200"/>
+              </a:xfrm>
+              <a:prstGeom prst="straightConnector1">
+                <a:avLst/>
+              </a:prstGeom>
+              <a:ln w="57150">
+                <a:solidFill>
+                  <a:srgbClr val="00B0F0"/>
+                </a:solidFill>
+                <a:tailEnd type="triangle"/>
+              </a:ln>
+            </p:spPr>
+            <p:style>
+              <a:lnRef idx="1">
+                <a:schemeClr val="accent1"/>
+              </a:lnRef>
+              <a:fillRef idx="0">
+                <a:schemeClr val="accent1"/>
+              </a:fillRef>
+              <a:effectRef idx="0">
+                <a:schemeClr val="accent1"/>
+              </a:effectRef>
+              <a:fontRef idx="minor">
+                <a:schemeClr val="tx1"/>
+              </a:fontRef>
+            </p:style>
+          </p:cxnSp>
         </p:grpSp>
         <mc:AlternateContent xmlns:mc="http://schemas.openxmlformats.org/markup-compatibility/2006">
           <mc:Choice xmlns:a14="http://schemas.microsoft.com/office/drawing/2010/main" Requires="a14">
@@ -5769,7 +5753,7 @@
               </p:nvSpPr>
               <p:spPr>
                 <a:xfrm>
-                  <a:off x="9328383" y="5425863"/>
+                  <a:off x="9027442" y="5710343"/>
                   <a:ext cx="662474" cy="369332"/>
                 </a:xfrm>
                 <a:prstGeom prst="rect">
@@ -5783,6 +5767,7 @@
                 </a:bodyPr>
                 <a:lstStyle/>
                 <a:p>
+                  <a:pPr/>
                   <a14:m>
                     <m:oMathPara xmlns:m="http://schemas.openxmlformats.org/officeDocument/2006/math">
                       <m:oMathParaPr>
@@ -5833,7 +5818,7 @@
               </p:nvSpPr>
               <p:spPr>
                 <a:xfrm>
-                  <a:off x="9328383" y="5425863"/>
+                  <a:off x="9027442" y="5710343"/>
                   <a:ext cx="662474" cy="369332"/>
                 </a:xfrm>
                 <a:prstGeom prst="rect">
@@ -5877,7 +5862,7 @@
               </p:nvSpPr>
               <p:spPr>
                 <a:xfrm>
-                  <a:off x="8971696" y="5756910"/>
+                  <a:off x="7805127" y="4118922"/>
                   <a:ext cx="662474" cy="369332"/>
                 </a:xfrm>
                 <a:prstGeom prst="rect">
@@ -5891,6 +5876,7 @@
                 </a:bodyPr>
                 <a:lstStyle/>
                 <a:p>
+                  <a:pPr/>
                   <a14:m>
                     <m:oMathPara xmlns:m="http://schemas.openxmlformats.org/officeDocument/2006/math">
                       <m:oMathParaPr>
@@ -5941,7 +5927,7 @@
               </p:nvSpPr>
               <p:spPr>
                 <a:xfrm>
-                  <a:off x="8971696" y="5756910"/>
+                  <a:off x="7805127" y="4118922"/>
                   <a:ext cx="662474" cy="369332"/>
                 </a:xfrm>
                 <a:prstGeom prst="rect">
@@ -5985,7 +5971,7 @@
               </p:nvSpPr>
               <p:spPr>
                 <a:xfrm>
-                  <a:off x="8731891" y="3241040"/>
+                  <a:off x="7802677" y="3292273"/>
                   <a:ext cx="662474" cy="369332"/>
                 </a:xfrm>
                 <a:prstGeom prst="rect">
@@ -5999,6 +5985,7 @@
                 </a:bodyPr>
                 <a:lstStyle/>
                 <a:p>
+                  <a:pPr/>
                   <a14:m>
                     <m:oMathPara xmlns:m="http://schemas.openxmlformats.org/officeDocument/2006/math">
                       <m:oMathParaPr>
@@ -6049,7 +6036,7 @@
               </p:nvSpPr>
               <p:spPr>
                 <a:xfrm>
-                  <a:off x="8731891" y="3241040"/>
+                  <a:off x="7802677" y="3292273"/>
                   <a:ext cx="662474" cy="369332"/>
                 </a:xfrm>
                 <a:prstGeom prst="rect">
@@ -6093,7 +6080,7 @@
               </p:nvSpPr>
               <p:spPr>
                 <a:xfrm>
-                  <a:off x="6711954" y="2396600"/>
+                  <a:off x="6411013" y="2681080"/>
                   <a:ext cx="662474" cy="369332"/>
                 </a:xfrm>
                 <a:prstGeom prst="rect">
@@ -6107,6 +6094,7 @@
                 </a:bodyPr>
                 <a:lstStyle/>
                 <a:p>
+                  <a:pPr/>
                   <a14:m>
                     <m:oMathPara xmlns:m="http://schemas.openxmlformats.org/officeDocument/2006/math">
                       <m:oMathParaPr>
@@ -6157,7 +6145,7 @@
               </p:nvSpPr>
               <p:spPr>
                 <a:xfrm>
-                  <a:off x="6711954" y="2396600"/>
+                  <a:off x="6411013" y="2681080"/>
                   <a:ext cx="662474" cy="369332"/>
                 </a:xfrm>
                 <a:prstGeom prst="rect">
@@ -6201,7 +6189,7 @@
               </p:nvSpPr>
               <p:spPr>
                 <a:xfrm>
-                  <a:off x="5107332" y="1019054"/>
+                  <a:off x="4806391" y="1303534"/>
                   <a:ext cx="662474" cy="369332"/>
                 </a:xfrm>
                 <a:prstGeom prst="rect">
@@ -6215,6 +6203,7 @@
                 </a:bodyPr>
                 <a:lstStyle/>
                 <a:p>
+                  <a:pPr/>
                   <a14:m>
                     <m:oMathPara xmlns:m="http://schemas.openxmlformats.org/officeDocument/2006/math">
                       <m:oMathParaPr>
@@ -6265,7 +6254,7 @@
               </p:nvSpPr>
               <p:spPr>
                 <a:xfrm>
-                  <a:off x="5107332" y="1019054"/>
+                  <a:off x="4806391" y="1303534"/>
                   <a:ext cx="662474" cy="369332"/>
                 </a:xfrm>
                 <a:prstGeom prst="rect">
@@ -6309,7 +6298,7 @@
               </p:nvSpPr>
               <p:spPr>
                 <a:xfrm>
-                  <a:off x="4072329" y="-713065"/>
+                  <a:off x="3771388" y="-428585"/>
                   <a:ext cx="662474" cy="369332"/>
                 </a:xfrm>
                 <a:prstGeom prst="rect">
@@ -6323,6 +6312,7 @@
                 </a:bodyPr>
                 <a:lstStyle/>
                 <a:p>
+                  <a:pPr/>
                   <a14:m>
                     <m:oMathPara xmlns:m="http://schemas.openxmlformats.org/officeDocument/2006/math">
                       <m:oMathParaPr>
@@ -6373,7 +6363,7 @@
               </p:nvSpPr>
               <p:spPr>
                 <a:xfrm>
-                  <a:off x="4072329" y="-713065"/>
+                  <a:off x="3771388" y="-428585"/>
                   <a:ext cx="662474" cy="369332"/>
                 </a:xfrm>
                 <a:prstGeom prst="rect">
@@ -6417,7 +6407,7 @@
               </p:nvSpPr>
               <p:spPr>
                 <a:xfrm>
-                  <a:off x="8326927" y="5896668"/>
+                  <a:off x="8025986" y="6181148"/>
                   <a:ext cx="305468" cy="276999"/>
                 </a:xfrm>
                 <a:prstGeom prst="rect">
@@ -6431,6 +6421,7 @@
                 </a:bodyPr>
                 <a:lstStyle/>
                 <a:p>
+                  <a:pPr/>
                   <a14:m>
                     <m:oMathPara xmlns:m="http://schemas.openxmlformats.org/officeDocument/2006/math">
                       <m:oMathParaPr>
@@ -6487,7 +6478,7 @@
               </p:nvSpPr>
               <p:spPr>
                 <a:xfrm>
-                  <a:off x="8326927" y="5896668"/>
+                  <a:off x="8025986" y="6181148"/>
                   <a:ext cx="305468" cy="276999"/>
                 </a:xfrm>
                 <a:prstGeom prst="rect">
@@ -6531,7 +6522,7 @@
               </p:nvSpPr>
               <p:spPr>
                 <a:xfrm>
-                  <a:off x="8138160" y="3392100"/>
+                  <a:off x="7837219" y="3676580"/>
                   <a:ext cx="310791" cy="276999"/>
                 </a:xfrm>
                 <a:prstGeom prst="rect">
@@ -6545,6 +6536,7 @@
                 </a:bodyPr>
                 <a:lstStyle/>
                 <a:p>
+                  <a:pPr/>
                   <a14:m>
                     <m:oMathPara xmlns:m="http://schemas.openxmlformats.org/officeDocument/2006/math">
                       <m:oMathParaPr>
@@ -6601,7 +6593,7 @@
               </p:nvSpPr>
               <p:spPr>
                 <a:xfrm>
-                  <a:off x="8138160" y="3392100"/>
+                  <a:off x="7837219" y="3676580"/>
                   <a:ext cx="310791" cy="276999"/>
                 </a:xfrm>
                 <a:prstGeom prst="rect">
@@ -6645,7 +6637,7 @@
               </p:nvSpPr>
               <p:spPr>
                 <a:xfrm>
-                  <a:off x="6029610" y="2466836"/>
+                  <a:off x="5728669" y="2751316"/>
                   <a:ext cx="310791" cy="276999"/>
                 </a:xfrm>
                 <a:prstGeom prst="rect">
@@ -6659,6 +6651,7 @@
                 </a:bodyPr>
                 <a:lstStyle/>
                 <a:p>
+                  <a:pPr/>
                   <a14:m>
                     <m:oMathPara xmlns:m="http://schemas.openxmlformats.org/officeDocument/2006/math">
                       <m:oMathParaPr>
@@ -6715,7 +6708,7 @@
               </p:nvSpPr>
               <p:spPr>
                 <a:xfrm>
-                  <a:off x="6029610" y="2466836"/>
+                  <a:off x="5728669" y="2751316"/>
                   <a:ext cx="310791" cy="276999"/>
                 </a:xfrm>
                 <a:prstGeom prst="rect">
@@ -6759,7 +6752,7 @@
               </p:nvSpPr>
               <p:spPr>
                 <a:xfrm>
-                  <a:off x="4470154" y="871773"/>
+                  <a:off x="4169213" y="1156253"/>
                   <a:ext cx="305405" cy="276999"/>
                 </a:xfrm>
                 <a:prstGeom prst="rect">
@@ -6773,6 +6766,7 @@
                 </a:bodyPr>
                 <a:lstStyle/>
                 <a:p>
+                  <a:pPr/>
                   <a14:m>
                     <m:oMathPara xmlns:m="http://schemas.openxmlformats.org/officeDocument/2006/math">
                       <m:oMathParaPr>
@@ -6829,7 +6823,7 @@
               </p:nvSpPr>
               <p:spPr>
                 <a:xfrm>
-                  <a:off x="4470154" y="871773"/>
+                  <a:off x="4169213" y="1156253"/>
                   <a:ext cx="305405" cy="276999"/>
                 </a:xfrm>
                 <a:prstGeom prst="rect">
@@ -7840,8 +7834,8 @@
             </a:p>
           </p:txBody>
         </p:sp>
-        <mc:AlternateContent xmlns:mc="http://schemas.openxmlformats.org/markup-compatibility/2006">
-          <mc:Choice xmlns:a14="http://schemas.microsoft.com/office/drawing/2010/main" Requires="a14">
+        <mc:AlternateContent xmlns:mc="http://schemas.openxmlformats.org/markup-compatibility/2006" xmlns:a14="http://schemas.microsoft.com/office/drawing/2010/main">
+          <mc:Choice Requires="a14">
             <p:sp>
               <p:nvSpPr>
                 <p:cNvPr id="36" name="TextBox 35">
@@ -7870,6 +7864,7 @@
                 </a:bodyPr>
                 <a:lstStyle/>
                 <a:p>
+                  <a:pPr/>
                   <a14:m>
                     <m:oMathPara xmlns:m="http://schemas.openxmlformats.org/officeDocument/2006/math">
                       <m:oMathParaPr>
@@ -7903,7 +7898,7 @@
               </p:txBody>
             </p:sp>
           </mc:Choice>
-          <mc:Fallback>
+          <mc:Fallback xmlns="">
             <p:sp>
               <p:nvSpPr>
                 <p:cNvPr id="36" name="TextBox 35">
@@ -7948,8 +7943,8 @@
             </p:sp>
           </mc:Fallback>
         </mc:AlternateContent>
-        <mc:AlternateContent xmlns:mc="http://schemas.openxmlformats.org/markup-compatibility/2006">
-          <mc:Choice xmlns:a14="http://schemas.microsoft.com/office/drawing/2010/main" Requires="a14">
+        <mc:AlternateContent xmlns:mc="http://schemas.openxmlformats.org/markup-compatibility/2006" xmlns:a14="http://schemas.microsoft.com/office/drawing/2010/main">
+          <mc:Choice Requires="a14">
             <p:sp>
               <p:nvSpPr>
                 <p:cNvPr id="37" name="TextBox 36">
@@ -7978,6 +7973,7 @@
                 </a:bodyPr>
                 <a:lstStyle/>
                 <a:p>
+                  <a:pPr/>
                   <a14:m>
                     <m:oMathPara xmlns:m="http://schemas.openxmlformats.org/officeDocument/2006/math">
                       <m:oMathParaPr>
@@ -8011,7 +8007,7 @@
               </p:txBody>
             </p:sp>
           </mc:Choice>
-          <mc:Fallback>
+          <mc:Fallback xmlns="">
             <p:sp>
               <p:nvSpPr>
                 <p:cNvPr id="37" name="TextBox 36">
@@ -8056,8 +8052,8 @@
             </p:sp>
           </mc:Fallback>
         </mc:AlternateContent>
-        <mc:AlternateContent xmlns:mc="http://schemas.openxmlformats.org/markup-compatibility/2006">
-          <mc:Choice xmlns:a14="http://schemas.microsoft.com/office/drawing/2010/main" Requires="a14">
+        <mc:AlternateContent xmlns:mc="http://schemas.openxmlformats.org/markup-compatibility/2006" xmlns:a14="http://schemas.microsoft.com/office/drawing/2010/main">
+          <mc:Choice Requires="a14">
             <p:sp>
               <p:nvSpPr>
                 <p:cNvPr id="38" name="TextBox 37">
@@ -8086,6 +8082,7 @@
                 </a:bodyPr>
                 <a:lstStyle/>
                 <a:p>
+                  <a:pPr/>
                   <a14:m>
                     <m:oMathPara xmlns:m="http://schemas.openxmlformats.org/officeDocument/2006/math">
                       <m:oMathParaPr>
@@ -8119,7 +8116,7 @@
               </p:txBody>
             </p:sp>
           </mc:Choice>
-          <mc:Fallback>
+          <mc:Fallback xmlns="">
             <p:sp>
               <p:nvSpPr>
                 <p:cNvPr id="38" name="TextBox 37">
@@ -8208,8 +8205,8 @@
             </a:fontRef>
           </p:style>
         </p:cxnSp>
-        <mc:AlternateContent xmlns:mc="http://schemas.openxmlformats.org/markup-compatibility/2006">
-          <mc:Choice xmlns:a14="http://schemas.microsoft.com/office/drawing/2010/main" Requires="a14">
+        <mc:AlternateContent xmlns:mc="http://schemas.openxmlformats.org/markup-compatibility/2006" xmlns:a14="http://schemas.microsoft.com/office/drawing/2010/main">
+          <mc:Choice Requires="a14">
             <p:sp>
               <p:nvSpPr>
                 <p:cNvPr id="39" name="TextBox 38">
@@ -8238,6 +8235,7 @@
                 </a:bodyPr>
                 <a:lstStyle/>
                 <a:p>
+                  <a:pPr/>
                   <a14:m>
                     <m:oMathPara xmlns:m="http://schemas.openxmlformats.org/officeDocument/2006/math">
                       <m:oMathParaPr>
@@ -8271,7 +8269,7 @@
               </p:txBody>
             </p:sp>
           </mc:Choice>
-          <mc:Fallback>
+          <mc:Fallback xmlns="">
             <p:sp>
               <p:nvSpPr>
                 <p:cNvPr id="39" name="TextBox 38">
@@ -8573,8 +8571,8 @@
             </a:p>
           </p:txBody>
         </p:sp>
-        <mc:AlternateContent xmlns:mc="http://schemas.openxmlformats.org/markup-compatibility/2006">
-          <mc:Choice xmlns:a14="http://schemas.microsoft.com/office/drawing/2010/main" Requires="a14">
+        <mc:AlternateContent xmlns:mc="http://schemas.openxmlformats.org/markup-compatibility/2006" xmlns:a14="http://schemas.microsoft.com/office/drawing/2010/main">
+          <mc:Choice Requires="a14">
             <p:sp>
               <p:nvSpPr>
                 <p:cNvPr id="53" name="TextBox 52">
@@ -8603,6 +8601,7 @@
                 </a:bodyPr>
                 <a:lstStyle/>
                 <a:p>
+                  <a:pPr/>
                   <a14:m>
                     <m:oMathPara xmlns:m="http://schemas.openxmlformats.org/officeDocument/2006/math">
                       <m:oMathParaPr>
@@ -8642,7 +8641,7 @@
               </p:txBody>
             </p:sp>
           </mc:Choice>
-          <mc:Fallback>
+          <mc:Fallback xmlns="">
             <p:sp>
               <p:nvSpPr>
                 <p:cNvPr id="53" name="TextBox 52">
@@ -8687,8 +8686,8 @@
             </p:sp>
           </mc:Fallback>
         </mc:AlternateContent>
-        <mc:AlternateContent xmlns:mc="http://schemas.openxmlformats.org/markup-compatibility/2006">
-          <mc:Choice xmlns:a14="http://schemas.microsoft.com/office/drawing/2010/main" Requires="a14">
+        <mc:AlternateContent xmlns:mc="http://schemas.openxmlformats.org/markup-compatibility/2006" xmlns:a14="http://schemas.microsoft.com/office/drawing/2010/main">
+          <mc:Choice Requires="a14">
             <p:sp>
               <p:nvSpPr>
                 <p:cNvPr id="54" name="TextBox 53">
@@ -8717,6 +8716,7 @@
                 </a:bodyPr>
                 <a:lstStyle/>
                 <a:p>
+                  <a:pPr/>
                   <a14:m>
                     <m:oMathPara xmlns:m="http://schemas.openxmlformats.org/officeDocument/2006/math">
                       <m:oMathParaPr>
@@ -8756,7 +8756,7 @@
               </p:txBody>
             </p:sp>
           </mc:Choice>
-          <mc:Fallback>
+          <mc:Fallback xmlns="">
             <p:sp>
               <p:nvSpPr>
                 <p:cNvPr id="54" name="TextBox 53">
@@ -10267,8 +10267,8 @@
             </p:style>
           </p:cxnSp>
         </p:grpSp>
-        <mc:AlternateContent xmlns:mc="http://schemas.openxmlformats.org/markup-compatibility/2006">
-          <mc:Choice xmlns:a14="http://schemas.microsoft.com/office/drawing/2010/main" Requires="a14">
+        <mc:AlternateContent xmlns:mc="http://schemas.openxmlformats.org/markup-compatibility/2006" xmlns:a14="http://schemas.microsoft.com/office/drawing/2010/main">
+          <mc:Choice Requires="a14">
             <p:sp>
               <p:nvSpPr>
                 <p:cNvPr id="31" name="TextBox 30">
@@ -10297,6 +10297,7 @@
                 </a:bodyPr>
                 <a:lstStyle/>
                 <a:p>
+                  <a:pPr/>
                   <a14:m>
                     <m:oMathPara xmlns:m="http://schemas.openxmlformats.org/officeDocument/2006/math">
                       <m:oMathParaPr>
@@ -10330,7 +10331,7 @@
               </p:txBody>
             </p:sp>
           </mc:Choice>
-          <mc:Fallback>
+          <mc:Fallback xmlns="">
             <p:sp>
               <p:nvSpPr>
                 <p:cNvPr id="31" name="TextBox 30">
@@ -10375,8 +10376,8 @@
             </p:sp>
           </mc:Fallback>
         </mc:AlternateContent>
-        <mc:AlternateContent xmlns:mc="http://schemas.openxmlformats.org/markup-compatibility/2006">
-          <mc:Choice xmlns:a14="http://schemas.microsoft.com/office/drawing/2010/main" Requires="a14">
+        <mc:AlternateContent xmlns:mc="http://schemas.openxmlformats.org/markup-compatibility/2006" xmlns:a14="http://schemas.microsoft.com/office/drawing/2010/main">
+          <mc:Choice Requires="a14">
             <p:sp>
               <p:nvSpPr>
                 <p:cNvPr id="32" name="TextBox 31">
@@ -10405,6 +10406,7 @@
                 </a:bodyPr>
                 <a:lstStyle/>
                 <a:p>
+                  <a:pPr/>
                   <a14:m>
                     <m:oMathPara xmlns:m="http://schemas.openxmlformats.org/officeDocument/2006/math">
                       <m:oMathParaPr>
@@ -10438,7 +10440,7 @@
               </p:txBody>
             </p:sp>
           </mc:Choice>
-          <mc:Fallback>
+          <mc:Fallback xmlns="">
             <p:sp>
               <p:nvSpPr>
                 <p:cNvPr id="32" name="TextBox 31">
@@ -10483,8 +10485,8 @@
             </p:sp>
           </mc:Fallback>
         </mc:AlternateContent>
-        <mc:AlternateContent xmlns:mc="http://schemas.openxmlformats.org/markup-compatibility/2006">
-          <mc:Choice xmlns:a14="http://schemas.microsoft.com/office/drawing/2010/main" Requires="a14">
+        <mc:AlternateContent xmlns:mc="http://schemas.openxmlformats.org/markup-compatibility/2006" xmlns:a14="http://schemas.microsoft.com/office/drawing/2010/main">
+          <mc:Choice Requires="a14">
             <p:sp>
               <p:nvSpPr>
                 <p:cNvPr id="33" name="TextBox 32">
@@ -10513,6 +10515,7 @@
                 </a:bodyPr>
                 <a:lstStyle/>
                 <a:p>
+                  <a:pPr/>
                   <a14:m>
                     <m:oMathPara xmlns:m="http://schemas.openxmlformats.org/officeDocument/2006/math">
                       <m:oMathParaPr>
@@ -10546,7 +10549,7 @@
               </p:txBody>
             </p:sp>
           </mc:Choice>
-          <mc:Fallback>
+          <mc:Fallback xmlns="">
             <p:sp>
               <p:nvSpPr>
                 <p:cNvPr id="33" name="TextBox 32">
@@ -10591,8 +10594,8 @@
             </p:sp>
           </mc:Fallback>
         </mc:AlternateContent>
-        <mc:AlternateContent xmlns:mc="http://schemas.openxmlformats.org/markup-compatibility/2006">
-          <mc:Choice xmlns:a14="http://schemas.microsoft.com/office/drawing/2010/main" Requires="a14">
+        <mc:AlternateContent xmlns:mc="http://schemas.openxmlformats.org/markup-compatibility/2006" xmlns:a14="http://schemas.microsoft.com/office/drawing/2010/main">
+          <mc:Choice Requires="a14">
             <p:sp>
               <p:nvSpPr>
                 <p:cNvPr id="34" name="TextBox 33">
@@ -10621,6 +10624,7 @@
                 </a:bodyPr>
                 <a:lstStyle/>
                 <a:p>
+                  <a:pPr/>
                   <a14:m>
                     <m:oMathPara xmlns:m="http://schemas.openxmlformats.org/officeDocument/2006/math">
                       <m:oMathParaPr>
@@ -10654,7 +10658,7 @@
               </p:txBody>
             </p:sp>
           </mc:Choice>
-          <mc:Fallback>
+          <mc:Fallback xmlns="">
             <p:sp>
               <p:nvSpPr>
                 <p:cNvPr id="34" name="TextBox 33">
@@ -10699,8 +10703,8 @@
             </p:sp>
           </mc:Fallback>
         </mc:AlternateContent>
-        <mc:AlternateContent xmlns:mc="http://schemas.openxmlformats.org/markup-compatibility/2006">
-          <mc:Choice xmlns:a14="http://schemas.microsoft.com/office/drawing/2010/main" Requires="a14">
+        <mc:AlternateContent xmlns:mc="http://schemas.openxmlformats.org/markup-compatibility/2006" xmlns:a14="http://schemas.microsoft.com/office/drawing/2010/main">
+          <mc:Choice Requires="a14">
             <p:sp>
               <p:nvSpPr>
                 <p:cNvPr id="35" name="TextBox 34">
@@ -10729,6 +10733,7 @@
                 </a:bodyPr>
                 <a:lstStyle/>
                 <a:p>
+                  <a:pPr/>
                   <a14:m>
                     <m:oMathPara xmlns:m="http://schemas.openxmlformats.org/officeDocument/2006/math">
                       <m:oMathParaPr>
@@ -10762,7 +10767,7 @@
               </p:txBody>
             </p:sp>
           </mc:Choice>
-          <mc:Fallback>
+          <mc:Fallback xmlns="">
             <p:sp>
               <p:nvSpPr>
                 <p:cNvPr id="35" name="TextBox 34">
@@ -11205,8 +11210,8 @@
             </a:p>
           </p:txBody>
         </p:sp>
-        <mc:AlternateContent xmlns:mc="http://schemas.openxmlformats.org/markup-compatibility/2006">
-          <mc:Choice xmlns:a14="http://schemas.microsoft.com/office/drawing/2010/main" Requires="a14">
+        <mc:AlternateContent xmlns:mc="http://schemas.openxmlformats.org/markup-compatibility/2006" xmlns:a14="http://schemas.microsoft.com/office/drawing/2010/main">
+          <mc:Choice Requires="a14">
             <p:sp>
               <p:nvSpPr>
                 <p:cNvPr id="49" name="TextBox 48">
@@ -11235,6 +11240,7 @@
                 </a:bodyPr>
                 <a:lstStyle/>
                 <a:p>
+                  <a:pPr/>
                   <a14:m>
                     <m:oMathPara xmlns:m="http://schemas.openxmlformats.org/officeDocument/2006/math">
                       <m:oMathParaPr>
@@ -11274,7 +11280,7 @@
               </p:txBody>
             </p:sp>
           </mc:Choice>
-          <mc:Fallback>
+          <mc:Fallback xmlns="">
             <p:sp>
               <p:nvSpPr>
                 <p:cNvPr id="49" name="TextBox 48">
@@ -11319,8 +11325,8 @@
             </p:sp>
           </mc:Fallback>
         </mc:AlternateContent>
-        <mc:AlternateContent xmlns:mc="http://schemas.openxmlformats.org/markup-compatibility/2006">
-          <mc:Choice xmlns:a14="http://schemas.microsoft.com/office/drawing/2010/main" Requires="a14">
+        <mc:AlternateContent xmlns:mc="http://schemas.openxmlformats.org/markup-compatibility/2006" xmlns:a14="http://schemas.microsoft.com/office/drawing/2010/main">
+          <mc:Choice Requires="a14">
             <p:sp>
               <p:nvSpPr>
                 <p:cNvPr id="50" name="TextBox 49">
@@ -11349,6 +11355,7 @@
                 </a:bodyPr>
                 <a:lstStyle/>
                 <a:p>
+                  <a:pPr/>
                   <a14:m>
                     <m:oMathPara xmlns:m="http://schemas.openxmlformats.org/officeDocument/2006/math">
                       <m:oMathParaPr>
@@ -11388,7 +11395,7 @@
               </p:txBody>
             </p:sp>
           </mc:Choice>
-          <mc:Fallback>
+          <mc:Fallback xmlns="">
             <p:sp>
               <p:nvSpPr>
                 <p:cNvPr id="50" name="TextBox 49">
@@ -11433,8 +11440,8 @@
             </p:sp>
           </mc:Fallback>
         </mc:AlternateContent>
-        <mc:AlternateContent xmlns:mc="http://schemas.openxmlformats.org/markup-compatibility/2006">
-          <mc:Choice xmlns:a14="http://schemas.microsoft.com/office/drawing/2010/main" Requires="a14">
+        <mc:AlternateContent xmlns:mc="http://schemas.openxmlformats.org/markup-compatibility/2006" xmlns:a14="http://schemas.microsoft.com/office/drawing/2010/main">
+          <mc:Choice Requires="a14">
             <p:sp>
               <p:nvSpPr>
                 <p:cNvPr id="51" name="TextBox 50">
@@ -11463,6 +11470,7 @@
                 </a:bodyPr>
                 <a:lstStyle/>
                 <a:p>
+                  <a:pPr/>
                   <a14:m>
                     <m:oMathPara xmlns:m="http://schemas.openxmlformats.org/officeDocument/2006/math">
                       <m:oMathParaPr>
@@ -11502,7 +11510,7 @@
               </p:txBody>
             </p:sp>
           </mc:Choice>
-          <mc:Fallback>
+          <mc:Fallback xmlns="">
             <p:sp>
               <p:nvSpPr>
                 <p:cNvPr id="51" name="TextBox 50">
@@ -11998,10 +12006,10 @@
       </p:grpSpPr>
       <p:grpSp>
         <p:nvGrpSpPr>
-          <p:cNvPr id="86" name="그룹 85">
+          <p:cNvPr id="2" name="그룹 1">
             <a:extLst>
               <a:ext uri="{FF2B5EF4-FFF2-40B4-BE49-F238E27FC236}">
-                <a16:creationId xmlns:a16="http://schemas.microsoft.com/office/drawing/2014/main" id="{7BBF1F6E-1E83-36D9-B141-376D0F0A0005}"/>
+                <a16:creationId xmlns:a16="http://schemas.microsoft.com/office/drawing/2014/main" id="{AEA9670C-0B9C-D96A-9542-F8FEDDED09A8}"/>
               </a:ext>
             </a:extLst>
           </p:cNvPr>
@@ -12016,12 +12024,313 @@
             <a:chExt cx="6156960" cy="6187440"/>
           </a:xfrm>
         </p:grpSpPr>
+        <p:sp>
+          <p:nvSpPr>
+            <p:cNvPr id="3" name="직사각형 2">
+              <a:extLst>
+                <a:ext uri="{FF2B5EF4-FFF2-40B4-BE49-F238E27FC236}">
+                  <a16:creationId xmlns:a16="http://schemas.microsoft.com/office/drawing/2014/main" id="{6FBBBCEE-5545-92C2-AA6B-328D79EE9FFD}"/>
+                </a:ext>
+              </a:extLst>
+            </p:cNvPr>
+            <p:cNvSpPr/>
+            <p:nvPr/>
+          </p:nvSpPr>
+          <p:spPr>
+            <a:xfrm>
+              <a:off x="3708400" y="467360"/>
+              <a:ext cx="6156960" cy="6187440"/>
+            </a:xfrm>
+            <a:prstGeom prst="rect">
+              <a:avLst/>
+            </a:prstGeom>
+            <a:solidFill>
+              <a:schemeClr val="bg1"/>
+            </a:solidFill>
+            <a:ln>
+              <a:solidFill>
+                <a:schemeClr val="bg1"/>
+              </a:solidFill>
+            </a:ln>
+          </p:spPr>
+          <p:style>
+            <a:lnRef idx="2">
+              <a:schemeClr val="accent1">
+                <a:shade val="15000"/>
+              </a:schemeClr>
+            </a:lnRef>
+            <a:fillRef idx="1">
+              <a:schemeClr val="accent1"/>
+            </a:fillRef>
+            <a:effectRef idx="0">
+              <a:schemeClr val="accent1"/>
+            </a:effectRef>
+            <a:fontRef idx="minor">
+              <a:schemeClr val="lt1"/>
+            </a:fontRef>
+          </p:style>
+          <p:txBody>
+            <a:bodyPr rtlCol="0" anchor="ctr"/>
+            <a:lstStyle/>
+            <a:p>
+              <a:pPr algn="ctr"/>
+              <a:endParaRPr lang="ko-KR" altLang="en-US" dirty="0"/>
+            </a:p>
+          </p:txBody>
+        </p:sp>
+        <p:sp>
+          <p:nvSpPr>
+            <p:cNvPr id="4" name="순서도: 자기 디스크 3">
+              <a:extLst>
+                <a:ext uri="{FF2B5EF4-FFF2-40B4-BE49-F238E27FC236}">
+                  <a16:creationId xmlns:a16="http://schemas.microsoft.com/office/drawing/2014/main" id="{02A1E922-8D68-4A02-45FE-E6BA30A6CBB8}"/>
+                </a:ext>
+              </a:extLst>
+            </p:cNvPr>
+            <p:cNvSpPr/>
+            <p:nvPr/>
+          </p:nvSpPr>
+          <p:spPr>
+            <a:xfrm>
+              <a:off x="8006080" y="5567680"/>
+              <a:ext cx="965200" cy="762000"/>
+            </a:xfrm>
+            <a:prstGeom prst="flowChartMagneticDisk">
+              <a:avLst/>
+            </a:prstGeom>
+            <a:solidFill>
+              <a:schemeClr val="bg1">
+                <a:lumMod val="65000"/>
+              </a:schemeClr>
+            </a:solidFill>
+            <a:ln>
+              <a:solidFill>
+                <a:schemeClr val="bg1">
+                  <a:lumMod val="50000"/>
+                </a:schemeClr>
+              </a:solidFill>
+            </a:ln>
+          </p:spPr>
+          <p:style>
+            <a:lnRef idx="2">
+              <a:schemeClr val="accent1">
+                <a:shade val="15000"/>
+              </a:schemeClr>
+            </a:lnRef>
+            <a:fillRef idx="1">
+              <a:schemeClr val="accent1"/>
+            </a:fillRef>
+            <a:effectRef idx="0">
+              <a:schemeClr val="accent1"/>
+            </a:effectRef>
+            <a:fontRef idx="minor">
+              <a:schemeClr val="lt1"/>
+            </a:fontRef>
+          </p:style>
+          <p:txBody>
+            <a:bodyPr rtlCol="0" anchor="ctr"/>
+            <a:lstStyle/>
+            <a:p>
+              <a:pPr algn="ctr"/>
+              <a:endParaRPr lang="ko-KR" altLang="en-US"/>
+            </a:p>
+          </p:txBody>
+        </p:sp>
+        <p:cxnSp>
+          <p:nvCxnSpPr>
+            <p:cNvPr id="5" name="직선 연결선 4">
+              <a:extLst>
+                <a:ext uri="{FF2B5EF4-FFF2-40B4-BE49-F238E27FC236}">
+                  <a16:creationId xmlns:a16="http://schemas.microsoft.com/office/drawing/2014/main" id="{36A36A69-9B07-C5B4-36B7-BD969100A04D}"/>
+                </a:ext>
+              </a:extLst>
+            </p:cNvPr>
+            <p:cNvCxnSpPr>
+              <a:cxnSpLocks/>
+            </p:cNvCxnSpPr>
+            <p:nvPr/>
+          </p:nvCxnSpPr>
+          <p:spPr>
+            <a:xfrm flipV="1">
+              <a:off x="8488680" y="3698240"/>
+              <a:ext cx="0" cy="2011680"/>
+            </a:xfrm>
+            <a:prstGeom prst="line">
+              <a:avLst/>
+            </a:prstGeom>
+            <a:ln w="57150">
+              <a:solidFill>
+                <a:schemeClr val="tx1"/>
+              </a:solidFill>
+            </a:ln>
+          </p:spPr>
+          <p:style>
+            <a:lnRef idx="1">
+              <a:schemeClr val="dk1"/>
+            </a:lnRef>
+            <a:fillRef idx="0">
+              <a:schemeClr val="dk1"/>
+            </a:fillRef>
+            <a:effectRef idx="0">
+              <a:schemeClr val="dk1"/>
+            </a:effectRef>
+            <a:fontRef idx="minor">
+              <a:schemeClr val="tx1"/>
+            </a:fontRef>
+          </p:style>
+        </p:cxnSp>
+        <p:sp>
+          <p:nvSpPr>
+            <p:cNvPr id="6" name="순서도: 자기 디스크 5">
+              <a:extLst>
+                <a:ext uri="{FF2B5EF4-FFF2-40B4-BE49-F238E27FC236}">
+                  <a16:creationId xmlns:a16="http://schemas.microsoft.com/office/drawing/2014/main" id="{7579EE99-9D8E-337C-281C-8AF09B2C97ED}"/>
+                </a:ext>
+              </a:extLst>
+            </p:cNvPr>
+            <p:cNvSpPr/>
+            <p:nvPr/>
+          </p:nvSpPr>
+          <p:spPr>
+            <a:xfrm rot="5400000">
+              <a:off x="8006080" y="3261360"/>
+              <a:ext cx="965200" cy="762000"/>
+            </a:xfrm>
+            <a:prstGeom prst="flowChartMagneticDisk">
+              <a:avLst/>
+            </a:prstGeom>
+            <a:solidFill>
+              <a:schemeClr val="bg1">
+                <a:lumMod val="65000"/>
+              </a:schemeClr>
+            </a:solidFill>
+            <a:ln>
+              <a:solidFill>
+                <a:schemeClr val="bg1">
+                  <a:lumMod val="50000"/>
+                </a:schemeClr>
+              </a:solidFill>
+            </a:ln>
+          </p:spPr>
+          <p:style>
+            <a:lnRef idx="2">
+              <a:schemeClr val="accent1">
+                <a:shade val="15000"/>
+              </a:schemeClr>
+            </a:lnRef>
+            <a:fillRef idx="1">
+              <a:schemeClr val="accent1"/>
+            </a:fillRef>
+            <a:effectRef idx="0">
+              <a:schemeClr val="accent1"/>
+            </a:effectRef>
+            <a:fontRef idx="minor">
+              <a:schemeClr val="lt1"/>
+            </a:fontRef>
+          </p:style>
+          <p:txBody>
+            <a:bodyPr rtlCol="0" anchor="ctr"/>
+            <a:lstStyle/>
+            <a:p>
+              <a:pPr algn="ctr"/>
+              <a:endParaRPr lang="ko-KR" altLang="en-US"/>
+            </a:p>
+          </p:txBody>
+        </p:sp>
+        <p:cxnSp>
+          <p:nvCxnSpPr>
+            <p:cNvPr id="13" name="직선 연결선 12">
+              <a:extLst>
+                <a:ext uri="{FF2B5EF4-FFF2-40B4-BE49-F238E27FC236}">
+                  <a16:creationId xmlns:a16="http://schemas.microsoft.com/office/drawing/2014/main" id="{663A3F44-E8AD-189D-321F-997B54248F49}"/>
+                </a:ext>
+              </a:extLst>
+            </p:cNvPr>
+            <p:cNvCxnSpPr>
+              <a:cxnSpLocks/>
+            </p:cNvCxnSpPr>
+            <p:nvPr/>
+          </p:nvCxnSpPr>
+          <p:spPr>
+            <a:xfrm flipH="1">
+              <a:off x="7399020" y="3642360"/>
+              <a:ext cx="1003300" cy="370840"/>
+            </a:xfrm>
+            <a:prstGeom prst="line">
+              <a:avLst/>
+            </a:prstGeom>
+            <a:ln w="57150">
+              <a:solidFill>
+                <a:schemeClr val="tx1"/>
+              </a:solidFill>
+              <a:prstDash val="dash"/>
+            </a:ln>
+          </p:spPr>
+          <p:style>
+            <a:lnRef idx="1">
+              <a:schemeClr val="dk1"/>
+            </a:lnRef>
+            <a:fillRef idx="0">
+              <a:schemeClr val="dk1"/>
+            </a:fillRef>
+            <a:effectRef idx="0">
+              <a:schemeClr val="dk1"/>
+            </a:effectRef>
+            <a:fontRef idx="minor">
+              <a:schemeClr val="tx1"/>
+            </a:fontRef>
+          </p:style>
+        </p:cxnSp>
+        <p:cxnSp>
+          <p:nvCxnSpPr>
+            <p:cNvPr id="18" name="직선 연결선 17">
+              <a:extLst>
+                <a:ext uri="{FF2B5EF4-FFF2-40B4-BE49-F238E27FC236}">
+                  <a16:creationId xmlns:a16="http://schemas.microsoft.com/office/drawing/2014/main" id="{D59E5353-797F-F92F-461C-97BB2C4F037C}"/>
+                </a:ext>
+              </a:extLst>
+            </p:cNvPr>
+            <p:cNvCxnSpPr>
+              <a:cxnSpLocks/>
+            </p:cNvCxnSpPr>
+            <p:nvPr/>
+          </p:nvCxnSpPr>
+          <p:spPr>
+            <a:xfrm flipH="1">
+              <a:off x="7025640" y="5687060"/>
+              <a:ext cx="1482090" cy="561340"/>
+            </a:xfrm>
+            <a:prstGeom prst="line">
+              <a:avLst/>
+            </a:prstGeom>
+            <a:ln w="57150">
+              <a:solidFill>
+                <a:schemeClr val="tx1"/>
+              </a:solidFill>
+              <a:prstDash val="dash"/>
+            </a:ln>
+          </p:spPr>
+          <p:style>
+            <a:lnRef idx="1">
+              <a:schemeClr val="dk1"/>
+            </a:lnRef>
+            <a:fillRef idx="0">
+              <a:schemeClr val="dk1"/>
+            </a:fillRef>
+            <a:effectRef idx="0">
+              <a:schemeClr val="dk1"/>
+            </a:effectRef>
+            <a:fontRef idx="minor">
+              <a:schemeClr val="tx1"/>
+            </a:fontRef>
+          </p:style>
+        </p:cxnSp>
         <p:grpSp>
           <p:nvGrpSpPr>
-            <p:cNvPr id="77" name="그룹 76">
+            <p:cNvPr id="34" name="그룹 33">
               <a:extLst>
                 <a:ext uri="{FF2B5EF4-FFF2-40B4-BE49-F238E27FC236}">
-                  <a16:creationId xmlns:a16="http://schemas.microsoft.com/office/drawing/2014/main" id="{CCA876EB-174D-CBDD-BF3B-07F98F1EE56B}"/>
+                  <a16:creationId xmlns:a16="http://schemas.microsoft.com/office/drawing/2014/main" id="{A424F7CB-A286-7C5F-935A-94AE0A7EE76E}"/>
                 </a:ext>
               </a:extLst>
             </p:cNvPr>
@@ -12030,726 +12339,18 @@
           </p:nvGrpSpPr>
           <p:grpSpPr>
             <a:xfrm>
-              <a:off x="3708400" y="467360"/>
-              <a:ext cx="6156960" cy="6187440"/>
-              <a:chOff x="3708400" y="467360"/>
-              <a:chExt cx="6156960" cy="6187440"/>
+              <a:off x="8051800" y="4871720"/>
+              <a:ext cx="1166562" cy="1376680"/>
+              <a:chOff x="8051800" y="4871720"/>
+              <a:chExt cx="1166562" cy="1376680"/>
             </a:xfrm>
           </p:grpSpPr>
-          <p:sp>
-            <p:nvSpPr>
-              <p:cNvPr id="3" name="직사각형 2">
+          <p:cxnSp>
+            <p:nvCxnSpPr>
+              <p:cNvPr id="23" name="직선 화살표 연결선 22">
                 <a:extLst>
                   <a:ext uri="{FF2B5EF4-FFF2-40B4-BE49-F238E27FC236}">
-                    <a16:creationId xmlns:a16="http://schemas.microsoft.com/office/drawing/2014/main" id="{6FBBBCEE-5545-92C2-AA6B-328D79EE9FFD}"/>
-                  </a:ext>
-                </a:extLst>
-              </p:cNvPr>
-              <p:cNvSpPr/>
-              <p:nvPr/>
-            </p:nvSpPr>
-            <p:spPr>
-              <a:xfrm>
-                <a:off x="3708400" y="467360"/>
-                <a:ext cx="6156960" cy="6187440"/>
-              </a:xfrm>
-              <a:prstGeom prst="rect">
-                <a:avLst/>
-              </a:prstGeom>
-              <a:solidFill>
-                <a:schemeClr val="bg1"/>
-              </a:solidFill>
-              <a:ln>
-                <a:solidFill>
-                  <a:schemeClr val="bg1"/>
-                </a:solidFill>
-              </a:ln>
-            </p:spPr>
-            <p:style>
-              <a:lnRef idx="2">
-                <a:schemeClr val="accent1">
-                  <a:shade val="15000"/>
-                </a:schemeClr>
-              </a:lnRef>
-              <a:fillRef idx="1">
-                <a:schemeClr val="accent1"/>
-              </a:fillRef>
-              <a:effectRef idx="0">
-                <a:schemeClr val="accent1"/>
-              </a:effectRef>
-              <a:fontRef idx="minor">
-                <a:schemeClr val="lt1"/>
-              </a:fontRef>
-            </p:style>
-            <p:txBody>
-              <a:bodyPr rtlCol="0" anchor="ctr"/>
-              <a:lstStyle/>
-              <a:p>
-                <a:pPr algn="ctr"/>
-                <a:endParaRPr lang="ko-KR" altLang="en-US" dirty="0"/>
-              </a:p>
-            </p:txBody>
-          </p:sp>
-          <p:sp>
-            <p:nvSpPr>
-              <p:cNvPr id="4" name="순서도: 자기 디스크 3">
-                <a:extLst>
-                  <a:ext uri="{FF2B5EF4-FFF2-40B4-BE49-F238E27FC236}">
-                    <a16:creationId xmlns:a16="http://schemas.microsoft.com/office/drawing/2014/main" id="{02A1E922-8D68-4A02-45FE-E6BA30A6CBB8}"/>
-                  </a:ext>
-                </a:extLst>
-              </p:cNvPr>
-              <p:cNvSpPr/>
-              <p:nvPr/>
-            </p:nvSpPr>
-            <p:spPr>
-              <a:xfrm>
-                <a:off x="8006080" y="5567680"/>
-                <a:ext cx="965200" cy="762000"/>
-              </a:xfrm>
-              <a:prstGeom prst="flowChartMagneticDisk">
-                <a:avLst/>
-              </a:prstGeom>
-              <a:solidFill>
-                <a:schemeClr val="bg1">
-                  <a:lumMod val="65000"/>
-                </a:schemeClr>
-              </a:solidFill>
-              <a:ln>
-                <a:solidFill>
-                  <a:schemeClr val="bg1">
-                    <a:lumMod val="50000"/>
-                  </a:schemeClr>
-                </a:solidFill>
-              </a:ln>
-            </p:spPr>
-            <p:style>
-              <a:lnRef idx="2">
-                <a:schemeClr val="accent1">
-                  <a:shade val="15000"/>
-                </a:schemeClr>
-              </a:lnRef>
-              <a:fillRef idx="1">
-                <a:schemeClr val="accent1"/>
-              </a:fillRef>
-              <a:effectRef idx="0">
-                <a:schemeClr val="accent1"/>
-              </a:effectRef>
-              <a:fontRef idx="minor">
-                <a:schemeClr val="lt1"/>
-              </a:fontRef>
-            </p:style>
-            <p:txBody>
-              <a:bodyPr rtlCol="0" anchor="ctr"/>
-              <a:lstStyle/>
-              <a:p>
-                <a:pPr algn="ctr"/>
-                <a:endParaRPr lang="ko-KR" altLang="en-US"/>
-              </a:p>
-            </p:txBody>
-          </p:sp>
-          <p:cxnSp>
-            <p:nvCxnSpPr>
-              <p:cNvPr id="5" name="직선 연결선 4">
-                <a:extLst>
-                  <a:ext uri="{FF2B5EF4-FFF2-40B4-BE49-F238E27FC236}">
-                    <a16:creationId xmlns:a16="http://schemas.microsoft.com/office/drawing/2014/main" id="{36A36A69-9B07-C5B4-36B7-BD969100A04D}"/>
-                  </a:ext>
-                </a:extLst>
-              </p:cNvPr>
-              <p:cNvCxnSpPr>
-                <a:cxnSpLocks/>
-              </p:cNvCxnSpPr>
-              <p:nvPr/>
-            </p:nvCxnSpPr>
-            <p:spPr>
-              <a:xfrm flipV="1">
-                <a:off x="8488680" y="3698240"/>
-                <a:ext cx="0" cy="2011680"/>
-              </a:xfrm>
-              <a:prstGeom prst="line">
-                <a:avLst/>
-              </a:prstGeom>
-              <a:ln w="57150">
-                <a:solidFill>
-                  <a:schemeClr val="tx1"/>
-                </a:solidFill>
-              </a:ln>
-            </p:spPr>
-            <p:style>
-              <a:lnRef idx="1">
-                <a:schemeClr val="dk1"/>
-              </a:lnRef>
-              <a:fillRef idx="0">
-                <a:schemeClr val="dk1"/>
-              </a:fillRef>
-              <a:effectRef idx="0">
-                <a:schemeClr val="dk1"/>
-              </a:effectRef>
-              <a:fontRef idx="minor">
-                <a:schemeClr val="tx1"/>
-              </a:fontRef>
-            </p:style>
-          </p:cxnSp>
-          <p:sp>
-            <p:nvSpPr>
-              <p:cNvPr id="6" name="순서도: 자기 디스크 5">
-                <a:extLst>
-                  <a:ext uri="{FF2B5EF4-FFF2-40B4-BE49-F238E27FC236}">
-                    <a16:creationId xmlns:a16="http://schemas.microsoft.com/office/drawing/2014/main" id="{7579EE99-9D8E-337C-281C-8AF09B2C97ED}"/>
-                  </a:ext>
-                </a:extLst>
-              </p:cNvPr>
-              <p:cNvSpPr/>
-              <p:nvPr/>
-            </p:nvSpPr>
-            <p:spPr>
-              <a:xfrm rot="5400000">
-                <a:off x="8006080" y="3261360"/>
-                <a:ext cx="965200" cy="762000"/>
-              </a:xfrm>
-              <a:prstGeom prst="flowChartMagneticDisk">
-                <a:avLst/>
-              </a:prstGeom>
-              <a:solidFill>
-                <a:schemeClr val="bg1">
-                  <a:lumMod val="65000"/>
-                </a:schemeClr>
-              </a:solidFill>
-              <a:ln>
-                <a:solidFill>
-                  <a:schemeClr val="bg1">
-                    <a:lumMod val="50000"/>
-                  </a:schemeClr>
-                </a:solidFill>
-              </a:ln>
-            </p:spPr>
-            <p:style>
-              <a:lnRef idx="2">
-                <a:schemeClr val="accent1">
-                  <a:shade val="15000"/>
-                </a:schemeClr>
-              </a:lnRef>
-              <a:fillRef idx="1">
-                <a:schemeClr val="accent1"/>
-              </a:fillRef>
-              <a:effectRef idx="0">
-                <a:schemeClr val="accent1"/>
-              </a:effectRef>
-              <a:fontRef idx="minor">
-                <a:schemeClr val="lt1"/>
-              </a:fontRef>
-            </p:style>
-            <p:txBody>
-              <a:bodyPr rtlCol="0" anchor="ctr"/>
-              <a:lstStyle/>
-              <a:p>
-                <a:pPr algn="ctr"/>
-                <a:endParaRPr lang="ko-KR" altLang="en-US"/>
-              </a:p>
-            </p:txBody>
-          </p:sp>
-          <p:cxnSp>
-            <p:nvCxnSpPr>
-              <p:cNvPr id="13" name="직선 연결선 12">
-                <a:extLst>
-                  <a:ext uri="{FF2B5EF4-FFF2-40B4-BE49-F238E27FC236}">
-                    <a16:creationId xmlns:a16="http://schemas.microsoft.com/office/drawing/2014/main" id="{663A3F44-E8AD-189D-321F-997B54248F49}"/>
-                  </a:ext>
-                </a:extLst>
-              </p:cNvPr>
-              <p:cNvCxnSpPr>
-                <a:cxnSpLocks/>
-              </p:cNvCxnSpPr>
-              <p:nvPr/>
-            </p:nvCxnSpPr>
-            <p:spPr>
-              <a:xfrm flipH="1">
-                <a:off x="7399020" y="3642360"/>
-                <a:ext cx="1003300" cy="370840"/>
-              </a:xfrm>
-              <a:prstGeom prst="line">
-                <a:avLst/>
-              </a:prstGeom>
-              <a:ln w="57150">
-                <a:solidFill>
-                  <a:schemeClr val="tx1"/>
-                </a:solidFill>
-                <a:prstDash val="dash"/>
-              </a:ln>
-            </p:spPr>
-            <p:style>
-              <a:lnRef idx="1">
-                <a:schemeClr val="dk1"/>
-              </a:lnRef>
-              <a:fillRef idx="0">
-                <a:schemeClr val="dk1"/>
-              </a:fillRef>
-              <a:effectRef idx="0">
-                <a:schemeClr val="dk1"/>
-              </a:effectRef>
-              <a:fontRef idx="minor">
-                <a:schemeClr val="tx1"/>
-              </a:fontRef>
-            </p:style>
-          </p:cxnSp>
-          <p:cxnSp>
-            <p:nvCxnSpPr>
-              <p:cNvPr id="18" name="직선 연결선 17">
-                <a:extLst>
-                  <a:ext uri="{FF2B5EF4-FFF2-40B4-BE49-F238E27FC236}">
-                    <a16:creationId xmlns:a16="http://schemas.microsoft.com/office/drawing/2014/main" id="{D59E5353-797F-F92F-461C-97BB2C4F037C}"/>
-                  </a:ext>
-                </a:extLst>
-              </p:cNvPr>
-              <p:cNvCxnSpPr>
-                <a:cxnSpLocks/>
-              </p:cNvCxnSpPr>
-              <p:nvPr/>
-            </p:nvCxnSpPr>
-            <p:spPr>
-              <a:xfrm flipH="1">
-                <a:off x="7025640" y="5687060"/>
-                <a:ext cx="1482090" cy="561340"/>
-              </a:xfrm>
-              <a:prstGeom prst="line">
-                <a:avLst/>
-              </a:prstGeom>
-              <a:ln w="57150">
-                <a:solidFill>
-                  <a:schemeClr val="tx1"/>
-                </a:solidFill>
-                <a:prstDash val="dash"/>
-              </a:ln>
-            </p:spPr>
-            <p:style>
-              <a:lnRef idx="1">
-                <a:schemeClr val="dk1"/>
-              </a:lnRef>
-              <a:fillRef idx="0">
-                <a:schemeClr val="dk1"/>
-              </a:fillRef>
-              <a:effectRef idx="0">
-                <a:schemeClr val="dk1"/>
-              </a:effectRef>
-              <a:fontRef idx="minor">
-                <a:schemeClr val="tx1"/>
-              </a:fontRef>
-            </p:style>
-          </p:cxnSp>
-          <p:grpSp>
-            <p:nvGrpSpPr>
-              <p:cNvPr id="34" name="그룹 33">
-                <a:extLst>
-                  <a:ext uri="{FF2B5EF4-FFF2-40B4-BE49-F238E27FC236}">
-                    <a16:creationId xmlns:a16="http://schemas.microsoft.com/office/drawing/2014/main" id="{A424F7CB-A286-7C5F-935A-94AE0A7EE76E}"/>
-                  </a:ext>
-                </a:extLst>
-              </p:cNvPr>
-              <p:cNvGrpSpPr/>
-              <p:nvPr/>
-            </p:nvGrpSpPr>
-            <p:grpSpPr>
-              <a:xfrm>
-                <a:off x="8051800" y="4871720"/>
-                <a:ext cx="1166562" cy="1376680"/>
-                <a:chOff x="8051800" y="4871720"/>
-                <a:chExt cx="1166562" cy="1376680"/>
-              </a:xfrm>
-            </p:grpSpPr>
-            <p:cxnSp>
-              <p:nvCxnSpPr>
-                <p:cNvPr id="23" name="직선 화살표 연결선 22">
-                  <a:extLst>
-                    <a:ext uri="{FF2B5EF4-FFF2-40B4-BE49-F238E27FC236}">
-                      <a16:creationId xmlns:a16="http://schemas.microsoft.com/office/drawing/2014/main" id="{1F0E20BE-C1AB-FCC7-67D5-4D67FCD272FB}"/>
-                    </a:ext>
-                  </a:extLst>
-                </p:cNvPr>
-                <p:cNvCxnSpPr>
-                  <a:cxnSpLocks/>
-                </p:cNvCxnSpPr>
-                <p:nvPr/>
-              </p:nvCxnSpPr>
-              <p:spPr>
-                <a:xfrm>
-                  <a:off x="8498205" y="5687060"/>
-                  <a:ext cx="720157" cy="139700"/>
-                </a:xfrm>
-                <a:prstGeom prst="straightConnector1">
-                  <a:avLst/>
-                </a:prstGeom>
-                <a:ln w="57150">
-                  <a:solidFill>
-                    <a:srgbClr val="FFC000"/>
-                  </a:solidFill>
-                  <a:tailEnd type="triangle"/>
-                </a:ln>
-              </p:spPr>
-              <p:style>
-                <a:lnRef idx="1">
-                  <a:schemeClr val="accent1"/>
-                </a:lnRef>
-                <a:fillRef idx="0">
-                  <a:schemeClr val="accent1"/>
-                </a:fillRef>
-                <a:effectRef idx="0">
-                  <a:schemeClr val="accent1"/>
-                </a:effectRef>
-                <a:fontRef idx="minor">
-                  <a:schemeClr val="tx1"/>
-                </a:fontRef>
-              </p:style>
-            </p:cxnSp>
-            <p:cxnSp>
-              <p:nvCxnSpPr>
-                <p:cNvPr id="20" name="직선 화살표 연결선 19">
-                  <a:extLst>
-                    <a:ext uri="{FF2B5EF4-FFF2-40B4-BE49-F238E27FC236}">
-                      <a16:creationId xmlns:a16="http://schemas.microsoft.com/office/drawing/2014/main" id="{B582B721-DB70-1915-B7F8-6B0EFE3EA7E4}"/>
-                    </a:ext>
-                  </a:extLst>
-                </p:cNvPr>
-                <p:cNvCxnSpPr>
-                  <a:cxnSpLocks/>
-                </p:cNvCxnSpPr>
-                <p:nvPr/>
-              </p:nvCxnSpPr>
-              <p:spPr>
-                <a:xfrm flipH="1">
-                  <a:off x="8051800" y="5694680"/>
-                  <a:ext cx="446405" cy="553720"/>
-                </a:xfrm>
-                <a:prstGeom prst="straightConnector1">
-                  <a:avLst/>
-                </a:prstGeom>
-                <a:ln w="57150">
-                  <a:solidFill>
-                    <a:srgbClr val="C00000"/>
-                  </a:solidFill>
-                  <a:tailEnd type="triangle"/>
-                </a:ln>
-              </p:spPr>
-              <p:style>
-                <a:lnRef idx="1">
-                  <a:schemeClr val="accent1"/>
-                </a:lnRef>
-                <a:fillRef idx="0">
-                  <a:schemeClr val="accent1"/>
-                </a:fillRef>
-                <a:effectRef idx="0">
-                  <a:schemeClr val="accent1"/>
-                </a:effectRef>
-                <a:fontRef idx="minor">
-                  <a:schemeClr val="tx1"/>
-                </a:fontRef>
-              </p:style>
-            </p:cxnSp>
-            <p:cxnSp>
-              <p:nvCxnSpPr>
-                <p:cNvPr id="25" name="직선 화살표 연결선 24">
-                  <a:extLst>
-                    <a:ext uri="{FF2B5EF4-FFF2-40B4-BE49-F238E27FC236}">
-                      <a16:creationId xmlns:a16="http://schemas.microsoft.com/office/drawing/2014/main" id="{1654C7C6-DC6C-B578-AE52-9CCDE0F7FD4C}"/>
-                    </a:ext>
-                  </a:extLst>
-                </p:cNvPr>
-                <p:cNvCxnSpPr>
-                  <a:cxnSpLocks/>
-                </p:cNvCxnSpPr>
-                <p:nvPr/>
-              </p:nvCxnSpPr>
-              <p:spPr>
-                <a:xfrm flipV="1">
-                  <a:off x="8488680" y="4871720"/>
-                  <a:ext cx="0" cy="838200"/>
-                </a:xfrm>
-                <a:prstGeom prst="straightConnector1">
-                  <a:avLst/>
-                </a:prstGeom>
-                <a:ln w="57150">
-                  <a:solidFill>
-                    <a:srgbClr val="00B0F0"/>
-                  </a:solidFill>
-                  <a:tailEnd type="triangle"/>
-                </a:ln>
-              </p:spPr>
-              <p:style>
-                <a:lnRef idx="1">
-                  <a:schemeClr val="accent1"/>
-                </a:lnRef>
-                <a:fillRef idx="0">
-                  <a:schemeClr val="accent1"/>
-                </a:fillRef>
-                <a:effectRef idx="0">
-                  <a:schemeClr val="accent1"/>
-                </a:effectRef>
-                <a:fontRef idx="minor">
-                  <a:schemeClr val="tx1"/>
-                </a:fontRef>
-              </p:style>
-            </p:cxnSp>
-          </p:grpSp>
-          <p:grpSp>
-            <p:nvGrpSpPr>
-              <p:cNvPr id="35" name="그룹 34">
-                <a:extLst>
-                  <a:ext uri="{FF2B5EF4-FFF2-40B4-BE49-F238E27FC236}">
-                    <a16:creationId xmlns:a16="http://schemas.microsoft.com/office/drawing/2014/main" id="{E4E9A991-D45B-D114-E941-11BF39E18D3E}"/>
-                  </a:ext>
-                </a:extLst>
-              </p:cNvPr>
-              <p:cNvGrpSpPr/>
-              <p:nvPr/>
-            </p:nvGrpSpPr>
-            <p:grpSpPr>
-              <a:xfrm>
-                <a:off x="7726364" y="4866640"/>
-                <a:ext cx="1021791" cy="1381760"/>
-                <a:chOff x="7721601" y="4871720"/>
-                <a:chExt cx="1021791" cy="1381760"/>
-              </a:xfrm>
-            </p:grpSpPr>
-            <p:cxnSp>
-              <p:nvCxnSpPr>
-                <p:cNvPr id="36" name="직선 화살표 연결선 35">
-                  <a:extLst>
-                    <a:ext uri="{FF2B5EF4-FFF2-40B4-BE49-F238E27FC236}">
-                      <a16:creationId xmlns:a16="http://schemas.microsoft.com/office/drawing/2014/main" id="{FC3BF795-ED8B-120B-FC07-3FCDE973EADB}"/>
-                    </a:ext>
-                  </a:extLst>
-                </p:cNvPr>
-                <p:cNvCxnSpPr>
-                  <a:cxnSpLocks/>
-                </p:cNvCxnSpPr>
-                <p:nvPr/>
-              </p:nvCxnSpPr>
-              <p:spPr>
-                <a:xfrm>
-                  <a:off x="8498205" y="5687060"/>
-                  <a:ext cx="245187" cy="566420"/>
-                </a:xfrm>
-                <a:prstGeom prst="straightConnector1">
-                  <a:avLst/>
-                </a:prstGeom>
-                <a:ln w="57150">
-                  <a:solidFill>
-                    <a:srgbClr val="FFC000"/>
-                  </a:solidFill>
-                  <a:tailEnd type="triangle"/>
-                </a:ln>
-              </p:spPr>
-              <p:style>
-                <a:lnRef idx="1">
-                  <a:schemeClr val="accent1"/>
-                </a:lnRef>
-                <a:fillRef idx="0">
-                  <a:schemeClr val="accent1"/>
-                </a:fillRef>
-                <a:effectRef idx="0">
-                  <a:schemeClr val="accent1"/>
-                </a:effectRef>
-                <a:fontRef idx="minor">
-                  <a:schemeClr val="tx1"/>
-                </a:fontRef>
-              </p:style>
-            </p:cxnSp>
-            <p:cxnSp>
-              <p:nvCxnSpPr>
-                <p:cNvPr id="37" name="직선 화살표 연결선 36">
-                  <a:extLst>
-                    <a:ext uri="{FF2B5EF4-FFF2-40B4-BE49-F238E27FC236}">
-                      <a16:creationId xmlns:a16="http://schemas.microsoft.com/office/drawing/2014/main" id="{F25BA745-7068-68D0-FF04-7DD2A73F15E1}"/>
-                    </a:ext>
-                  </a:extLst>
-                </p:cNvPr>
-                <p:cNvCxnSpPr>
-                  <a:cxnSpLocks/>
-                </p:cNvCxnSpPr>
-                <p:nvPr/>
-              </p:nvCxnSpPr>
-              <p:spPr>
-                <a:xfrm flipH="1">
-                  <a:off x="7721601" y="5694680"/>
-                  <a:ext cx="776604" cy="274320"/>
-                </a:xfrm>
-                <a:prstGeom prst="straightConnector1">
-                  <a:avLst/>
-                </a:prstGeom>
-                <a:ln w="57150">
-                  <a:solidFill>
-                    <a:srgbClr val="C00000"/>
-                  </a:solidFill>
-                  <a:tailEnd type="triangle"/>
-                </a:ln>
-              </p:spPr>
-              <p:style>
-                <a:lnRef idx="1">
-                  <a:schemeClr val="accent1"/>
-                </a:lnRef>
-                <a:fillRef idx="0">
-                  <a:schemeClr val="accent1"/>
-                </a:fillRef>
-                <a:effectRef idx="0">
-                  <a:schemeClr val="accent1"/>
-                </a:effectRef>
-                <a:fontRef idx="minor">
-                  <a:schemeClr val="tx1"/>
-                </a:fontRef>
-              </p:style>
-            </p:cxnSp>
-            <p:cxnSp>
-              <p:nvCxnSpPr>
-                <p:cNvPr id="38" name="직선 화살표 연결선 37">
-                  <a:extLst>
-                    <a:ext uri="{FF2B5EF4-FFF2-40B4-BE49-F238E27FC236}">
-                      <a16:creationId xmlns:a16="http://schemas.microsoft.com/office/drawing/2014/main" id="{45966785-E85C-B458-53C1-ECBCD960EEF8}"/>
-                    </a:ext>
-                  </a:extLst>
-                </p:cNvPr>
-                <p:cNvCxnSpPr>
-                  <a:cxnSpLocks/>
-                </p:cNvCxnSpPr>
-                <p:nvPr/>
-              </p:nvCxnSpPr>
-              <p:spPr>
-                <a:xfrm flipV="1">
-                  <a:off x="8488680" y="4871720"/>
-                  <a:ext cx="0" cy="838200"/>
-                </a:xfrm>
-                <a:prstGeom prst="straightConnector1">
-                  <a:avLst/>
-                </a:prstGeom>
-                <a:ln w="57150">
-                  <a:solidFill>
-                    <a:srgbClr val="00B0F0"/>
-                  </a:solidFill>
-                  <a:tailEnd type="triangle"/>
-                </a:ln>
-              </p:spPr>
-              <p:style>
-                <a:lnRef idx="1">
-                  <a:schemeClr val="accent1"/>
-                </a:lnRef>
-                <a:fillRef idx="0">
-                  <a:schemeClr val="accent1"/>
-                </a:fillRef>
-                <a:effectRef idx="0">
-                  <a:schemeClr val="accent1"/>
-                </a:effectRef>
-                <a:fontRef idx="minor">
-                  <a:schemeClr val="tx1"/>
-                </a:fontRef>
-              </p:style>
-            </p:cxnSp>
-          </p:grpSp>
-          <p:cxnSp>
-            <p:nvCxnSpPr>
-              <p:cNvPr id="7" name="직선 연결선 6">
-                <a:extLst>
-                  <a:ext uri="{FF2B5EF4-FFF2-40B4-BE49-F238E27FC236}">
-                    <a16:creationId xmlns:a16="http://schemas.microsoft.com/office/drawing/2014/main" id="{68271EC7-1989-2C2A-4372-3F56F8679BED}"/>
-                  </a:ext>
-                </a:extLst>
-              </p:cNvPr>
-              <p:cNvCxnSpPr>
-                <a:cxnSpLocks/>
-              </p:cNvCxnSpPr>
-              <p:nvPr/>
-            </p:nvCxnSpPr>
-            <p:spPr>
-              <a:xfrm flipH="1" flipV="1">
-                <a:off x="6395720" y="2758440"/>
-                <a:ext cx="2006600" cy="883920"/>
-              </a:xfrm>
-              <a:prstGeom prst="line">
-                <a:avLst/>
-              </a:prstGeom>
-              <a:ln w="57150">
-                <a:solidFill>
-                  <a:schemeClr val="tx1"/>
-                </a:solidFill>
-              </a:ln>
-            </p:spPr>
-            <p:style>
-              <a:lnRef idx="1">
-                <a:schemeClr val="dk1"/>
-              </a:lnRef>
-              <a:fillRef idx="0">
-                <a:schemeClr val="dk1"/>
-              </a:fillRef>
-              <a:effectRef idx="0">
-                <a:schemeClr val="dk1"/>
-              </a:effectRef>
-              <a:fontRef idx="minor">
-                <a:schemeClr val="tx1"/>
-              </a:fontRef>
-            </p:style>
-          </p:cxnSp>
-          <p:sp>
-            <p:nvSpPr>
-              <p:cNvPr id="8" name="순서도: 자기 디스크 7">
-                <a:extLst>
-                  <a:ext uri="{FF2B5EF4-FFF2-40B4-BE49-F238E27FC236}">
-                    <a16:creationId xmlns:a16="http://schemas.microsoft.com/office/drawing/2014/main" id="{3F9806EB-E584-6DCE-8FDD-C3F9BFE50022}"/>
-                  </a:ext>
-                </a:extLst>
-              </p:cNvPr>
-              <p:cNvSpPr/>
-              <p:nvPr/>
-            </p:nvSpPr>
-            <p:spPr>
-              <a:xfrm rot="5400000">
-                <a:off x="5913120" y="2377440"/>
-                <a:ext cx="965200" cy="762000"/>
-              </a:xfrm>
-              <a:prstGeom prst="flowChartMagneticDisk">
-                <a:avLst/>
-              </a:prstGeom>
-              <a:solidFill>
-                <a:schemeClr val="bg1">
-                  <a:lumMod val="65000"/>
-                </a:schemeClr>
-              </a:solidFill>
-              <a:ln>
-                <a:solidFill>
-                  <a:schemeClr val="bg1">
-                    <a:lumMod val="50000"/>
-                  </a:schemeClr>
-                </a:solidFill>
-              </a:ln>
-            </p:spPr>
-            <p:style>
-              <a:lnRef idx="2">
-                <a:schemeClr val="accent1">
-                  <a:shade val="15000"/>
-                </a:schemeClr>
-              </a:lnRef>
-              <a:fillRef idx="1">
-                <a:schemeClr val="accent1"/>
-              </a:fillRef>
-              <a:effectRef idx="0">
-                <a:schemeClr val="accent1"/>
-              </a:effectRef>
-              <a:fontRef idx="minor">
-                <a:schemeClr val="lt1"/>
-              </a:fontRef>
-            </p:style>
-            <p:txBody>
-              <a:bodyPr rtlCol="0" anchor="ctr"/>
-              <a:lstStyle/>
-              <a:p>
-                <a:pPr algn="ctr"/>
-                <a:endParaRPr lang="ko-KR" altLang="en-US"/>
-              </a:p>
-            </p:txBody>
-          </p:sp>
-          <p:cxnSp>
-            <p:nvCxnSpPr>
-              <p:cNvPr id="9" name="직선 연결선 8">
-                <a:extLst>
-                  <a:ext uri="{FF2B5EF4-FFF2-40B4-BE49-F238E27FC236}">
-                    <a16:creationId xmlns:a16="http://schemas.microsoft.com/office/drawing/2014/main" id="{126F548A-F3B1-DC74-D01C-2F17F639C7F5}"/>
+                    <a16:creationId xmlns:a16="http://schemas.microsoft.com/office/drawing/2014/main" id="{1F0E20BE-C1AB-FCC7-67D5-4D67FCD272FB}"/>
                   </a:ext>
                 </a:extLst>
               </p:cNvPr>
@@ -12760,618 +12361,17 @@
             </p:nvCxnSpPr>
             <p:spPr>
               <a:xfrm>
-                <a:off x="4820920" y="1209040"/>
-                <a:ext cx="1488440" cy="1549400"/>
+                <a:off x="8498205" y="5687060"/>
+                <a:ext cx="720157" cy="139700"/>
               </a:xfrm>
-              <a:prstGeom prst="line">
+              <a:prstGeom prst="straightConnector1">
                 <a:avLst/>
               </a:prstGeom>
               <a:ln w="57150">
                 <a:solidFill>
-                  <a:schemeClr val="tx1"/>
+                  <a:srgbClr val="FFC000"/>
                 </a:solidFill>
-              </a:ln>
-            </p:spPr>
-            <p:style>
-              <a:lnRef idx="1">
-                <a:schemeClr val="dk1"/>
-              </a:lnRef>
-              <a:fillRef idx="0">
-                <a:schemeClr val="dk1"/>
-              </a:fillRef>
-              <a:effectRef idx="0">
-                <a:schemeClr val="dk1"/>
-              </a:effectRef>
-              <a:fontRef idx="minor">
-                <a:schemeClr val="tx1"/>
-              </a:fontRef>
-            </p:style>
-          </p:cxnSp>
-          <p:cxnSp>
-            <p:nvCxnSpPr>
-              <p:cNvPr id="11" name="직선 연결선 10">
-                <a:extLst>
-                  <a:ext uri="{FF2B5EF4-FFF2-40B4-BE49-F238E27FC236}">
-                    <a16:creationId xmlns:a16="http://schemas.microsoft.com/office/drawing/2014/main" id="{DCEA6A22-3635-BBAC-9FBB-B8806EE7721A}"/>
-                  </a:ext>
-                </a:extLst>
-              </p:cNvPr>
-              <p:cNvCxnSpPr>
-                <a:cxnSpLocks/>
-              </p:cNvCxnSpPr>
-              <p:nvPr/>
-            </p:nvCxnSpPr>
-            <p:spPr>
-              <a:xfrm flipH="1" flipV="1">
-                <a:off x="4932680" y="2115820"/>
-                <a:ext cx="1376680" cy="642620"/>
-              </a:xfrm>
-              <a:prstGeom prst="line">
-                <a:avLst/>
-              </a:prstGeom>
-              <a:ln w="57150">
-                <a:solidFill>
-                  <a:schemeClr val="tx1"/>
-                </a:solidFill>
-                <a:prstDash val="dash"/>
-              </a:ln>
-            </p:spPr>
-            <p:style>
-              <a:lnRef idx="1">
-                <a:schemeClr val="dk1"/>
-              </a:lnRef>
-              <a:fillRef idx="0">
-                <a:schemeClr val="dk1"/>
-              </a:fillRef>
-              <a:effectRef idx="0">
-                <a:schemeClr val="dk1"/>
-              </a:effectRef>
-              <a:fontRef idx="minor">
-                <a:schemeClr val="tx1"/>
-              </a:fontRef>
-            </p:style>
-          </p:cxnSp>
-          <p:sp>
-            <p:nvSpPr>
-              <p:cNvPr id="10" name="타원 9">
-                <a:extLst>
-                  <a:ext uri="{FF2B5EF4-FFF2-40B4-BE49-F238E27FC236}">
-                    <a16:creationId xmlns:a16="http://schemas.microsoft.com/office/drawing/2014/main" id="{86170647-D6FE-8E8D-23E8-B02991A08FB6}"/>
-                  </a:ext>
-                </a:extLst>
-              </p:cNvPr>
-              <p:cNvSpPr/>
-              <p:nvPr/>
-            </p:nvSpPr>
-            <p:spPr>
-              <a:xfrm>
-                <a:off x="4475480" y="881380"/>
-                <a:ext cx="690880" cy="655320"/>
-              </a:xfrm>
-              <a:prstGeom prst="ellipse">
-                <a:avLst/>
-              </a:prstGeom>
-              <a:solidFill>
-                <a:schemeClr val="bg1">
-                  <a:lumMod val="65000"/>
-                </a:schemeClr>
-              </a:solidFill>
-              <a:ln>
-                <a:solidFill>
-                  <a:schemeClr val="bg1">
-                    <a:lumMod val="50000"/>
-                  </a:schemeClr>
-                </a:solidFill>
-              </a:ln>
-            </p:spPr>
-            <p:style>
-              <a:lnRef idx="2">
-                <a:schemeClr val="accent1">
-                  <a:shade val="15000"/>
-                </a:schemeClr>
-              </a:lnRef>
-              <a:fillRef idx="1">
-                <a:schemeClr val="accent1"/>
-              </a:fillRef>
-              <a:effectRef idx="0">
-                <a:schemeClr val="accent1"/>
-              </a:effectRef>
-              <a:fontRef idx="minor">
-                <a:schemeClr val="lt1"/>
-              </a:fontRef>
-            </p:style>
-            <p:txBody>
-              <a:bodyPr rtlCol="0" anchor="ctr"/>
-              <a:lstStyle/>
-              <a:p>
-                <a:pPr algn="ctr"/>
-                <a:endParaRPr lang="ko-KR" altLang="en-US"/>
-              </a:p>
-            </p:txBody>
-          </p:sp>
-          <p:grpSp>
-            <p:nvGrpSpPr>
-              <p:cNvPr id="41" name="그룹 40">
-                <a:extLst>
-                  <a:ext uri="{FF2B5EF4-FFF2-40B4-BE49-F238E27FC236}">
-                    <a16:creationId xmlns:a16="http://schemas.microsoft.com/office/drawing/2014/main" id="{392EAD4D-3D33-17B1-921A-555D9709FE9C}"/>
-                  </a:ext>
-                </a:extLst>
-              </p:cNvPr>
-              <p:cNvGrpSpPr/>
-              <p:nvPr/>
-            </p:nvGrpSpPr>
-            <p:grpSpPr>
-              <a:xfrm>
-                <a:off x="7504430" y="2916555"/>
-                <a:ext cx="1151253" cy="739775"/>
-                <a:chOff x="7590791" y="4970145"/>
-                <a:chExt cx="1151253" cy="739775"/>
-              </a:xfrm>
-            </p:grpSpPr>
-            <p:cxnSp>
-              <p:nvCxnSpPr>
-                <p:cNvPr id="44" name="직선 화살표 연결선 43">
-                  <a:extLst>
-                    <a:ext uri="{FF2B5EF4-FFF2-40B4-BE49-F238E27FC236}">
-                      <a16:creationId xmlns:a16="http://schemas.microsoft.com/office/drawing/2014/main" id="{BAC646B2-3317-6D88-991E-B52049D8526B}"/>
-                    </a:ext>
-                  </a:extLst>
-                </p:cNvPr>
-                <p:cNvCxnSpPr>
-                  <a:cxnSpLocks/>
-                </p:cNvCxnSpPr>
-                <p:nvPr/>
-              </p:nvCxnSpPr>
-              <p:spPr>
-                <a:xfrm flipH="1">
-                  <a:off x="7590791" y="5709920"/>
-                  <a:ext cx="897889" cy="0"/>
-                </a:xfrm>
-                <a:prstGeom prst="straightConnector1">
-                  <a:avLst/>
-                </a:prstGeom>
-                <a:ln w="57150">
-                  <a:solidFill>
-                    <a:srgbClr val="00B0F0"/>
-                  </a:solidFill>
-                  <a:tailEnd type="triangle"/>
-                </a:ln>
-              </p:spPr>
-              <p:style>
-                <a:lnRef idx="1">
-                  <a:schemeClr val="accent1"/>
-                </a:lnRef>
-                <a:fillRef idx="0">
-                  <a:schemeClr val="accent1"/>
-                </a:fillRef>
-                <a:effectRef idx="0">
-                  <a:schemeClr val="accent1"/>
-                </a:effectRef>
-                <a:fontRef idx="minor">
-                  <a:schemeClr val="tx1"/>
-                </a:fontRef>
-              </p:style>
-            </p:cxnSp>
-            <p:cxnSp>
-              <p:nvCxnSpPr>
-                <p:cNvPr id="42" name="직선 화살표 연결선 41">
-                  <a:extLst>
-                    <a:ext uri="{FF2B5EF4-FFF2-40B4-BE49-F238E27FC236}">
-                      <a16:creationId xmlns:a16="http://schemas.microsoft.com/office/drawing/2014/main" id="{EAC6E16C-3CCB-E444-4EAB-A4C69CD758AB}"/>
-                    </a:ext>
-                  </a:extLst>
-                </p:cNvPr>
-                <p:cNvCxnSpPr>
-                  <a:cxnSpLocks/>
-                </p:cNvCxnSpPr>
-                <p:nvPr/>
-              </p:nvCxnSpPr>
-              <p:spPr>
-                <a:xfrm flipV="1">
-                  <a:off x="8498205" y="4970145"/>
-                  <a:ext cx="243839" cy="716915"/>
-                </a:xfrm>
-                <a:prstGeom prst="straightConnector1">
-                  <a:avLst/>
-                </a:prstGeom>
-                <a:ln w="57150">
-                  <a:solidFill>
-                    <a:srgbClr val="FFC000"/>
-                  </a:solidFill>
-                  <a:tailEnd type="triangle"/>
-                </a:ln>
-              </p:spPr>
-              <p:style>
-                <a:lnRef idx="1">
-                  <a:schemeClr val="accent1"/>
-                </a:lnRef>
-                <a:fillRef idx="0">
-                  <a:schemeClr val="accent1"/>
-                </a:fillRef>
-                <a:effectRef idx="0">
-                  <a:schemeClr val="accent1"/>
-                </a:effectRef>
-                <a:fontRef idx="minor">
-                  <a:schemeClr val="tx1"/>
-                </a:fontRef>
-              </p:style>
-            </p:cxnSp>
-            <p:cxnSp>
-              <p:nvCxnSpPr>
-                <p:cNvPr id="43" name="직선 화살표 연결선 42">
-                  <a:extLst>
-                    <a:ext uri="{FF2B5EF4-FFF2-40B4-BE49-F238E27FC236}">
-                      <a16:creationId xmlns:a16="http://schemas.microsoft.com/office/drawing/2014/main" id="{32F90595-2B1D-23AE-6069-C6A2D944618A}"/>
-                    </a:ext>
-                  </a:extLst>
-                </p:cNvPr>
-                <p:cNvCxnSpPr>
-                  <a:cxnSpLocks/>
-                </p:cNvCxnSpPr>
-                <p:nvPr/>
-              </p:nvCxnSpPr>
-              <p:spPr>
-                <a:xfrm flipH="1" flipV="1">
-                  <a:off x="7729220" y="5370830"/>
-                  <a:ext cx="768985" cy="323850"/>
-                </a:xfrm>
-                <a:prstGeom prst="straightConnector1">
-                  <a:avLst/>
-                </a:prstGeom>
-                <a:ln w="57150">
-                  <a:solidFill>
-                    <a:srgbClr val="C00000"/>
-                  </a:solidFill>
-                  <a:tailEnd type="triangle"/>
-                </a:ln>
-              </p:spPr>
-              <p:style>
-                <a:lnRef idx="1">
-                  <a:schemeClr val="accent1"/>
-                </a:lnRef>
-                <a:fillRef idx="0">
-                  <a:schemeClr val="accent1"/>
-                </a:fillRef>
-                <a:effectRef idx="0">
-                  <a:schemeClr val="accent1"/>
-                </a:effectRef>
-                <a:fontRef idx="minor">
-                  <a:schemeClr val="tx1"/>
-                </a:fontRef>
-              </p:style>
-            </p:cxnSp>
-          </p:grpSp>
-          <p:grpSp>
-            <p:nvGrpSpPr>
-              <p:cNvPr id="51" name="그룹 50">
-                <a:extLst>
-                  <a:ext uri="{FF2B5EF4-FFF2-40B4-BE49-F238E27FC236}">
-                    <a16:creationId xmlns:a16="http://schemas.microsoft.com/office/drawing/2014/main" id="{8A30349F-4FDC-518B-DFFF-8CF16C8A649F}"/>
-                  </a:ext>
-                </a:extLst>
-              </p:cNvPr>
-              <p:cNvGrpSpPr/>
-              <p:nvPr/>
-            </p:nvGrpSpPr>
-            <p:grpSpPr>
-              <a:xfrm>
-                <a:off x="5395914" y="2115820"/>
-                <a:ext cx="1380806" cy="649605"/>
-                <a:chOff x="7590791" y="5060315"/>
-                <a:chExt cx="1380806" cy="649605"/>
-              </a:xfrm>
-            </p:grpSpPr>
-            <p:cxnSp>
-              <p:nvCxnSpPr>
-                <p:cNvPr id="54" name="직선 화살표 연결선 53">
-                  <a:extLst>
-                    <a:ext uri="{FF2B5EF4-FFF2-40B4-BE49-F238E27FC236}">
-                      <a16:creationId xmlns:a16="http://schemas.microsoft.com/office/drawing/2014/main" id="{685A8D43-B744-6F10-A34A-606131433E4F}"/>
-                    </a:ext>
-                  </a:extLst>
-                </p:cNvPr>
-                <p:cNvCxnSpPr>
-                  <a:cxnSpLocks/>
-                </p:cNvCxnSpPr>
-                <p:nvPr/>
-              </p:nvCxnSpPr>
-              <p:spPr>
-                <a:xfrm flipH="1">
-                  <a:off x="7590791" y="5709920"/>
-                  <a:ext cx="897889" cy="0"/>
-                </a:xfrm>
-                <a:prstGeom prst="straightConnector1">
-                  <a:avLst/>
-                </a:prstGeom>
-                <a:ln w="57150">
-                  <a:solidFill>
-                    <a:srgbClr val="00B0F0"/>
-                  </a:solidFill>
-                  <a:tailEnd type="triangle"/>
-                </a:ln>
-              </p:spPr>
-              <p:style>
-                <a:lnRef idx="1">
-                  <a:schemeClr val="accent1"/>
-                </a:lnRef>
-                <a:fillRef idx="0">
-                  <a:schemeClr val="accent1"/>
-                </a:fillRef>
-                <a:effectRef idx="0">
-                  <a:schemeClr val="accent1"/>
-                </a:effectRef>
-                <a:fontRef idx="minor">
-                  <a:schemeClr val="tx1"/>
-                </a:fontRef>
-              </p:style>
-            </p:cxnSp>
-            <p:cxnSp>
-              <p:nvCxnSpPr>
-                <p:cNvPr id="52" name="직선 화살표 연결선 51">
-                  <a:extLst>
-                    <a:ext uri="{FF2B5EF4-FFF2-40B4-BE49-F238E27FC236}">
-                      <a16:creationId xmlns:a16="http://schemas.microsoft.com/office/drawing/2014/main" id="{BEC13BFF-8D3C-2D6B-D53A-57D9DC6B1590}"/>
-                    </a:ext>
-                  </a:extLst>
-                </p:cNvPr>
-                <p:cNvCxnSpPr>
-                  <a:cxnSpLocks/>
-                </p:cNvCxnSpPr>
-                <p:nvPr/>
-              </p:nvCxnSpPr>
-              <p:spPr>
-                <a:xfrm flipV="1">
-                  <a:off x="8498205" y="5103178"/>
-                  <a:ext cx="473392" cy="583882"/>
-                </a:xfrm>
-                <a:prstGeom prst="straightConnector1">
-                  <a:avLst/>
-                </a:prstGeom>
-                <a:ln w="57150">
-                  <a:solidFill>
-                    <a:srgbClr val="FFC000"/>
-                  </a:solidFill>
-                  <a:tailEnd type="triangle"/>
-                </a:ln>
-              </p:spPr>
-              <p:style>
-                <a:lnRef idx="1">
-                  <a:schemeClr val="accent1"/>
-                </a:lnRef>
-                <a:fillRef idx="0">
-                  <a:schemeClr val="accent1"/>
-                </a:fillRef>
-                <a:effectRef idx="0">
-                  <a:schemeClr val="accent1"/>
-                </a:effectRef>
-                <a:fontRef idx="minor">
-                  <a:schemeClr val="tx1"/>
-                </a:fontRef>
-              </p:style>
-            </p:cxnSp>
-            <p:cxnSp>
-              <p:nvCxnSpPr>
-                <p:cNvPr id="53" name="직선 화살표 연결선 52">
-                  <a:extLst>
-                    <a:ext uri="{FF2B5EF4-FFF2-40B4-BE49-F238E27FC236}">
-                      <a16:creationId xmlns:a16="http://schemas.microsoft.com/office/drawing/2014/main" id="{A802453C-0DE3-9489-5C42-9CBAAE44C6BF}"/>
-                    </a:ext>
-                  </a:extLst>
-                </p:cNvPr>
-                <p:cNvCxnSpPr>
-                  <a:cxnSpLocks/>
-                </p:cNvCxnSpPr>
-                <p:nvPr/>
-              </p:nvCxnSpPr>
-              <p:spPr>
-                <a:xfrm flipH="1" flipV="1">
-                  <a:off x="7902257" y="5060315"/>
-                  <a:ext cx="595948" cy="634365"/>
-                </a:xfrm>
-                <a:prstGeom prst="straightConnector1">
-                  <a:avLst/>
-                </a:prstGeom>
-                <a:ln w="57150">
-                  <a:solidFill>
-                    <a:srgbClr val="C00000"/>
-                  </a:solidFill>
-                  <a:tailEnd type="triangle"/>
-                </a:ln>
-              </p:spPr>
-              <p:style>
-                <a:lnRef idx="1">
-                  <a:schemeClr val="accent1"/>
-                </a:lnRef>
-                <a:fillRef idx="0">
-                  <a:schemeClr val="accent1"/>
-                </a:fillRef>
-                <a:effectRef idx="0">
-                  <a:schemeClr val="accent1"/>
-                </a:effectRef>
-                <a:fontRef idx="minor">
-                  <a:schemeClr val="tx1"/>
-                </a:fontRef>
-              </p:style>
-            </p:cxnSp>
-          </p:grpSp>
-          <p:grpSp>
-            <p:nvGrpSpPr>
-              <p:cNvPr id="57" name="그룹 56">
-                <a:extLst>
-                  <a:ext uri="{FF2B5EF4-FFF2-40B4-BE49-F238E27FC236}">
-                    <a16:creationId xmlns:a16="http://schemas.microsoft.com/office/drawing/2014/main" id="{38587C2A-E1FC-6C15-5A94-800D7D4DB17A}"/>
-                  </a:ext>
-                </a:extLst>
-              </p:cNvPr>
-              <p:cNvGrpSpPr/>
-              <p:nvPr/>
-            </p:nvGrpSpPr>
-            <p:grpSpPr>
-              <a:xfrm>
-                <a:off x="3894774" y="565785"/>
-                <a:ext cx="1380806" cy="649605"/>
-                <a:chOff x="7590791" y="5060315"/>
-                <a:chExt cx="1380806" cy="649605"/>
-              </a:xfrm>
-            </p:grpSpPr>
-            <p:cxnSp>
-              <p:nvCxnSpPr>
-                <p:cNvPr id="58" name="직선 화살표 연결선 57">
-                  <a:extLst>
-                    <a:ext uri="{FF2B5EF4-FFF2-40B4-BE49-F238E27FC236}">
-                      <a16:creationId xmlns:a16="http://schemas.microsoft.com/office/drawing/2014/main" id="{51CC48FA-1A2F-FA15-CB38-8D16273C711B}"/>
-                    </a:ext>
-                  </a:extLst>
-                </p:cNvPr>
-                <p:cNvCxnSpPr>
-                  <a:cxnSpLocks/>
-                </p:cNvCxnSpPr>
-                <p:nvPr/>
-              </p:nvCxnSpPr>
-              <p:spPr>
-                <a:xfrm flipH="1">
-                  <a:off x="7590791" y="5709920"/>
-                  <a:ext cx="897889" cy="0"/>
-                </a:xfrm>
-                <a:prstGeom prst="straightConnector1">
-                  <a:avLst/>
-                </a:prstGeom>
-                <a:ln w="57150">
-                  <a:solidFill>
-                    <a:srgbClr val="00B0F0"/>
-                  </a:solidFill>
-                  <a:tailEnd type="triangle"/>
-                </a:ln>
-              </p:spPr>
-              <p:style>
-                <a:lnRef idx="1">
-                  <a:schemeClr val="accent1"/>
-                </a:lnRef>
-                <a:fillRef idx="0">
-                  <a:schemeClr val="accent1"/>
-                </a:fillRef>
-                <a:effectRef idx="0">
-                  <a:schemeClr val="accent1"/>
-                </a:effectRef>
-                <a:fontRef idx="minor">
-                  <a:schemeClr val="tx1"/>
-                </a:fontRef>
-              </p:style>
-            </p:cxnSp>
-            <p:cxnSp>
-              <p:nvCxnSpPr>
-                <p:cNvPr id="59" name="직선 화살표 연결선 58">
-                  <a:extLst>
-                    <a:ext uri="{FF2B5EF4-FFF2-40B4-BE49-F238E27FC236}">
-                      <a16:creationId xmlns:a16="http://schemas.microsoft.com/office/drawing/2014/main" id="{0D5CCA7F-988E-F9A1-5B63-6D3AA7C85B99}"/>
-                    </a:ext>
-                  </a:extLst>
-                </p:cNvPr>
-                <p:cNvCxnSpPr>
-                  <a:cxnSpLocks/>
-                </p:cNvCxnSpPr>
-                <p:nvPr/>
-              </p:nvCxnSpPr>
-              <p:spPr>
-                <a:xfrm flipV="1">
-                  <a:off x="8498205" y="5103178"/>
-                  <a:ext cx="473392" cy="583882"/>
-                </a:xfrm>
-                <a:prstGeom prst="straightConnector1">
-                  <a:avLst/>
-                </a:prstGeom>
-                <a:ln w="57150">
-                  <a:solidFill>
-                    <a:srgbClr val="FFC000"/>
-                  </a:solidFill>
-                  <a:tailEnd type="triangle"/>
-                </a:ln>
-              </p:spPr>
-              <p:style>
-                <a:lnRef idx="1">
-                  <a:schemeClr val="accent1"/>
-                </a:lnRef>
-                <a:fillRef idx="0">
-                  <a:schemeClr val="accent1"/>
-                </a:fillRef>
-                <a:effectRef idx="0">
-                  <a:schemeClr val="accent1"/>
-                </a:effectRef>
-                <a:fontRef idx="minor">
-                  <a:schemeClr val="tx1"/>
-                </a:fontRef>
-              </p:style>
-            </p:cxnSp>
-            <p:cxnSp>
-              <p:nvCxnSpPr>
-                <p:cNvPr id="60" name="직선 화살표 연결선 59">
-                  <a:extLst>
-                    <a:ext uri="{FF2B5EF4-FFF2-40B4-BE49-F238E27FC236}">
-                      <a16:creationId xmlns:a16="http://schemas.microsoft.com/office/drawing/2014/main" id="{E55E99E6-6D08-671A-8DD5-0024CD001E6C}"/>
-                    </a:ext>
-                  </a:extLst>
-                </p:cNvPr>
-                <p:cNvCxnSpPr>
-                  <a:cxnSpLocks/>
-                </p:cNvCxnSpPr>
-                <p:nvPr/>
-              </p:nvCxnSpPr>
-              <p:spPr>
-                <a:xfrm flipH="1" flipV="1">
-                  <a:off x="7902257" y="5060315"/>
-                  <a:ext cx="595948" cy="634365"/>
-                </a:xfrm>
-                <a:prstGeom prst="straightConnector1">
-                  <a:avLst/>
-                </a:prstGeom>
-                <a:ln w="57150">
-                  <a:solidFill>
-                    <a:srgbClr val="C00000"/>
-                  </a:solidFill>
-                  <a:tailEnd type="triangle"/>
-                </a:ln>
-              </p:spPr>
-              <p:style>
-                <a:lnRef idx="1">
-                  <a:schemeClr val="accent1"/>
-                </a:lnRef>
-                <a:fillRef idx="0">
-                  <a:schemeClr val="accent1"/>
-                </a:fillRef>
-                <a:effectRef idx="0">
-                  <a:schemeClr val="accent1"/>
-                </a:effectRef>
-                <a:fontRef idx="minor">
-                  <a:schemeClr val="tx1"/>
-                </a:fontRef>
-              </p:style>
-            </p:cxnSp>
-          </p:grpSp>
-          <p:cxnSp>
-            <p:nvCxnSpPr>
-              <p:cNvPr id="61" name="직선 연결선 60">
-                <a:extLst>
-                  <a:ext uri="{FF2B5EF4-FFF2-40B4-BE49-F238E27FC236}">
-                    <a16:creationId xmlns:a16="http://schemas.microsoft.com/office/drawing/2014/main" id="{736C0911-4023-FC1C-5C3F-50DFAC8439CF}"/>
-                  </a:ext>
-                </a:extLst>
-              </p:cNvPr>
-              <p:cNvCxnSpPr/>
-              <p:nvPr/>
-            </p:nvCxnSpPr>
-            <p:spPr>
-              <a:xfrm>
-                <a:off x="7742315" y="846323"/>
-                <a:ext cx="1005840" cy="0"/>
-              </a:xfrm>
-              <a:prstGeom prst="line">
-                <a:avLst/>
-              </a:prstGeom>
-              <a:ln w="76200">
-                <a:solidFill>
-                  <a:srgbClr val="C00000"/>
-                </a:solidFill>
+                <a:tailEnd type="triangle"/>
               </a:ln>
             </p:spPr>
             <p:style>
@@ -13391,28 +12391,31 @@
           </p:cxnSp>
           <p:cxnSp>
             <p:nvCxnSpPr>
-              <p:cNvPr id="62" name="직선 연결선 61">
+              <p:cNvPr id="20" name="직선 화살표 연결선 19">
                 <a:extLst>
                   <a:ext uri="{FF2B5EF4-FFF2-40B4-BE49-F238E27FC236}">
-                    <a16:creationId xmlns:a16="http://schemas.microsoft.com/office/drawing/2014/main" id="{46002FD7-EC37-89A6-ED1D-2CDF9F3086E9}"/>
+                    <a16:creationId xmlns:a16="http://schemas.microsoft.com/office/drawing/2014/main" id="{B582B721-DB70-1915-B7F8-6B0EFE3EA7E4}"/>
                   </a:ext>
                 </a:extLst>
               </p:cNvPr>
-              <p:cNvCxnSpPr/>
+              <p:cNvCxnSpPr>
+                <a:cxnSpLocks/>
+              </p:cNvCxnSpPr>
               <p:nvPr/>
             </p:nvCxnSpPr>
             <p:spPr>
-              <a:xfrm>
-                <a:off x="7742315" y="1262883"/>
-                <a:ext cx="1005840" cy="0"/>
+              <a:xfrm flipH="1">
+                <a:off x="8051800" y="5694680"/>
+                <a:ext cx="446405" cy="553720"/>
               </a:xfrm>
-              <a:prstGeom prst="line">
+              <a:prstGeom prst="straightConnector1">
                 <a:avLst/>
               </a:prstGeom>
-              <a:ln w="76200">
+              <a:ln w="57150">
                 <a:solidFill>
-                  <a:srgbClr val="FFC000"/>
+                  <a:srgbClr val="C00000"/>
                 </a:solidFill>
+                <a:tailEnd type="triangle"/>
               </a:ln>
             </p:spPr>
             <p:style>
@@ -13430,102 +12433,33 @@
               </a:fontRef>
             </p:style>
           </p:cxnSp>
-          <p:sp>
-            <p:nvSpPr>
-              <p:cNvPr id="63" name="TextBox 62">
+          <p:cxnSp>
+            <p:nvCxnSpPr>
+              <p:cNvPr id="25" name="직선 화살표 연결선 24">
                 <a:extLst>
                   <a:ext uri="{FF2B5EF4-FFF2-40B4-BE49-F238E27FC236}">
-                    <a16:creationId xmlns:a16="http://schemas.microsoft.com/office/drawing/2014/main" id="{ED72EFC4-FB49-E900-3A4A-828382A7AE58}"/>
+                    <a16:creationId xmlns:a16="http://schemas.microsoft.com/office/drawing/2014/main" id="{1654C7C6-DC6C-B578-AE52-9CCDE0F7FD4C}"/>
                   </a:ext>
                 </a:extLst>
               </p:cNvPr>
-              <p:cNvSpPr txBox="1"/>
-              <p:nvPr/>
-            </p:nvSpPr>
-            <p:spPr>
-              <a:xfrm>
-                <a:off x="8753612" y="659646"/>
-                <a:ext cx="1108888" cy="369332"/>
-              </a:xfrm>
-              <a:prstGeom prst="rect">
-                <a:avLst/>
-              </a:prstGeom>
-              <a:noFill/>
-            </p:spPr>
-            <p:txBody>
-              <a:bodyPr wrap="square" rtlCol="0">
-                <a:spAutoFit/>
-              </a:bodyPr>
-              <a:lstStyle/>
-              <a:p>
-                <a:r>
-                  <a:rPr lang="en-US" altLang="ko-KR" dirty="0"/>
-                  <a:t>X-axis</a:t>
-                </a:r>
-                <a:endParaRPr lang="ko-KR" altLang="en-US" dirty="0"/>
-              </a:p>
-            </p:txBody>
-          </p:sp>
-          <p:sp>
-            <p:nvSpPr>
-              <p:cNvPr id="64" name="TextBox 63">
-                <a:extLst>
-                  <a:ext uri="{FF2B5EF4-FFF2-40B4-BE49-F238E27FC236}">
-                    <a16:creationId xmlns:a16="http://schemas.microsoft.com/office/drawing/2014/main" id="{B01B0329-6DE7-97A9-DF8B-60D337DCF373}"/>
-                  </a:ext>
-                </a:extLst>
-              </p:cNvPr>
-              <p:cNvSpPr txBox="1"/>
-              <p:nvPr/>
-            </p:nvSpPr>
-            <p:spPr>
-              <a:xfrm>
-                <a:off x="8753612" y="1078217"/>
-                <a:ext cx="1108888" cy="369332"/>
-              </a:xfrm>
-              <a:prstGeom prst="rect">
-                <a:avLst/>
-              </a:prstGeom>
-              <a:noFill/>
-            </p:spPr>
-            <p:txBody>
-              <a:bodyPr wrap="square" rtlCol="0">
-                <a:spAutoFit/>
-              </a:bodyPr>
-              <a:lstStyle/>
-              <a:p>
-                <a:r>
-                  <a:rPr lang="en-US" altLang="ko-KR" dirty="0"/>
-                  <a:t>Y-axis</a:t>
-                </a:r>
-                <a:endParaRPr lang="ko-KR" altLang="en-US" dirty="0"/>
-              </a:p>
-            </p:txBody>
-          </p:sp>
-          <p:cxnSp>
-            <p:nvCxnSpPr>
-              <p:cNvPr id="65" name="직선 연결선 64">
-                <a:extLst>
-                  <a:ext uri="{FF2B5EF4-FFF2-40B4-BE49-F238E27FC236}">
-                    <a16:creationId xmlns:a16="http://schemas.microsoft.com/office/drawing/2014/main" id="{ABD26226-62F3-600F-4F07-011B383F979A}"/>
-                  </a:ext>
-                </a:extLst>
-              </p:cNvPr>
-              <p:cNvCxnSpPr/>
+              <p:cNvCxnSpPr>
+                <a:cxnSpLocks/>
+              </p:cNvCxnSpPr>
               <p:nvPr/>
             </p:nvCxnSpPr>
             <p:spPr>
-              <a:xfrm>
-                <a:off x="7742315" y="1700417"/>
-                <a:ext cx="1005840" cy="0"/>
+              <a:xfrm flipV="1">
+                <a:off x="8488680" y="4871720"/>
+                <a:ext cx="0" cy="838200"/>
               </a:xfrm>
-              <a:prstGeom prst="line">
+              <a:prstGeom prst="straightConnector1">
                 <a:avLst/>
               </a:prstGeom>
-              <a:ln w="76200">
+              <a:ln w="57150">
                 <a:solidFill>
                   <a:srgbClr val="00B0F0"/>
                 </a:solidFill>
+                <a:tailEnd type="triangle"/>
               </a:ln>
             </p:spPr>
             <p:style>
@@ -13543,70 +12477,54 @@
               </a:fontRef>
             </p:style>
           </p:cxnSp>
-          <p:sp>
-            <p:nvSpPr>
-              <p:cNvPr id="66" name="TextBox 65">
+        </p:grpSp>
+        <p:grpSp>
+          <p:nvGrpSpPr>
+            <p:cNvPr id="35" name="그룹 34">
+              <a:extLst>
+                <a:ext uri="{FF2B5EF4-FFF2-40B4-BE49-F238E27FC236}">
+                  <a16:creationId xmlns:a16="http://schemas.microsoft.com/office/drawing/2014/main" id="{E4E9A991-D45B-D114-E941-11BF39E18D3E}"/>
+                </a:ext>
+              </a:extLst>
+            </p:cNvPr>
+            <p:cNvGrpSpPr/>
+            <p:nvPr/>
+          </p:nvGrpSpPr>
+          <p:grpSpPr>
+            <a:xfrm>
+              <a:off x="7641020" y="2804200"/>
+              <a:ext cx="1021791" cy="1381760"/>
+              <a:chOff x="7721601" y="4871720"/>
+              <a:chExt cx="1021791" cy="1381760"/>
+            </a:xfrm>
+          </p:grpSpPr>
+          <p:cxnSp>
+            <p:nvCxnSpPr>
+              <p:cNvPr id="36" name="직선 화살표 연결선 35">
                 <a:extLst>
                   <a:ext uri="{FF2B5EF4-FFF2-40B4-BE49-F238E27FC236}">
-                    <a16:creationId xmlns:a16="http://schemas.microsoft.com/office/drawing/2014/main" id="{5A004961-C85C-C20E-35B5-59496741FA3A}"/>
+                    <a16:creationId xmlns:a16="http://schemas.microsoft.com/office/drawing/2014/main" id="{FC3BF795-ED8B-120B-FC07-3FCDE973EADB}"/>
                   </a:ext>
                 </a:extLst>
               </p:cNvPr>
-              <p:cNvSpPr txBox="1"/>
+              <p:cNvCxnSpPr>
+                <a:cxnSpLocks/>
+              </p:cNvCxnSpPr>
               <p:nvPr/>
-            </p:nvSpPr>
+            </p:nvCxnSpPr>
             <p:spPr>
               <a:xfrm>
-                <a:off x="8753612" y="1515751"/>
-                <a:ext cx="1108888" cy="369332"/>
+                <a:off x="8498205" y="5687060"/>
+                <a:ext cx="245187" cy="566420"/>
               </a:xfrm>
-              <a:prstGeom prst="rect">
+              <a:prstGeom prst="straightConnector1">
                 <a:avLst/>
               </a:prstGeom>
-              <a:noFill/>
-            </p:spPr>
-            <p:txBody>
-              <a:bodyPr wrap="square" rtlCol="0">
-                <a:spAutoFit/>
-              </a:bodyPr>
-              <a:lstStyle/>
-              <a:p>
-                <a:r>
-                  <a:rPr lang="en-US" altLang="ko-KR" dirty="0"/>
-                  <a:t>Z-axis</a:t>
-                </a:r>
-                <a:endParaRPr lang="ko-KR" altLang="en-US" dirty="0"/>
-              </a:p>
-            </p:txBody>
-          </p:sp>
-          <p:sp>
-            <p:nvSpPr>
-              <p:cNvPr id="68" name="원호 67">
-                <a:extLst>
-                  <a:ext uri="{FF2B5EF4-FFF2-40B4-BE49-F238E27FC236}">
-                    <a16:creationId xmlns:a16="http://schemas.microsoft.com/office/drawing/2014/main" id="{0019BDD4-0B92-8E71-A52A-4AEFA4F6C6A1}"/>
-                  </a:ext>
-                </a:extLst>
-              </p:cNvPr>
-              <p:cNvSpPr/>
-              <p:nvPr/>
-            </p:nvSpPr>
-            <p:spPr>
-              <a:xfrm rot="13024760">
-                <a:off x="8095357" y="5196490"/>
-                <a:ext cx="935824" cy="934756"/>
-              </a:xfrm>
-              <a:prstGeom prst="arc">
-                <a:avLst>
-                  <a:gd name="adj1" fmla="val 16380057"/>
-                  <a:gd name="adj2" fmla="val 17974454"/>
-                </a:avLst>
-              </a:prstGeom>
-              <a:noFill/>
-              <a:ln w="38100">
+              <a:ln w="57150">
                 <a:solidFill>
-                  <a:schemeClr val="tx1"/>
+                  <a:srgbClr val="FFC000"/>
                 </a:solidFill>
+                <a:tailEnd type="triangle"/>
               </a:ln>
             </p:spPr>
             <p:style>
@@ -13623,43 +12541,34 @@
                 <a:schemeClr val="tx1"/>
               </a:fontRef>
             </p:style>
-            <p:txBody>
-              <a:bodyPr rtlCol="0" anchor="ctr"/>
-              <a:lstStyle/>
-              <a:p>
-                <a:pPr algn="ctr"/>
-                <a:endParaRPr lang="ko-KR" altLang="en-US"/>
-              </a:p>
-            </p:txBody>
-          </p:sp>
-          <p:sp>
-            <p:nvSpPr>
-              <p:cNvPr id="69" name="원호 68">
+          </p:cxnSp>
+          <p:cxnSp>
+            <p:nvCxnSpPr>
+              <p:cNvPr id="37" name="직선 화살표 연결선 36">
                 <a:extLst>
                   <a:ext uri="{FF2B5EF4-FFF2-40B4-BE49-F238E27FC236}">
-                    <a16:creationId xmlns:a16="http://schemas.microsoft.com/office/drawing/2014/main" id="{D48D102C-A344-C8E3-7D6A-E6804B06985E}"/>
+                    <a16:creationId xmlns:a16="http://schemas.microsoft.com/office/drawing/2014/main" id="{F25BA745-7068-68D0-FF04-7DD2A73F15E1}"/>
                   </a:ext>
                 </a:extLst>
               </p:cNvPr>
-              <p:cNvSpPr/>
+              <p:cNvCxnSpPr>
+                <a:cxnSpLocks/>
+              </p:cNvCxnSpPr>
               <p:nvPr/>
-            </p:nvSpPr>
+            </p:nvCxnSpPr>
             <p:spPr>
-              <a:xfrm rot="14978261">
-                <a:off x="7867450" y="3217572"/>
-                <a:ext cx="935824" cy="934756"/>
+              <a:xfrm flipH="1">
+                <a:off x="7721601" y="5694680"/>
+                <a:ext cx="776604" cy="274320"/>
               </a:xfrm>
-              <a:prstGeom prst="arc">
-                <a:avLst>
-                  <a:gd name="adj1" fmla="val 16380057"/>
-                  <a:gd name="adj2" fmla="val 19070715"/>
-                </a:avLst>
+              <a:prstGeom prst="straightConnector1">
+                <a:avLst/>
               </a:prstGeom>
-              <a:noFill/>
-              <a:ln w="38100">
+              <a:ln w="57150">
                 <a:solidFill>
-                  <a:schemeClr val="tx1"/>
+                  <a:srgbClr val="C00000"/>
                 </a:solidFill>
+                <a:tailEnd type="triangle"/>
               </a:ln>
             </p:spPr>
             <p:style>
@@ -13676,43 +12585,34 @@
                 <a:schemeClr val="tx1"/>
               </a:fontRef>
             </p:style>
-            <p:txBody>
-              <a:bodyPr rtlCol="0" anchor="ctr"/>
-              <a:lstStyle/>
-              <a:p>
-                <a:pPr algn="ctr"/>
-                <a:endParaRPr lang="ko-KR" altLang="en-US"/>
-              </a:p>
-            </p:txBody>
-          </p:sp>
-          <p:sp>
-            <p:nvSpPr>
-              <p:cNvPr id="70" name="원호 69">
+          </p:cxnSp>
+          <p:cxnSp>
+            <p:nvCxnSpPr>
+              <p:cNvPr id="38" name="직선 화살표 연결선 37">
                 <a:extLst>
                   <a:ext uri="{FF2B5EF4-FFF2-40B4-BE49-F238E27FC236}">
-                    <a16:creationId xmlns:a16="http://schemas.microsoft.com/office/drawing/2014/main" id="{93F0C489-A141-4A29-1DC3-6F1DA47011C4}"/>
+                    <a16:creationId xmlns:a16="http://schemas.microsoft.com/office/drawing/2014/main" id="{45966785-E85C-B458-53C1-ECBCD960EEF8}"/>
                   </a:ext>
                 </a:extLst>
               </p:cNvPr>
-              <p:cNvSpPr/>
+              <p:cNvCxnSpPr>
+                <a:cxnSpLocks/>
+              </p:cNvCxnSpPr>
               <p:nvPr/>
-            </p:nvSpPr>
+            </p:nvCxnSpPr>
             <p:spPr>
-              <a:xfrm rot="16200000">
-                <a:off x="5838559" y="2173118"/>
-                <a:ext cx="935824" cy="934756"/>
+              <a:xfrm flipV="1">
+                <a:off x="8488680" y="4871720"/>
+                <a:ext cx="0" cy="838200"/>
               </a:xfrm>
-              <a:prstGeom prst="arc">
-                <a:avLst>
-                  <a:gd name="adj1" fmla="val 16842856"/>
-                  <a:gd name="adj2" fmla="val 18284400"/>
-                </a:avLst>
+              <a:prstGeom prst="straightConnector1">
+                <a:avLst/>
               </a:prstGeom>
-              <a:noFill/>
-              <a:ln w="38100">
+              <a:ln w="57150">
                 <a:solidFill>
-                  <a:schemeClr val="tx1"/>
+                  <a:srgbClr val="00B0F0"/>
                 </a:solidFill>
+                <a:tailEnd type="triangle"/>
               </a:ln>
             </p:spPr>
             <p:style>
@@ -13729,16 +12629,1103 @@
                 <a:schemeClr val="tx1"/>
               </a:fontRef>
             </p:style>
-            <p:txBody>
-              <a:bodyPr rtlCol="0" anchor="ctr"/>
-              <a:lstStyle/>
-              <a:p>
-                <a:pPr algn="ctr"/>
-                <a:endParaRPr lang="ko-KR" altLang="en-US"/>
-              </a:p>
-            </p:txBody>
-          </p:sp>
+          </p:cxnSp>
         </p:grpSp>
+        <p:cxnSp>
+          <p:nvCxnSpPr>
+            <p:cNvPr id="7" name="직선 연결선 6">
+              <a:extLst>
+                <a:ext uri="{FF2B5EF4-FFF2-40B4-BE49-F238E27FC236}">
+                  <a16:creationId xmlns:a16="http://schemas.microsoft.com/office/drawing/2014/main" id="{68271EC7-1989-2C2A-4372-3F56F8679BED}"/>
+                </a:ext>
+              </a:extLst>
+            </p:cNvPr>
+            <p:cNvCxnSpPr>
+              <a:cxnSpLocks/>
+            </p:cNvCxnSpPr>
+            <p:nvPr/>
+          </p:nvCxnSpPr>
+          <p:spPr>
+            <a:xfrm flipH="1" flipV="1">
+              <a:off x="6395720" y="2758440"/>
+              <a:ext cx="2006600" cy="883920"/>
+            </a:xfrm>
+            <a:prstGeom prst="line">
+              <a:avLst/>
+            </a:prstGeom>
+            <a:ln w="57150">
+              <a:solidFill>
+                <a:schemeClr val="tx1"/>
+              </a:solidFill>
+            </a:ln>
+          </p:spPr>
+          <p:style>
+            <a:lnRef idx="1">
+              <a:schemeClr val="dk1"/>
+            </a:lnRef>
+            <a:fillRef idx="0">
+              <a:schemeClr val="dk1"/>
+            </a:fillRef>
+            <a:effectRef idx="0">
+              <a:schemeClr val="dk1"/>
+            </a:effectRef>
+            <a:fontRef idx="minor">
+              <a:schemeClr val="tx1"/>
+            </a:fontRef>
+          </p:style>
+        </p:cxnSp>
+        <p:sp>
+          <p:nvSpPr>
+            <p:cNvPr id="8" name="순서도: 자기 디스크 7">
+              <a:extLst>
+                <a:ext uri="{FF2B5EF4-FFF2-40B4-BE49-F238E27FC236}">
+                  <a16:creationId xmlns:a16="http://schemas.microsoft.com/office/drawing/2014/main" id="{3F9806EB-E584-6DCE-8FDD-C3F9BFE50022}"/>
+                </a:ext>
+              </a:extLst>
+            </p:cNvPr>
+            <p:cNvSpPr/>
+            <p:nvPr/>
+          </p:nvSpPr>
+          <p:spPr>
+            <a:xfrm rot="5400000">
+              <a:off x="5913120" y="2377440"/>
+              <a:ext cx="965200" cy="762000"/>
+            </a:xfrm>
+            <a:prstGeom prst="flowChartMagneticDisk">
+              <a:avLst/>
+            </a:prstGeom>
+            <a:solidFill>
+              <a:schemeClr val="bg1">
+                <a:lumMod val="65000"/>
+              </a:schemeClr>
+            </a:solidFill>
+            <a:ln>
+              <a:solidFill>
+                <a:schemeClr val="bg1">
+                  <a:lumMod val="50000"/>
+                </a:schemeClr>
+              </a:solidFill>
+            </a:ln>
+          </p:spPr>
+          <p:style>
+            <a:lnRef idx="2">
+              <a:schemeClr val="accent1">
+                <a:shade val="15000"/>
+              </a:schemeClr>
+            </a:lnRef>
+            <a:fillRef idx="1">
+              <a:schemeClr val="accent1"/>
+            </a:fillRef>
+            <a:effectRef idx="0">
+              <a:schemeClr val="accent1"/>
+            </a:effectRef>
+            <a:fontRef idx="minor">
+              <a:schemeClr val="lt1"/>
+            </a:fontRef>
+          </p:style>
+          <p:txBody>
+            <a:bodyPr rtlCol="0" anchor="ctr"/>
+            <a:lstStyle/>
+            <a:p>
+              <a:pPr algn="ctr"/>
+              <a:endParaRPr lang="ko-KR" altLang="en-US"/>
+            </a:p>
+          </p:txBody>
+        </p:sp>
+        <p:cxnSp>
+          <p:nvCxnSpPr>
+            <p:cNvPr id="9" name="직선 연결선 8">
+              <a:extLst>
+                <a:ext uri="{FF2B5EF4-FFF2-40B4-BE49-F238E27FC236}">
+                  <a16:creationId xmlns:a16="http://schemas.microsoft.com/office/drawing/2014/main" id="{126F548A-F3B1-DC74-D01C-2F17F639C7F5}"/>
+                </a:ext>
+              </a:extLst>
+            </p:cNvPr>
+            <p:cNvCxnSpPr>
+              <a:cxnSpLocks/>
+            </p:cNvCxnSpPr>
+            <p:nvPr/>
+          </p:nvCxnSpPr>
+          <p:spPr>
+            <a:xfrm>
+              <a:off x="4820920" y="1209040"/>
+              <a:ext cx="1488440" cy="1549400"/>
+            </a:xfrm>
+            <a:prstGeom prst="line">
+              <a:avLst/>
+            </a:prstGeom>
+            <a:ln w="57150">
+              <a:solidFill>
+                <a:schemeClr val="tx1"/>
+              </a:solidFill>
+            </a:ln>
+          </p:spPr>
+          <p:style>
+            <a:lnRef idx="1">
+              <a:schemeClr val="dk1"/>
+            </a:lnRef>
+            <a:fillRef idx="0">
+              <a:schemeClr val="dk1"/>
+            </a:fillRef>
+            <a:effectRef idx="0">
+              <a:schemeClr val="dk1"/>
+            </a:effectRef>
+            <a:fontRef idx="minor">
+              <a:schemeClr val="tx1"/>
+            </a:fontRef>
+          </p:style>
+        </p:cxnSp>
+        <p:cxnSp>
+          <p:nvCxnSpPr>
+            <p:cNvPr id="11" name="직선 연결선 10">
+              <a:extLst>
+                <a:ext uri="{FF2B5EF4-FFF2-40B4-BE49-F238E27FC236}">
+                  <a16:creationId xmlns:a16="http://schemas.microsoft.com/office/drawing/2014/main" id="{DCEA6A22-3635-BBAC-9FBB-B8806EE7721A}"/>
+                </a:ext>
+              </a:extLst>
+            </p:cNvPr>
+            <p:cNvCxnSpPr>
+              <a:cxnSpLocks/>
+            </p:cNvCxnSpPr>
+            <p:nvPr/>
+          </p:nvCxnSpPr>
+          <p:spPr>
+            <a:xfrm flipH="1" flipV="1">
+              <a:off x="4932680" y="2115820"/>
+              <a:ext cx="1376680" cy="642620"/>
+            </a:xfrm>
+            <a:prstGeom prst="line">
+              <a:avLst/>
+            </a:prstGeom>
+            <a:ln w="57150">
+              <a:solidFill>
+                <a:schemeClr val="tx1"/>
+              </a:solidFill>
+              <a:prstDash val="dash"/>
+            </a:ln>
+          </p:spPr>
+          <p:style>
+            <a:lnRef idx="1">
+              <a:schemeClr val="dk1"/>
+            </a:lnRef>
+            <a:fillRef idx="0">
+              <a:schemeClr val="dk1"/>
+            </a:fillRef>
+            <a:effectRef idx="0">
+              <a:schemeClr val="dk1"/>
+            </a:effectRef>
+            <a:fontRef idx="minor">
+              <a:schemeClr val="tx1"/>
+            </a:fontRef>
+          </p:style>
+        </p:cxnSp>
+        <p:sp>
+          <p:nvSpPr>
+            <p:cNvPr id="10" name="타원 9">
+              <a:extLst>
+                <a:ext uri="{FF2B5EF4-FFF2-40B4-BE49-F238E27FC236}">
+                  <a16:creationId xmlns:a16="http://schemas.microsoft.com/office/drawing/2014/main" id="{86170647-D6FE-8E8D-23E8-B02991A08FB6}"/>
+                </a:ext>
+              </a:extLst>
+            </p:cNvPr>
+            <p:cNvSpPr/>
+            <p:nvPr/>
+          </p:nvSpPr>
+          <p:spPr>
+            <a:xfrm>
+              <a:off x="4475480" y="881380"/>
+              <a:ext cx="690880" cy="655320"/>
+            </a:xfrm>
+            <a:prstGeom prst="ellipse">
+              <a:avLst/>
+            </a:prstGeom>
+            <a:solidFill>
+              <a:schemeClr val="bg1">
+                <a:lumMod val="65000"/>
+              </a:schemeClr>
+            </a:solidFill>
+            <a:ln>
+              <a:solidFill>
+                <a:schemeClr val="bg1">
+                  <a:lumMod val="50000"/>
+                </a:schemeClr>
+              </a:solidFill>
+            </a:ln>
+          </p:spPr>
+          <p:style>
+            <a:lnRef idx="2">
+              <a:schemeClr val="accent1">
+                <a:shade val="15000"/>
+              </a:schemeClr>
+            </a:lnRef>
+            <a:fillRef idx="1">
+              <a:schemeClr val="accent1"/>
+            </a:fillRef>
+            <a:effectRef idx="0">
+              <a:schemeClr val="accent1"/>
+            </a:effectRef>
+            <a:fontRef idx="minor">
+              <a:schemeClr val="lt1"/>
+            </a:fontRef>
+          </p:style>
+          <p:txBody>
+            <a:bodyPr rtlCol="0" anchor="ctr"/>
+            <a:lstStyle/>
+            <a:p>
+              <a:pPr algn="ctr"/>
+              <a:endParaRPr lang="ko-KR" altLang="en-US"/>
+            </a:p>
+          </p:txBody>
+        </p:sp>
+        <p:grpSp>
+          <p:nvGrpSpPr>
+            <p:cNvPr id="41" name="그룹 40">
+              <a:extLst>
+                <a:ext uri="{FF2B5EF4-FFF2-40B4-BE49-F238E27FC236}">
+                  <a16:creationId xmlns:a16="http://schemas.microsoft.com/office/drawing/2014/main" id="{392EAD4D-3D33-17B1-921A-555D9709FE9C}"/>
+                </a:ext>
+              </a:extLst>
+            </p:cNvPr>
+            <p:cNvGrpSpPr/>
+            <p:nvPr/>
+          </p:nvGrpSpPr>
+          <p:grpSpPr>
+            <a:xfrm>
+              <a:off x="7504430" y="2916555"/>
+              <a:ext cx="1151253" cy="739775"/>
+              <a:chOff x="7590791" y="4970145"/>
+              <a:chExt cx="1151253" cy="739775"/>
+            </a:xfrm>
+          </p:grpSpPr>
+          <p:cxnSp>
+            <p:nvCxnSpPr>
+              <p:cNvPr id="44" name="직선 화살표 연결선 43">
+                <a:extLst>
+                  <a:ext uri="{FF2B5EF4-FFF2-40B4-BE49-F238E27FC236}">
+                    <a16:creationId xmlns:a16="http://schemas.microsoft.com/office/drawing/2014/main" id="{BAC646B2-3317-6D88-991E-B52049D8526B}"/>
+                  </a:ext>
+                </a:extLst>
+              </p:cNvPr>
+              <p:cNvCxnSpPr>
+                <a:cxnSpLocks/>
+              </p:cNvCxnSpPr>
+              <p:nvPr/>
+            </p:nvCxnSpPr>
+            <p:spPr>
+              <a:xfrm flipH="1">
+                <a:off x="7590791" y="5709920"/>
+                <a:ext cx="897889" cy="0"/>
+              </a:xfrm>
+              <a:prstGeom prst="straightConnector1">
+                <a:avLst/>
+              </a:prstGeom>
+              <a:ln w="57150">
+                <a:solidFill>
+                  <a:srgbClr val="00B0F0"/>
+                </a:solidFill>
+                <a:tailEnd type="triangle"/>
+              </a:ln>
+            </p:spPr>
+            <p:style>
+              <a:lnRef idx="1">
+                <a:schemeClr val="accent1"/>
+              </a:lnRef>
+              <a:fillRef idx="0">
+                <a:schemeClr val="accent1"/>
+              </a:fillRef>
+              <a:effectRef idx="0">
+                <a:schemeClr val="accent1"/>
+              </a:effectRef>
+              <a:fontRef idx="minor">
+                <a:schemeClr val="tx1"/>
+              </a:fontRef>
+            </p:style>
+          </p:cxnSp>
+          <p:cxnSp>
+            <p:nvCxnSpPr>
+              <p:cNvPr id="42" name="직선 화살표 연결선 41">
+                <a:extLst>
+                  <a:ext uri="{FF2B5EF4-FFF2-40B4-BE49-F238E27FC236}">
+                    <a16:creationId xmlns:a16="http://schemas.microsoft.com/office/drawing/2014/main" id="{EAC6E16C-3CCB-E444-4EAB-A4C69CD758AB}"/>
+                  </a:ext>
+                </a:extLst>
+              </p:cNvPr>
+              <p:cNvCxnSpPr>
+                <a:cxnSpLocks/>
+              </p:cNvCxnSpPr>
+              <p:nvPr/>
+            </p:nvCxnSpPr>
+            <p:spPr>
+              <a:xfrm flipV="1">
+                <a:off x="8498205" y="4970145"/>
+                <a:ext cx="243839" cy="716915"/>
+              </a:xfrm>
+              <a:prstGeom prst="straightConnector1">
+                <a:avLst/>
+              </a:prstGeom>
+              <a:ln w="57150">
+                <a:solidFill>
+                  <a:srgbClr val="FFC000"/>
+                </a:solidFill>
+                <a:tailEnd type="triangle"/>
+              </a:ln>
+            </p:spPr>
+            <p:style>
+              <a:lnRef idx="1">
+                <a:schemeClr val="accent1"/>
+              </a:lnRef>
+              <a:fillRef idx="0">
+                <a:schemeClr val="accent1"/>
+              </a:fillRef>
+              <a:effectRef idx="0">
+                <a:schemeClr val="accent1"/>
+              </a:effectRef>
+              <a:fontRef idx="minor">
+                <a:schemeClr val="tx1"/>
+              </a:fontRef>
+            </p:style>
+          </p:cxnSp>
+          <p:cxnSp>
+            <p:nvCxnSpPr>
+              <p:cNvPr id="43" name="직선 화살표 연결선 42">
+                <a:extLst>
+                  <a:ext uri="{FF2B5EF4-FFF2-40B4-BE49-F238E27FC236}">
+                    <a16:creationId xmlns:a16="http://schemas.microsoft.com/office/drawing/2014/main" id="{32F90595-2B1D-23AE-6069-C6A2D944618A}"/>
+                  </a:ext>
+                </a:extLst>
+              </p:cNvPr>
+              <p:cNvCxnSpPr>
+                <a:cxnSpLocks/>
+              </p:cNvCxnSpPr>
+              <p:nvPr/>
+            </p:nvCxnSpPr>
+            <p:spPr>
+              <a:xfrm flipH="1" flipV="1">
+                <a:off x="7729220" y="5370830"/>
+                <a:ext cx="768985" cy="323850"/>
+              </a:xfrm>
+              <a:prstGeom prst="straightConnector1">
+                <a:avLst/>
+              </a:prstGeom>
+              <a:ln w="57150">
+                <a:solidFill>
+                  <a:srgbClr val="C00000"/>
+                </a:solidFill>
+                <a:tailEnd type="triangle"/>
+              </a:ln>
+            </p:spPr>
+            <p:style>
+              <a:lnRef idx="1">
+                <a:schemeClr val="accent1"/>
+              </a:lnRef>
+              <a:fillRef idx="0">
+                <a:schemeClr val="accent1"/>
+              </a:fillRef>
+              <a:effectRef idx="0">
+                <a:schemeClr val="accent1"/>
+              </a:effectRef>
+              <a:fontRef idx="minor">
+                <a:schemeClr val="tx1"/>
+              </a:fontRef>
+            </p:style>
+          </p:cxnSp>
+        </p:grpSp>
+        <p:grpSp>
+          <p:nvGrpSpPr>
+            <p:cNvPr id="51" name="그룹 50">
+              <a:extLst>
+                <a:ext uri="{FF2B5EF4-FFF2-40B4-BE49-F238E27FC236}">
+                  <a16:creationId xmlns:a16="http://schemas.microsoft.com/office/drawing/2014/main" id="{8A30349F-4FDC-518B-DFFF-8CF16C8A649F}"/>
+                </a:ext>
+              </a:extLst>
+            </p:cNvPr>
+            <p:cNvGrpSpPr/>
+            <p:nvPr/>
+          </p:nvGrpSpPr>
+          <p:grpSpPr>
+            <a:xfrm>
+              <a:off x="5395914" y="2115820"/>
+              <a:ext cx="1380806" cy="649605"/>
+              <a:chOff x="7590791" y="5060315"/>
+              <a:chExt cx="1380806" cy="649605"/>
+            </a:xfrm>
+          </p:grpSpPr>
+          <p:cxnSp>
+            <p:nvCxnSpPr>
+              <p:cNvPr id="54" name="직선 화살표 연결선 53">
+                <a:extLst>
+                  <a:ext uri="{FF2B5EF4-FFF2-40B4-BE49-F238E27FC236}">
+                    <a16:creationId xmlns:a16="http://schemas.microsoft.com/office/drawing/2014/main" id="{685A8D43-B744-6F10-A34A-606131433E4F}"/>
+                  </a:ext>
+                </a:extLst>
+              </p:cNvPr>
+              <p:cNvCxnSpPr>
+                <a:cxnSpLocks/>
+              </p:cNvCxnSpPr>
+              <p:nvPr/>
+            </p:nvCxnSpPr>
+            <p:spPr>
+              <a:xfrm flipH="1">
+                <a:off x="7590791" y="5709920"/>
+                <a:ext cx="897889" cy="0"/>
+              </a:xfrm>
+              <a:prstGeom prst="straightConnector1">
+                <a:avLst/>
+              </a:prstGeom>
+              <a:ln w="57150">
+                <a:solidFill>
+                  <a:srgbClr val="00B0F0"/>
+                </a:solidFill>
+                <a:tailEnd type="triangle"/>
+              </a:ln>
+            </p:spPr>
+            <p:style>
+              <a:lnRef idx="1">
+                <a:schemeClr val="accent1"/>
+              </a:lnRef>
+              <a:fillRef idx="0">
+                <a:schemeClr val="accent1"/>
+              </a:fillRef>
+              <a:effectRef idx="0">
+                <a:schemeClr val="accent1"/>
+              </a:effectRef>
+              <a:fontRef idx="minor">
+                <a:schemeClr val="tx1"/>
+              </a:fontRef>
+            </p:style>
+          </p:cxnSp>
+          <p:cxnSp>
+            <p:nvCxnSpPr>
+              <p:cNvPr id="52" name="직선 화살표 연결선 51">
+                <a:extLst>
+                  <a:ext uri="{FF2B5EF4-FFF2-40B4-BE49-F238E27FC236}">
+                    <a16:creationId xmlns:a16="http://schemas.microsoft.com/office/drawing/2014/main" id="{BEC13BFF-8D3C-2D6B-D53A-57D9DC6B1590}"/>
+                  </a:ext>
+                </a:extLst>
+              </p:cNvPr>
+              <p:cNvCxnSpPr>
+                <a:cxnSpLocks/>
+              </p:cNvCxnSpPr>
+              <p:nvPr/>
+            </p:nvCxnSpPr>
+            <p:spPr>
+              <a:xfrm flipV="1">
+                <a:off x="8498205" y="5103178"/>
+                <a:ext cx="473392" cy="583882"/>
+              </a:xfrm>
+              <a:prstGeom prst="straightConnector1">
+                <a:avLst/>
+              </a:prstGeom>
+              <a:ln w="57150">
+                <a:solidFill>
+                  <a:srgbClr val="FFC000"/>
+                </a:solidFill>
+                <a:tailEnd type="triangle"/>
+              </a:ln>
+            </p:spPr>
+            <p:style>
+              <a:lnRef idx="1">
+                <a:schemeClr val="accent1"/>
+              </a:lnRef>
+              <a:fillRef idx="0">
+                <a:schemeClr val="accent1"/>
+              </a:fillRef>
+              <a:effectRef idx="0">
+                <a:schemeClr val="accent1"/>
+              </a:effectRef>
+              <a:fontRef idx="minor">
+                <a:schemeClr val="tx1"/>
+              </a:fontRef>
+            </p:style>
+          </p:cxnSp>
+          <p:cxnSp>
+            <p:nvCxnSpPr>
+              <p:cNvPr id="53" name="직선 화살표 연결선 52">
+                <a:extLst>
+                  <a:ext uri="{FF2B5EF4-FFF2-40B4-BE49-F238E27FC236}">
+                    <a16:creationId xmlns:a16="http://schemas.microsoft.com/office/drawing/2014/main" id="{A802453C-0DE3-9489-5C42-9CBAAE44C6BF}"/>
+                  </a:ext>
+                </a:extLst>
+              </p:cNvPr>
+              <p:cNvCxnSpPr>
+                <a:cxnSpLocks/>
+              </p:cNvCxnSpPr>
+              <p:nvPr/>
+            </p:nvCxnSpPr>
+            <p:spPr>
+              <a:xfrm flipH="1" flipV="1">
+                <a:off x="7902257" y="5060315"/>
+                <a:ext cx="595948" cy="634365"/>
+              </a:xfrm>
+              <a:prstGeom prst="straightConnector1">
+                <a:avLst/>
+              </a:prstGeom>
+              <a:ln w="57150">
+                <a:solidFill>
+                  <a:srgbClr val="C00000"/>
+                </a:solidFill>
+                <a:tailEnd type="triangle"/>
+              </a:ln>
+            </p:spPr>
+            <p:style>
+              <a:lnRef idx="1">
+                <a:schemeClr val="accent1"/>
+              </a:lnRef>
+              <a:fillRef idx="0">
+                <a:schemeClr val="accent1"/>
+              </a:fillRef>
+              <a:effectRef idx="0">
+                <a:schemeClr val="accent1"/>
+              </a:effectRef>
+              <a:fontRef idx="minor">
+                <a:schemeClr val="tx1"/>
+              </a:fontRef>
+            </p:style>
+          </p:cxnSp>
+        </p:grpSp>
+        <p:grpSp>
+          <p:nvGrpSpPr>
+            <p:cNvPr id="57" name="그룹 56">
+              <a:extLst>
+                <a:ext uri="{FF2B5EF4-FFF2-40B4-BE49-F238E27FC236}">
+                  <a16:creationId xmlns:a16="http://schemas.microsoft.com/office/drawing/2014/main" id="{38587C2A-E1FC-6C15-5A94-800D7D4DB17A}"/>
+                </a:ext>
+              </a:extLst>
+            </p:cNvPr>
+            <p:cNvGrpSpPr/>
+            <p:nvPr/>
+          </p:nvGrpSpPr>
+          <p:grpSpPr>
+            <a:xfrm>
+              <a:off x="3894774" y="565785"/>
+              <a:ext cx="1380806" cy="649605"/>
+              <a:chOff x="7590791" y="5060315"/>
+              <a:chExt cx="1380806" cy="649605"/>
+            </a:xfrm>
+          </p:grpSpPr>
+          <p:cxnSp>
+            <p:nvCxnSpPr>
+              <p:cNvPr id="58" name="직선 화살표 연결선 57">
+                <a:extLst>
+                  <a:ext uri="{FF2B5EF4-FFF2-40B4-BE49-F238E27FC236}">
+                    <a16:creationId xmlns:a16="http://schemas.microsoft.com/office/drawing/2014/main" id="{51CC48FA-1A2F-FA15-CB38-8D16273C711B}"/>
+                  </a:ext>
+                </a:extLst>
+              </p:cNvPr>
+              <p:cNvCxnSpPr>
+                <a:cxnSpLocks/>
+              </p:cNvCxnSpPr>
+              <p:nvPr/>
+            </p:nvCxnSpPr>
+            <p:spPr>
+              <a:xfrm flipH="1">
+                <a:off x="7590791" y="5709920"/>
+                <a:ext cx="897889" cy="0"/>
+              </a:xfrm>
+              <a:prstGeom prst="straightConnector1">
+                <a:avLst/>
+              </a:prstGeom>
+              <a:ln w="57150">
+                <a:solidFill>
+                  <a:srgbClr val="00B0F0"/>
+                </a:solidFill>
+                <a:tailEnd type="triangle"/>
+              </a:ln>
+            </p:spPr>
+            <p:style>
+              <a:lnRef idx="1">
+                <a:schemeClr val="accent1"/>
+              </a:lnRef>
+              <a:fillRef idx="0">
+                <a:schemeClr val="accent1"/>
+              </a:fillRef>
+              <a:effectRef idx="0">
+                <a:schemeClr val="accent1"/>
+              </a:effectRef>
+              <a:fontRef idx="minor">
+                <a:schemeClr val="tx1"/>
+              </a:fontRef>
+            </p:style>
+          </p:cxnSp>
+          <p:cxnSp>
+            <p:nvCxnSpPr>
+              <p:cNvPr id="59" name="직선 화살표 연결선 58">
+                <a:extLst>
+                  <a:ext uri="{FF2B5EF4-FFF2-40B4-BE49-F238E27FC236}">
+                    <a16:creationId xmlns:a16="http://schemas.microsoft.com/office/drawing/2014/main" id="{0D5CCA7F-988E-F9A1-5B63-6D3AA7C85B99}"/>
+                  </a:ext>
+                </a:extLst>
+              </p:cNvPr>
+              <p:cNvCxnSpPr>
+                <a:cxnSpLocks/>
+              </p:cNvCxnSpPr>
+              <p:nvPr/>
+            </p:nvCxnSpPr>
+            <p:spPr>
+              <a:xfrm flipV="1">
+                <a:off x="8498205" y="5103178"/>
+                <a:ext cx="473392" cy="583882"/>
+              </a:xfrm>
+              <a:prstGeom prst="straightConnector1">
+                <a:avLst/>
+              </a:prstGeom>
+              <a:ln w="57150">
+                <a:solidFill>
+                  <a:srgbClr val="FFC000"/>
+                </a:solidFill>
+                <a:tailEnd type="triangle"/>
+              </a:ln>
+            </p:spPr>
+            <p:style>
+              <a:lnRef idx="1">
+                <a:schemeClr val="accent1"/>
+              </a:lnRef>
+              <a:fillRef idx="0">
+                <a:schemeClr val="accent1"/>
+              </a:fillRef>
+              <a:effectRef idx="0">
+                <a:schemeClr val="accent1"/>
+              </a:effectRef>
+              <a:fontRef idx="minor">
+                <a:schemeClr val="tx1"/>
+              </a:fontRef>
+            </p:style>
+          </p:cxnSp>
+          <p:cxnSp>
+            <p:nvCxnSpPr>
+              <p:cNvPr id="60" name="직선 화살표 연결선 59">
+                <a:extLst>
+                  <a:ext uri="{FF2B5EF4-FFF2-40B4-BE49-F238E27FC236}">
+                    <a16:creationId xmlns:a16="http://schemas.microsoft.com/office/drawing/2014/main" id="{E55E99E6-6D08-671A-8DD5-0024CD001E6C}"/>
+                  </a:ext>
+                </a:extLst>
+              </p:cNvPr>
+              <p:cNvCxnSpPr>
+                <a:cxnSpLocks/>
+              </p:cNvCxnSpPr>
+              <p:nvPr/>
+            </p:nvCxnSpPr>
+            <p:spPr>
+              <a:xfrm flipH="1" flipV="1">
+                <a:off x="7902257" y="5060315"/>
+                <a:ext cx="595948" cy="634365"/>
+              </a:xfrm>
+              <a:prstGeom prst="straightConnector1">
+                <a:avLst/>
+              </a:prstGeom>
+              <a:ln w="57150">
+                <a:solidFill>
+                  <a:srgbClr val="C00000"/>
+                </a:solidFill>
+                <a:tailEnd type="triangle"/>
+              </a:ln>
+            </p:spPr>
+            <p:style>
+              <a:lnRef idx="1">
+                <a:schemeClr val="accent1"/>
+              </a:lnRef>
+              <a:fillRef idx="0">
+                <a:schemeClr val="accent1"/>
+              </a:fillRef>
+              <a:effectRef idx="0">
+                <a:schemeClr val="accent1"/>
+              </a:effectRef>
+              <a:fontRef idx="minor">
+                <a:schemeClr val="tx1"/>
+              </a:fontRef>
+            </p:style>
+          </p:cxnSp>
+        </p:grpSp>
+        <p:cxnSp>
+          <p:nvCxnSpPr>
+            <p:cNvPr id="61" name="직선 연결선 60">
+              <a:extLst>
+                <a:ext uri="{FF2B5EF4-FFF2-40B4-BE49-F238E27FC236}">
+                  <a16:creationId xmlns:a16="http://schemas.microsoft.com/office/drawing/2014/main" id="{736C0911-4023-FC1C-5C3F-50DFAC8439CF}"/>
+                </a:ext>
+              </a:extLst>
+            </p:cNvPr>
+            <p:cNvCxnSpPr/>
+            <p:nvPr/>
+          </p:nvCxnSpPr>
+          <p:spPr>
+            <a:xfrm>
+              <a:off x="7742315" y="846323"/>
+              <a:ext cx="1005840" cy="0"/>
+            </a:xfrm>
+            <a:prstGeom prst="line">
+              <a:avLst/>
+            </a:prstGeom>
+            <a:ln w="76200">
+              <a:solidFill>
+                <a:srgbClr val="C00000"/>
+              </a:solidFill>
+            </a:ln>
+          </p:spPr>
+          <p:style>
+            <a:lnRef idx="1">
+              <a:schemeClr val="accent1"/>
+            </a:lnRef>
+            <a:fillRef idx="0">
+              <a:schemeClr val="accent1"/>
+            </a:fillRef>
+            <a:effectRef idx="0">
+              <a:schemeClr val="accent1"/>
+            </a:effectRef>
+            <a:fontRef idx="minor">
+              <a:schemeClr val="tx1"/>
+            </a:fontRef>
+          </p:style>
+        </p:cxnSp>
+        <p:cxnSp>
+          <p:nvCxnSpPr>
+            <p:cNvPr id="62" name="직선 연결선 61">
+              <a:extLst>
+                <a:ext uri="{FF2B5EF4-FFF2-40B4-BE49-F238E27FC236}">
+                  <a16:creationId xmlns:a16="http://schemas.microsoft.com/office/drawing/2014/main" id="{46002FD7-EC37-89A6-ED1D-2CDF9F3086E9}"/>
+                </a:ext>
+              </a:extLst>
+            </p:cNvPr>
+            <p:cNvCxnSpPr/>
+            <p:nvPr/>
+          </p:nvCxnSpPr>
+          <p:spPr>
+            <a:xfrm>
+              <a:off x="7742315" y="1262883"/>
+              <a:ext cx="1005840" cy="0"/>
+            </a:xfrm>
+            <a:prstGeom prst="line">
+              <a:avLst/>
+            </a:prstGeom>
+            <a:ln w="76200">
+              <a:solidFill>
+                <a:srgbClr val="FFC000"/>
+              </a:solidFill>
+            </a:ln>
+          </p:spPr>
+          <p:style>
+            <a:lnRef idx="1">
+              <a:schemeClr val="accent1"/>
+            </a:lnRef>
+            <a:fillRef idx="0">
+              <a:schemeClr val="accent1"/>
+            </a:fillRef>
+            <a:effectRef idx="0">
+              <a:schemeClr val="accent1"/>
+            </a:effectRef>
+            <a:fontRef idx="minor">
+              <a:schemeClr val="tx1"/>
+            </a:fontRef>
+          </p:style>
+        </p:cxnSp>
+        <p:sp>
+          <p:nvSpPr>
+            <p:cNvPr id="63" name="TextBox 62">
+              <a:extLst>
+                <a:ext uri="{FF2B5EF4-FFF2-40B4-BE49-F238E27FC236}">
+                  <a16:creationId xmlns:a16="http://schemas.microsoft.com/office/drawing/2014/main" id="{ED72EFC4-FB49-E900-3A4A-828382A7AE58}"/>
+                </a:ext>
+              </a:extLst>
+            </p:cNvPr>
+            <p:cNvSpPr txBox="1"/>
+            <p:nvPr/>
+          </p:nvSpPr>
+          <p:spPr>
+            <a:xfrm>
+              <a:off x="8753612" y="659646"/>
+              <a:ext cx="1108888" cy="369332"/>
+            </a:xfrm>
+            <a:prstGeom prst="rect">
+              <a:avLst/>
+            </a:prstGeom>
+            <a:noFill/>
+          </p:spPr>
+          <p:txBody>
+            <a:bodyPr wrap="square" rtlCol="0">
+              <a:spAutoFit/>
+            </a:bodyPr>
+            <a:lstStyle/>
+            <a:p>
+              <a:r>
+                <a:rPr lang="en-US" altLang="ko-KR" dirty="0"/>
+                <a:t>X-axis</a:t>
+              </a:r>
+              <a:endParaRPr lang="ko-KR" altLang="en-US" dirty="0"/>
+            </a:p>
+          </p:txBody>
+        </p:sp>
+        <p:sp>
+          <p:nvSpPr>
+            <p:cNvPr id="64" name="TextBox 63">
+              <a:extLst>
+                <a:ext uri="{FF2B5EF4-FFF2-40B4-BE49-F238E27FC236}">
+                  <a16:creationId xmlns:a16="http://schemas.microsoft.com/office/drawing/2014/main" id="{B01B0329-6DE7-97A9-DF8B-60D337DCF373}"/>
+                </a:ext>
+              </a:extLst>
+            </p:cNvPr>
+            <p:cNvSpPr txBox="1"/>
+            <p:nvPr/>
+          </p:nvSpPr>
+          <p:spPr>
+            <a:xfrm>
+              <a:off x="8753612" y="1078217"/>
+              <a:ext cx="1108888" cy="369332"/>
+            </a:xfrm>
+            <a:prstGeom prst="rect">
+              <a:avLst/>
+            </a:prstGeom>
+            <a:noFill/>
+          </p:spPr>
+          <p:txBody>
+            <a:bodyPr wrap="square" rtlCol="0">
+              <a:spAutoFit/>
+            </a:bodyPr>
+            <a:lstStyle/>
+            <a:p>
+              <a:r>
+                <a:rPr lang="en-US" altLang="ko-KR" dirty="0"/>
+                <a:t>Y-axis</a:t>
+              </a:r>
+              <a:endParaRPr lang="ko-KR" altLang="en-US" dirty="0"/>
+            </a:p>
+          </p:txBody>
+        </p:sp>
+        <p:cxnSp>
+          <p:nvCxnSpPr>
+            <p:cNvPr id="65" name="직선 연결선 64">
+              <a:extLst>
+                <a:ext uri="{FF2B5EF4-FFF2-40B4-BE49-F238E27FC236}">
+                  <a16:creationId xmlns:a16="http://schemas.microsoft.com/office/drawing/2014/main" id="{ABD26226-62F3-600F-4F07-011B383F979A}"/>
+                </a:ext>
+              </a:extLst>
+            </p:cNvPr>
+            <p:cNvCxnSpPr/>
+            <p:nvPr/>
+          </p:nvCxnSpPr>
+          <p:spPr>
+            <a:xfrm>
+              <a:off x="7742315" y="1700417"/>
+              <a:ext cx="1005840" cy="0"/>
+            </a:xfrm>
+            <a:prstGeom prst="line">
+              <a:avLst/>
+            </a:prstGeom>
+            <a:ln w="76200">
+              <a:solidFill>
+                <a:srgbClr val="00B0F0"/>
+              </a:solidFill>
+            </a:ln>
+          </p:spPr>
+          <p:style>
+            <a:lnRef idx="1">
+              <a:schemeClr val="accent1"/>
+            </a:lnRef>
+            <a:fillRef idx="0">
+              <a:schemeClr val="accent1"/>
+            </a:fillRef>
+            <a:effectRef idx="0">
+              <a:schemeClr val="accent1"/>
+            </a:effectRef>
+            <a:fontRef idx="minor">
+              <a:schemeClr val="tx1"/>
+            </a:fontRef>
+          </p:style>
+        </p:cxnSp>
+        <p:sp>
+          <p:nvSpPr>
+            <p:cNvPr id="66" name="TextBox 65">
+              <a:extLst>
+                <a:ext uri="{FF2B5EF4-FFF2-40B4-BE49-F238E27FC236}">
+                  <a16:creationId xmlns:a16="http://schemas.microsoft.com/office/drawing/2014/main" id="{5A004961-C85C-C20E-35B5-59496741FA3A}"/>
+                </a:ext>
+              </a:extLst>
+            </p:cNvPr>
+            <p:cNvSpPr txBox="1"/>
+            <p:nvPr/>
+          </p:nvSpPr>
+          <p:spPr>
+            <a:xfrm>
+              <a:off x="8753612" y="1515751"/>
+              <a:ext cx="1108888" cy="369332"/>
+            </a:xfrm>
+            <a:prstGeom prst="rect">
+              <a:avLst/>
+            </a:prstGeom>
+            <a:noFill/>
+          </p:spPr>
+          <p:txBody>
+            <a:bodyPr wrap="square" rtlCol="0">
+              <a:spAutoFit/>
+            </a:bodyPr>
+            <a:lstStyle/>
+            <a:p>
+              <a:r>
+                <a:rPr lang="en-US" altLang="ko-KR" dirty="0"/>
+                <a:t>Z-axis</a:t>
+              </a:r>
+              <a:endParaRPr lang="ko-KR" altLang="en-US" dirty="0"/>
+            </a:p>
+          </p:txBody>
+        </p:sp>
+        <p:sp>
+          <p:nvSpPr>
+            <p:cNvPr id="68" name="원호 67">
+              <a:extLst>
+                <a:ext uri="{FF2B5EF4-FFF2-40B4-BE49-F238E27FC236}">
+                  <a16:creationId xmlns:a16="http://schemas.microsoft.com/office/drawing/2014/main" id="{0019BDD4-0B92-8E71-A52A-4AEFA4F6C6A1}"/>
+                </a:ext>
+              </a:extLst>
+            </p:cNvPr>
+            <p:cNvSpPr/>
+            <p:nvPr/>
+          </p:nvSpPr>
+          <p:spPr>
+            <a:xfrm rot="13024760">
+              <a:off x="8095357" y="5196490"/>
+              <a:ext cx="935824" cy="934756"/>
+            </a:xfrm>
+            <a:prstGeom prst="arc">
+              <a:avLst>
+                <a:gd name="adj1" fmla="val 16380057"/>
+                <a:gd name="adj2" fmla="val 17974454"/>
+              </a:avLst>
+            </a:prstGeom>
+            <a:noFill/>
+            <a:ln w="38100">
+              <a:solidFill>
+                <a:schemeClr val="tx1"/>
+              </a:solidFill>
+            </a:ln>
+          </p:spPr>
+          <p:style>
+            <a:lnRef idx="1">
+              <a:schemeClr val="accent1"/>
+            </a:lnRef>
+            <a:fillRef idx="0">
+              <a:schemeClr val="accent1"/>
+            </a:fillRef>
+            <a:effectRef idx="0">
+              <a:schemeClr val="accent1"/>
+            </a:effectRef>
+            <a:fontRef idx="minor">
+              <a:schemeClr val="tx1"/>
+            </a:fontRef>
+          </p:style>
+          <p:txBody>
+            <a:bodyPr rtlCol="0" anchor="ctr"/>
+            <a:lstStyle/>
+            <a:p>
+              <a:pPr algn="ctr"/>
+              <a:endParaRPr lang="ko-KR" altLang="en-US"/>
+            </a:p>
+          </p:txBody>
+        </p:sp>
+        <p:sp>
+          <p:nvSpPr>
+            <p:cNvPr id="69" name="원호 68">
+              <a:extLst>
+                <a:ext uri="{FF2B5EF4-FFF2-40B4-BE49-F238E27FC236}">
+                  <a16:creationId xmlns:a16="http://schemas.microsoft.com/office/drawing/2014/main" id="{D48D102C-A344-C8E3-7D6A-E6804B06985E}"/>
+                </a:ext>
+              </a:extLst>
+            </p:cNvPr>
+            <p:cNvSpPr/>
+            <p:nvPr/>
+          </p:nvSpPr>
+          <p:spPr>
+            <a:xfrm rot="14978261">
+              <a:off x="7867450" y="3217572"/>
+              <a:ext cx="935824" cy="934756"/>
+            </a:xfrm>
+            <a:prstGeom prst="arc">
+              <a:avLst>
+                <a:gd name="adj1" fmla="val 16380057"/>
+                <a:gd name="adj2" fmla="val 19070715"/>
+              </a:avLst>
+            </a:prstGeom>
+            <a:noFill/>
+            <a:ln w="38100">
+              <a:solidFill>
+                <a:schemeClr val="tx1"/>
+              </a:solidFill>
+            </a:ln>
+          </p:spPr>
+          <p:style>
+            <a:lnRef idx="1">
+              <a:schemeClr val="accent1"/>
+            </a:lnRef>
+            <a:fillRef idx="0">
+              <a:schemeClr val="accent1"/>
+            </a:fillRef>
+            <a:effectRef idx="0">
+              <a:schemeClr val="accent1"/>
+            </a:effectRef>
+            <a:fontRef idx="minor">
+              <a:schemeClr val="tx1"/>
+            </a:fontRef>
+          </p:style>
+          <p:txBody>
+            <a:bodyPr rtlCol="0" anchor="ctr"/>
+            <a:lstStyle/>
+            <a:p>
+              <a:pPr algn="ctr"/>
+              <a:endParaRPr lang="ko-KR" altLang="en-US"/>
+            </a:p>
+          </p:txBody>
+        </p:sp>
+        <p:sp>
+          <p:nvSpPr>
+            <p:cNvPr id="70" name="원호 69">
+              <a:extLst>
+                <a:ext uri="{FF2B5EF4-FFF2-40B4-BE49-F238E27FC236}">
+                  <a16:creationId xmlns:a16="http://schemas.microsoft.com/office/drawing/2014/main" id="{93F0C489-A141-4A29-1DC3-6F1DA47011C4}"/>
+                </a:ext>
+              </a:extLst>
+            </p:cNvPr>
+            <p:cNvSpPr/>
+            <p:nvPr/>
+          </p:nvSpPr>
+          <p:spPr>
+            <a:xfrm rot="16200000">
+              <a:off x="5838559" y="2173118"/>
+              <a:ext cx="935824" cy="934756"/>
+            </a:xfrm>
+            <a:prstGeom prst="arc">
+              <a:avLst>
+                <a:gd name="adj1" fmla="val 16842856"/>
+                <a:gd name="adj2" fmla="val 18284400"/>
+              </a:avLst>
+            </a:prstGeom>
+            <a:noFill/>
+            <a:ln w="38100">
+              <a:solidFill>
+                <a:schemeClr val="tx1"/>
+              </a:solidFill>
+            </a:ln>
+          </p:spPr>
+          <p:style>
+            <a:lnRef idx="1">
+              <a:schemeClr val="accent1"/>
+            </a:lnRef>
+            <a:fillRef idx="0">
+              <a:schemeClr val="accent1"/>
+            </a:fillRef>
+            <a:effectRef idx="0">
+              <a:schemeClr val="accent1"/>
+            </a:effectRef>
+            <a:fontRef idx="minor">
+              <a:schemeClr val="tx1"/>
+            </a:fontRef>
+          </p:style>
+          <p:txBody>
+            <a:bodyPr rtlCol="0" anchor="ctr"/>
+            <a:lstStyle/>
+            <a:p>
+              <a:pPr algn="ctr"/>
+              <a:endParaRPr lang="ko-KR" altLang="en-US"/>
+            </a:p>
+          </p:txBody>
+        </p:sp>
         <mc:AlternateContent xmlns:mc="http://schemas.openxmlformats.org/markup-compatibility/2006">
           <mc:Choice xmlns:a14="http://schemas.microsoft.com/office/drawing/2010/main" Requires="a14">
             <p:sp>
@@ -13769,6 +13756,7 @@
                 </a:bodyPr>
                 <a:lstStyle/>
                 <a:p>
+                  <a:pPr/>
                   <a14:m>
                     <m:oMathPara xmlns:m="http://schemas.openxmlformats.org/officeDocument/2006/math">
                       <m:oMathParaPr>
@@ -13863,7 +13851,7 @@
               </p:nvSpPr>
               <p:spPr>
                 <a:xfrm>
-                  <a:off x="8454044" y="5752346"/>
+                  <a:off x="7607766" y="3819361"/>
                   <a:ext cx="662474" cy="369332"/>
                 </a:xfrm>
                 <a:prstGeom prst="rect">
@@ -13877,6 +13865,7 @@
                 </a:bodyPr>
                 <a:lstStyle/>
                 <a:p>
+                  <a:pPr/>
                   <a14:m>
                     <m:oMathPara xmlns:m="http://schemas.openxmlformats.org/officeDocument/2006/math">
                       <m:oMathParaPr>
@@ -13927,7 +13916,7 @@
               </p:nvSpPr>
               <p:spPr>
                 <a:xfrm>
-                  <a:off x="8454044" y="5752346"/>
+                  <a:off x="7607766" y="3819361"/>
                   <a:ext cx="662474" cy="369332"/>
                 </a:xfrm>
                 <a:prstGeom prst="rect">
@@ -13971,7 +13960,7 @@
               </p:nvSpPr>
               <p:spPr>
                 <a:xfrm>
-                  <a:off x="8294324" y="3340338"/>
+                  <a:off x="7671458" y="3067489"/>
                   <a:ext cx="662474" cy="369332"/>
                 </a:xfrm>
                 <a:prstGeom prst="rect">
@@ -13985,6 +13974,7 @@
                 </a:bodyPr>
                 <a:lstStyle/>
                 <a:p>
+                  <a:pPr/>
                   <a14:m>
                     <m:oMathPara xmlns:m="http://schemas.openxmlformats.org/officeDocument/2006/math">
                       <m:oMathParaPr>
@@ -14035,7 +14025,7 @@
               </p:nvSpPr>
               <p:spPr>
                 <a:xfrm>
-                  <a:off x="8294324" y="3340338"/>
+                  <a:off x="7671458" y="3067489"/>
                   <a:ext cx="662474" cy="369332"/>
                 </a:xfrm>
                 <a:prstGeom prst="rect">
@@ -14093,6 +14083,7 @@
                 </a:bodyPr>
                 <a:lstStyle/>
                 <a:p>
+                  <a:pPr/>
                   <a14:m>
                     <m:oMathPara xmlns:m="http://schemas.openxmlformats.org/officeDocument/2006/math">
                       <m:oMathParaPr>
@@ -14201,6 +14192,7 @@
                 </a:bodyPr>
                 <a:lstStyle/>
                 <a:p>
+                  <a:pPr/>
                   <a14:m>
                     <m:oMathPara xmlns:m="http://schemas.openxmlformats.org/officeDocument/2006/math">
                       <m:oMathParaPr>
@@ -14309,6 +14301,7 @@
                 </a:bodyPr>
                 <a:lstStyle/>
                 <a:p>
+                  <a:pPr/>
                   <a14:m>
                     <m:oMathPara xmlns:m="http://schemas.openxmlformats.org/officeDocument/2006/math">
                       <m:oMathParaPr>
@@ -14423,6 +14416,7 @@
                 </a:bodyPr>
                 <a:lstStyle/>
                 <a:p>
+                  <a:pPr/>
                   <a14:m>
                     <m:oMathPara xmlns:m="http://schemas.openxmlformats.org/officeDocument/2006/math">
                       <m:oMathParaPr>
@@ -14537,6 +14531,7 @@
                 </a:bodyPr>
                 <a:lstStyle/>
                 <a:p>
+                  <a:pPr/>
                   <a14:m>
                     <m:oMathPara xmlns:m="http://schemas.openxmlformats.org/officeDocument/2006/math">
                       <m:oMathParaPr>
@@ -16384,8 +16379,8 @@
             </p:style>
           </p:cxnSp>
         </p:grpSp>
-        <mc:AlternateContent xmlns:mc="http://schemas.openxmlformats.org/markup-compatibility/2006">
-          <mc:Choice xmlns:a14="http://schemas.microsoft.com/office/drawing/2010/main" Requires="a14">
+        <mc:AlternateContent xmlns:mc="http://schemas.openxmlformats.org/markup-compatibility/2006" xmlns:a14="http://schemas.microsoft.com/office/drawing/2010/main">
+          <mc:Choice Requires="a14">
             <p:sp>
               <p:nvSpPr>
                 <p:cNvPr id="40" name="TextBox 39">
@@ -16414,6 +16409,7 @@
                 </a:bodyPr>
                 <a:lstStyle/>
                 <a:p>
+                  <a:pPr/>
                   <a14:m>
                     <m:oMathPara xmlns:m="http://schemas.openxmlformats.org/officeDocument/2006/math">
                       <m:oMathParaPr>
@@ -16447,7 +16443,7 @@
               </p:txBody>
             </p:sp>
           </mc:Choice>
-          <mc:Fallback>
+          <mc:Fallback xmlns="">
             <p:sp>
               <p:nvSpPr>
                 <p:cNvPr id="40" name="TextBox 39">
@@ -16492,8 +16488,8 @@
             </p:sp>
           </mc:Fallback>
         </mc:AlternateContent>
-        <mc:AlternateContent xmlns:mc="http://schemas.openxmlformats.org/markup-compatibility/2006">
-          <mc:Choice xmlns:a14="http://schemas.microsoft.com/office/drawing/2010/main" Requires="a14">
+        <mc:AlternateContent xmlns:mc="http://schemas.openxmlformats.org/markup-compatibility/2006" xmlns:a14="http://schemas.microsoft.com/office/drawing/2010/main">
+          <mc:Choice Requires="a14">
             <p:sp>
               <p:nvSpPr>
                 <p:cNvPr id="41" name="TextBox 40">
@@ -16522,6 +16518,7 @@
                 </a:bodyPr>
                 <a:lstStyle/>
                 <a:p>
+                  <a:pPr/>
                   <a14:m>
                     <m:oMathPara xmlns:m="http://schemas.openxmlformats.org/officeDocument/2006/math">
                       <m:oMathParaPr>
@@ -16555,7 +16552,7 @@
               </p:txBody>
             </p:sp>
           </mc:Choice>
-          <mc:Fallback>
+          <mc:Fallback xmlns="">
             <p:sp>
               <p:nvSpPr>
                 <p:cNvPr id="41" name="TextBox 40">
@@ -16600,8 +16597,8 @@
             </p:sp>
           </mc:Fallback>
         </mc:AlternateContent>
-        <mc:AlternateContent xmlns:mc="http://schemas.openxmlformats.org/markup-compatibility/2006">
-          <mc:Choice xmlns:a14="http://schemas.microsoft.com/office/drawing/2010/main" Requires="a14">
+        <mc:AlternateContent xmlns:mc="http://schemas.openxmlformats.org/markup-compatibility/2006" xmlns:a14="http://schemas.microsoft.com/office/drawing/2010/main">
+          <mc:Choice Requires="a14">
             <p:sp>
               <p:nvSpPr>
                 <p:cNvPr id="42" name="TextBox 41">
@@ -16630,6 +16627,7 @@
                 </a:bodyPr>
                 <a:lstStyle/>
                 <a:p>
+                  <a:pPr/>
                   <a14:m>
                     <m:oMathPara xmlns:m="http://schemas.openxmlformats.org/officeDocument/2006/math">
                       <m:oMathParaPr>
@@ -16663,7 +16661,7 @@
               </p:txBody>
             </p:sp>
           </mc:Choice>
-          <mc:Fallback>
+          <mc:Fallback xmlns="">
             <p:sp>
               <p:nvSpPr>
                 <p:cNvPr id="42" name="TextBox 41">
@@ -16708,8 +16706,8 @@
             </p:sp>
           </mc:Fallback>
         </mc:AlternateContent>
-        <mc:AlternateContent xmlns:mc="http://schemas.openxmlformats.org/markup-compatibility/2006">
-          <mc:Choice xmlns:a14="http://schemas.microsoft.com/office/drawing/2010/main" Requires="a14">
+        <mc:AlternateContent xmlns:mc="http://schemas.openxmlformats.org/markup-compatibility/2006" xmlns:a14="http://schemas.microsoft.com/office/drawing/2010/main">
+          <mc:Choice Requires="a14">
             <p:sp>
               <p:nvSpPr>
                 <p:cNvPr id="43" name="TextBox 42">
@@ -16738,6 +16736,7 @@
                 </a:bodyPr>
                 <a:lstStyle/>
                 <a:p>
+                  <a:pPr/>
                   <a14:m>
                     <m:oMathPara xmlns:m="http://schemas.openxmlformats.org/officeDocument/2006/math">
                       <m:oMathParaPr>
@@ -16771,7 +16770,7 @@
               </p:txBody>
             </p:sp>
           </mc:Choice>
-          <mc:Fallback>
+          <mc:Fallback xmlns="">
             <p:sp>
               <p:nvSpPr>
                 <p:cNvPr id="43" name="TextBox 42">
@@ -16816,8 +16815,8 @@
             </p:sp>
           </mc:Fallback>
         </mc:AlternateContent>
-        <mc:AlternateContent xmlns:mc="http://schemas.openxmlformats.org/markup-compatibility/2006">
-          <mc:Choice xmlns:a14="http://schemas.microsoft.com/office/drawing/2010/main" Requires="a14">
+        <mc:AlternateContent xmlns:mc="http://schemas.openxmlformats.org/markup-compatibility/2006" xmlns:a14="http://schemas.microsoft.com/office/drawing/2010/main">
+          <mc:Choice Requires="a14">
             <p:sp>
               <p:nvSpPr>
                 <p:cNvPr id="44" name="TextBox 43">
@@ -16846,6 +16845,7 @@
                 </a:bodyPr>
                 <a:lstStyle/>
                 <a:p>
+                  <a:pPr/>
                   <a14:m>
                     <m:oMathPara xmlns:m="http://schemas.openxmlformats.org/officeDocument/2006/math">
                       <m:oMathParaPr>
@@ -16879,7 +16879,7 @@
               </p:txBody>
             </p:sp>
           </mc:Choice>
-          <mc:Fallback>
+          <mc:Fallback xmlns="">
             <p:sp>
               <p:nvSpPr>
                 <p:cNvPr id="44" name="TextBox 43">
@@ -16924,8 +16924,8 @@
             </p:sp>
           </mc:Fallback>
         </mc:AlternateContent>
-        <mc:AlternateContent xmlns:mc="http://schemas.openxmlformats.org/markup-compatibility/2006">
-          <mc:Choice xmlns:a14="http://schemas.microsoft.com/office/drawing/2010/main" Requires="a14">
+        <mc:AlternateContent xmlns:mc="http://schemas.openxmlformats.org/markup-compatibility/2006" xmlns:a14="http://schemas.microsoft.com/office/drawing/2010/main">
+          <mc:Choice Requires="a14">
             <p:sp>
               <p:nvSpPr>
                 <p:cNvPr id="45" name="TextBox 44">
@@ -16954,6 +16954,7 @@
                 </a:bodyPr>
                 <a:lstStyle/>
                 <a:p>
+                  <a:pPr/>
                   <a14:m>
                     <m:oMathPara xmlns:m="http://schemas.openxmlformats.org/officeDocument/2006/math">
                       <m:oMathParaPr>
@@ -16987,7 +16988,7 @@
               </p:txBody>
             </p:sp>
           </mc:Choice>
-          <mc:Fallback>
+          <mc:Fallback xmlns="">
             <p:sp>
               <p:nvSpPr>
                 <p:cNvPr id="45" name="TextBox 44">
@@ -17527,8 +17528,8 @@
             </a:p>
           </p:txBody>
         </p:sp>
-        <mc:AlternateContent xmlns:mc="http://schemas.openxmlformats.org/markup-compatibility/2006">
-          <mc:Choice xmlns:a14="http://schemas.microsoft.com/office/drawing/2010/main" Requires="a14">
+        <mc:AlternateContent xmlns:mc="http://schemas.openxmlformats.org/markup-compatibility/2006" xmlns:a14="http://schemas.microsoft.com/office/drawing/2010/main">
+          <mc:Choice Requires="a14">
             <p:sp>
               <p:nvSpPr>
                 <p:cNvPr id="65" name="TextBox 64">
@@ -17557,6 +17558,7 @@
                 </a:bodyPr>
                 <a:lstStyle/>
                 <a:p>
+                  <a:pPr/>
                   <a14:m>
                     <m:oMathPara xmlns:m="http://schemas.openxmlformats.org/officeDocument/2006/math">
                       <m:oMathParaPr>
@@ -17596,7 +17598,7 @@
               </p:txBody>
             </p:sp>
           </mc:Choice>
-          <mc:Fallback>
+          <mc:Fallback xmlns="">
             <p:sp>
               <p:nvSpPr>
                 <p:cNvPr id="65" name="TextBox 64">
@@ -17641,8 +17643,8 @@
             </p:sp>
           </mc:Fallback>
         </mc:AlternateContent>
-        <mc:AlternateContent xmlns:mc="http://schemas.openxmlformats.org/markup-compatibility/2006">
-          <mc:Choice xmlns:a14="http://schemas.microsoft.com/office/drawing/2010/main" Requires="a14">
+        <mc:AlternateContent xmlns:mc="http://schemas.openxmlformats.org/markup-compatibility/2006" xmlns:a14="http://schemas.microsoft.com/office/drawing/2010/main">
+          <mc:Choice Requires="a14">
             <p:sp>
               <p:nvSpPr>
                 <p:cNvPr id="66" name="TextBox 65">
@@ -17671,6 +17673,7 @@
                 </a:bodyPr>
                 <a:lstStyle/>
                 <a:p>
+                  <a:pPr/>
                   <a14:m>
                     <m:oMathPara xmlns:m="http://schemas.openxmlformats.org/officeDocument/2006/math">
                       <m:oMathParaPr>
@@ -17710,7 +17713,7 @@
               </p:txBody>
             </p:sp>
           </mc:Choice>
-          <mc:Fallback>
+          <mc:Fallback xmlns="">
             <p:sp>
               <p:nvSpPr>
                 <p:cNvPr id="66" name="TextBox 65">
@@ -17755,8 +17758,8 @@
             </p:sp>
           </mc:Fallback>
         </mc:AlternateContent>
-        <mc:AlternateContent xmlns:mc="http://schemas.openxmlformats.org/markup-compatibility/2006">
-          <mc:Choice xmlns:a14="http://schemas.microsoft.com/office/drawing/2010/main" Requires="a14">
+        <mc:AlternateContent xmlns:mc="http://schemas.openxmlformats.org/markup-compatibility/2006" xmlns:a14="http://schemas.microsoft.com/office/drawing/2010/main">
+          <mc:Choice Requires="a14">
             <p:sp>
               <p:nvSpPr>
                 <p:cNvPr id="67" name="TextBox 66">
@@ -17785,6 +17788,7 @@
                 </a:bodyPr>
                 <a:lstStyle/>
                 <a:p>
+                  <a:pPr/>
                   <a14:m>
                     <m:oMathPara xmlns:m="http://schemas.openxmlformats.org/officeDocument/2006/math">
                       <m:oMathParaPr>
@@ -17824,7 +17828,7 @@
               </p:txBody>
             </p:sp>
           </mc:Choice>
-          <mc:Fallback>
+          <mc:Fallback xmlns="">
             <p:sp>
               <p:nvSpPr>
                 <p:cNvPr id="67" name="TextBox 66">
@@ -17869,8 +17873,8 @@
             </p:sp>
           </mc:Fallback>
         </mc:AlternateContent>
-        <mc:AlternateContent xmlns:mc="http://schemas.openxmlformats.org/markup-compatibility/2006">
-          <mc:Choice xmlns:a14="http://schemas.microsoft.com/office/drawing/2010/main" Requires="a14">
+        <mc:AlternateContent xmlns:mc="http://schemas.openxmlformats.org/markup-compatibility/2006" xmlns:a14="http://schemas.microsoft.com/office/drawing/2010/main">
+          <mc:Choice Requires="a14">
             <p:sp>
               <p:nvSpPr>
                 <p:cNvPr id="68" name="TextBox 67">
@@ -17899,6 +17903,7 @@
                 </a:bodyPr>
                 <a:lstStyle/>
                 <a:p>
+                  <a:pPr/>
                   <a14:m>
                     <m:oMathPara xmlns:m="http://schemas.openxmlformats.org/officeDocument/2006/math">
                       <m:oMathParaPr>
@@ -17938,7 +17943,7 @@
               </p:txBody>
             </p:sp>
           </mc:Choice>
-          <mc:Fallback>
+          <mc:Fallback xmlns="">
             <p:sp>
               <p:nvSpPr>
                 <p:cNvPr id="68" name="TextBox 67">
@@ -18800,6 +18805,21 @@
 </file>
 
 <file path=customXml/item1.xml><?xml version="1.0" encoding="utf-8"?>
+<p:properties xmlns:p="http://schemas.microsoft.com/office/2006/metadata/properties" xmlns:xsi="http://www.w3.org/2001/XMLSchema-instance" xmlns:pc="http://schemas.microsoft.com/office/infopath/2007/PartnerControls">
+  <documentManagement/>
+</p:properties>
+</file>
+
+<file path=customXml/item2.xml><?xml version="1.0" encoding="utf-8"?>
+<?mso-contentType ?>
+<FormTemplates xmlns="http://schemas.microsoft.com/sharepoint/v3/contenttype/forms">
+  <Display>DocumentLibraryForm</Display>
+  <Edit>DocumentLibraryForm</Edit>
+  <New>DocumentLibraryForm</New>
+</FormTemplates>
+</file>
+
+<file path=customXml/item3.xml><?xml version="1.0" encoding="utf-8"?>
 <ct:contentTypeSchema xmlns:ct="http://schemas.microsoft.com/office/2006/metadata/contentType" xmlns:ma="http://schemas.microsoft.com/office/2006/metadata/properties/metaAttributes" ct:_="" ma:_="" ma:contentTypeName="문서" ma:contentTypeID="0x010100C6C51462BCE4E14593A9509F6507D674" ma:contentTypeVersion="9" ma:contentTypeDescription="새 문서를 만듭니다." ma:contentTypeScope="" ma:versionID="90806a5e28ebd9ef9139ed7a97de153b">
   <xsd:schema xmlns:xsd="http://www.w3.org/2001/XMLSchema" xmlns:xs="http://www.w3.org/2001/XMLSchema" xmlns:p="http://schemas.microsoft.com/office/2006/metadata/properties" xmlns:ns3="464faf9e-ff6f-408c-8609-e634bb4f1828" targetNamespace="http://schemas.microsoft.com/office/2006/metadata/properties" ma:root="true" ma:fieldsID="665771735238d7a5361e90b488fdc075" ns3:_="">
     <xsd:import namespace="464faf9e-ff6f-408c-8609-e634bb4f1828"/>
@@ -18975,22 +18995,31 @@
 </ct:contentTypeSchema>
 </file>
 
-<file path=customXml/item2.xml><?xml version="1.0" encoding="utf-8"?>
-<?mso-contentType ?>
-<FormTemplates xmlns="http://schemas.microsoft.com/sharepoint/v3/contenttype/forms">
-  <Display>DocumentLibraryForm</Display>
-  <Edit>DocumentLibraryForm</Edit>
-  <New>DocumentLibraryForm</New>
-</FormTemplates>
+<file path=customXml/itemProps1.xml><?xml version="1.0" encoding="utf-8"?>
+<ds:datastoreItem xmlns:ds="http://schemas.openxmlformats.org/officeDocument/2006/customXml" ds:itemID="{743A6985-05E1-49CF-9FCB-1E246AB9C962}">
+  <ds:schemaRefs>
+    <ds:schemaRef ds:uri="http://schemas.microsoft.com/office/infopath/2007/PartnerControls"/>
+    <ds:schemaRef ds:uri="http://purl.org/dc/terms/"/>
+    <ds:schemaRef ds:uri="http://www.w3.org/XML/1998/namespace"/>
+    <ds:schemaRef ds:uri="http://schemas.microsoft.com/office/2006/metadata/properties"/>
+    <ds:schemaRef ds:uri="http://schemas.openxmlformats.org/package/2006/metadata/core-properties"/>
+    <ds:schemaRef ds:uri="http://schemas.microsoft.com/office/2006/documentManagement/types"/>
+    <ds:schemaRef ds:uri="464faf9e-ff6f-408c-8609-e634bb4f1828"/>
+    <ds:schemaRef ds:uri="http://purl.org/dc/dcmitype/"/>
+    <ds:schemaRef ds:uri="http://purl.org/dc/elements/1.1/"/>
+  </ds:schemaRefs>
+</ds:datastoreItem>
 </file>
 
-<file path=customXml/item3.xml><?xml version="1.0" encoding="utf-8"?>
-<p:properties xmlns:p="http://schemas.microsoft.com/office/2006/metadata/properties" xmlns:xsi="http://www.w3.org/2001/XMLSchema-instance" xmlns:pc="http://schemas.microsoft.com/office/infopath/2007/PartnerControls">
-  <documentManagement/>
-</p:properties>
+<file path=customXml/itemProps2.xml><?xml version="1.0" encoding="utf-8"?>
+<ds:datastoreItem xmlns:ds="http://schemas.openxmlformats.org/officeDocument/2006/customXml" ds:itemID="{52CF8E11-4B57-48AA-B423-A37E585F5CF4}">
+  <ds:schemaRefs>
+    <ds:schemaRef ds:uri="http://schemas.microsoft.com/sharepoint/v3/contenttype/forms"/>
+  </ds:schemaRefs>
+</ds:datastoreItem>
 </file>
 
-<file path=customXml/itemProps1.xml><?xml version="1.0" encoding="utf-8"?>
+<file path=customXml/itemProps3.xml><?xml version="1.0" encoding="utf-8"?>
 <ds:datastoreItem xmlns:ds="http://schemas.openxmlformats.org/officeDocument/2006/customXml" ds:itemID="{B7D89CE6-C3C7-47A9-828A-9B6ADF14540D}">
   <ds:schemaRefs>
     <ds:schemaRef ds:uri="http://schemas.microsoft.com/office/2006/metadata/contentType"/>
@@ -19006,28 +19035,4 @@
     <ds:schemaRef ds:uri="http://schemas.microsoft.com/internal/obd"/>
   </ds:schemaRefs>
 </ds:datastoreItem>
-</file>
-
-<file path=customXml/itemProps2.xml><?xml version="1.0" encoding="utf-8"?>
-<ds:datastoreItem xmlns:ds="http://schemas.openxmlformats.org/officeDocument/2006/customXml" ds:itemID="{52CF8E11-4B57-48AA-B423-A37E585F5CF4}">
-  <ds:schemaRefs>
-    <ds:schemaRef ds:uri="http://schemas.microsoft.com/sharepoint/v3/contenttype/forms"/>
-  </ds:schemaRefs>
-</ds:datastoreItem>
-</file>
-
-<file path=customXml/itemProps3.xml><?xml version="1.0" encoding="utf-8"?>
-<ds:datastoreItem xmlns:ds="http://schemas.openxmlformats.org/officeDocument/2006/customXml" ds:itemID="{743A6985-05E1-49CF-9FCB-1E246AB9C962}">
-  <ds:schemaRefs>
-    <ds:schemaRef ds:uri="http://schemas.microsoft.com/office/infopath/2007/PartnerControls"/>
-    <ds:schemaRef ds:uri="http://purl.org/dc/terms/"/>
-    <ds:schemaRef ds:uri="http://www.w3.org/XML/1998/namespace"/>
-    <ds:schemaRef ds:uri="http://schemas.microsoft.com/office/2006/metadata/properties"/>
-    <ds:schemaRef ds:uri="http://schemas.openxmlformats.org/package/2006/metadata/core-properties"/>
-    <ds:schemaRef ds:uri="http://schemas.microsoft.com/office/2006/documentManagement/types"/>
-    <ds:schemaRef ds:uri="464faf9e-ff6f-408c-8609-e634bb4f1828"/>
-    <ds:schemaRef ds:uri="http://purl.org/dc/dcmitype/"/>
-    <ds:schemaRef ds:uri="http://purl.org/dc/elements/1.1/"/>
-  </ds:schemaRefs>
-</ds:datastoreItem>
 </file>